--- a/developer/session-3/session-3-tool-use.pptx
+++ b/developer/session-3/session-3-tool-use.pptx
@@ -6,7 +6,7 @@
   </p:sldMasterIdLst>
   <p:sldIdLst>
     <p:sldId id="256" r:id="rId7"/>
-    <p:sldId id="257" r:id="rId8"/>
+    <p:sldId id="257" r:id="rId9"/>
     <p:sldId id="258" r:id="rId10"/>
     <p:sldId id="259" r:id="rId11"/>
     <p:sldId id="260" r:id="rId12"/>
@@ -15,6 +15,8 @@
     <p:sldId id="263" r:id="rId15"/>
     <p:sldId id="264" r:id="rId16"/>
     <p:sldId id="265" r:id="rId17"/>
+    <p:sldId id="266" r:id="rId18"/>
+    <p:sldId id="267" r:id="rId19"/>
   </p:sldIdLst>
   <p:sldSz cx="12191695" cy="6858000" type="screen4x3"/>
   <p:notesSz cx="6858000" cy="9144000"/>
@@ -511,7 +513,217 @@
           <a:lstStyle/>
           <a:p>
             <a:r>
-              <a:t>Tool use is the bridge from 'chatbot' to 'AI that does things.' The model is the brain, your code is the hands.</a:t>
+              <a:t>Welcome to Session 3. Function calling across providers, Assistants API, Custom GPTs</a:t>
+            </a:r>
+          </a:p>
+        </p:txBody>
+      </p:sp>
+      <p:sp>
+        <p:nvSpPr>
+          <p:cNvPr id="4" name="Slide Number Placeholder 3"/>
+          <p:cNvSpPr>
+            <a:spLocks noGrp="1"/>
+          </p:cNvSpPr>
+          <p:nvPr>
+            <p:ph type="sldNum" idx="5" sz="quarter"/>
+          </p:nvPr>
+        </p:nvSpPr>
+        <p:spPr/>
+      </p:sp>
+    </p:spTree>
+  </p:cSld>
+  <p:clrMapOvr>
+    <a:masterClrMapping/>
+  </p:clrMapOvr>
+</p:notes>
+</file>
+
+<file path=ppt/notesSlides/notesSlide10.xml><?xml version="1.0" encoding="utf-8"?>
+<p:notes xmlns:a="http://schemas.openxmlformats.org/drawingml/2006/main" xmlns:p="http://schemas.openxmlformats.org/presentationml/2006/main" xmlns:r="http://schemas.openxmlformats.org/officeDocument/2006/relationships">
+  <p:cSld>
+    <p:spTree>
+      <p:nvGrpSpPr>
+        <p:cNvPr id="1" name=""/>
+        <p:cNvGrpSpPr/>
+        <p:nvPr/>
+      </p:nvGrpSpPr>
+      <p:grpSpPr>
+        <a:xfrm>
+          <a:off x="0" y="0"/>
+          <a:ext cx="0" cy="0"/>
+          <a:chOff x="0" y="0"/>
+          <a:chExt cx="0" cy="0"/>
+        </a:xfrm>
+      </p:grpSpPr>
+      <p:sp>
+        <p:nvSpPr>
+          <p:cNvPr id="2" name="Slide Image Placeholder 1"/>
+          <p:cNvSpPr>
+            <a:spLocks noGrp="1"/>
+          </p:cNvSpPr>
+          <p:nvPr>
+            <p:ph type="sldImg" idx="2"/>
+          </p:nvPr>
+        </p:nvSpPr>
+        <p:spPr/>
+      </p:sp>
+      <p:sp>
+        <p:nvSpPr>
+          <p:cNvPr id="3" name="Notes Placeholder 2"/>
+          <p:cNvSpPr>
+            <a:spLocks noGrp="1"/>
+          </p:cNvSpPr>
+          <p:nvPr>
+            <p:ph type="body" idx="3" sz="quarter"/>
+          </p:nvPr>
+        </p:nvSpPr>
+        <p:spPr/>
+        <p:txBody>
+          <a:bodyPr/>
+          <a:lstStyle/>
+          <a:p>
+            <a:r>
+              <a:t>Compare the no-code approaches. Skills (OpenClaw) are the most flexible for developers.</a:t>
+            </a:r>
+          </a:p>
+        </p:txBody>
+      </p:sp>
+      <p:sp>
+        <p:nvSpPr>
+          <p:cNvPr id="4" name="Slide Number Placeholder 3"/>
+          <p:cNvSpPr>
+            <a:spLocks noGrp="1"/>
+          </p:cNvSpPr>
+          <p:nvPr>
+            <p:ph type="sldNum" idx="5" sz="quarter"/>
+          </p:nvPr>
+        </p:nvSpPr>
+        <p:spPr/>
+      </p:sp>
+    </p:spTree>
+  </p:cSld>
+  <p:clrMapOvr>
+    <a:masterClrMapping/>
+  </p:clrMapOvr>
+</p:notes>
+</file>
+
+<file path=ppt/notesSlides/notesSlide11.xml><?xml version="1.0" encoding="utf-8"?>
+<p:notes xmlns:a="http://schemas.openxmlformats.org/drawingml/2006/main" xmlns:p="http://schemas.openxmlformats.org/presentationml/2006/main" xmlns:r="http://schemas.openxmlformats.org/officeDocument/2006/relationships">
+  <p:cSld>
+    <p:spTree>
+      <p:nvGrpSpPr>
+        <p:cNvPr id="1" name=""/>
+        <p:cNvGrpSpPr/>
+        <p:nvPr/>
+      </p:nvGrpSpPr>
+      <p:grpSpPr>
+        <a:xfrm>
+          <a:off x="0" y="0"/>
+          <a:ext cx="0" cy="0"/>
+          <a:chOff x="0" y="0"/>
+          <a:chExt cx="0" cy="0"/>
+        </a:xfrm>
+      </p:grpSpPr>
+      <p:sp>
+        <p:nvSpPr>
+          <p:cNvPr id="2" name="Slide Image Placeholder 1"/>
+          <p:cNvSpPr>
+            <a:spLocks noGrp="1"/>
+          </p:cNvSpPr>
+          <p:nvPr>
+            <p:ph type="sldImg" idx="2"/>
+          </p:nvPr>
+        </p:nvSpPr>
+        <p:spPr/>
+      </p:sp>
+      <p:sp>
+        <p:nvSpPr>
+          <p:cNvPr id="3" name="Notes Placeholder 2"/>
+          <p:cNvSpPr>
+            <a:spLocks noGrp="1"/>
+          </p:cNvSpPr>
+          <p:nvPr>
+            <p:ph type="body" idx="3" sz="quarter"/>
+          </p:nvPr>
+        </p:nvSpPr>
+        <p:spPr/>
+        <p:txBody>
+          <a:bodyPr/>
+          <a:lstStyle/>
+          <a:p>
+            <a:r>
+              <a:t>Hands-on. Students run tool_calling.py, try each provider, observe tool call logs.</a:t>
+            </a:r>
+          </a:p>
+        </p:txBody>
+      </p:sp>
+      <p:sp>
+        <p:nvSpPr>
+          <p:cNvPr id="4" name="Slide Number Placeholder 3"/>
+          <p:cNvSpPr>
+            <a:spLocks noGrp="1"/>
+          </p:cNvSpPr>
+          <p:nvPr>
+            <p:ph type="sldNum" idx="5" sz="quarter"/>
+          </p:nvPr>
+        </p:nvSpPr>
+        <p:spPr/>
+      </p:sp>
+    </p:spTree>
+  </p:cSld>
+  <p:clrMapOvr>
+    <a:masterClrMapping/>
+  </p:clrMapOvr>
+</p:notes>
+</file>
+
+<file path=ppt/notesSlides/notesSlide12.xml><?xml version="1.0" encoding="utf-8"?>
+<p:notes xmlns:a="http://schemas.openxmlformats.org/drawingml/2006/main" xmlns:p="http://schemas.openxmlformats.org/presentationml/2006/main" xmlns:r="http://schemas.openxmlformats.org/officeDocument/2006/relationships">
+  <p:cSld>
+    <p:spTree>
+      <p:nvGrpSpPr>
+        <p:cNvPr id="1" name=""/>
+        <p:cNvGrpSpPr/>
+        <p:nvPr/>
+      </p:nvGrpSpPr>
+      <p:grpSpPr>
+        <a:xfrm>
+          <a:off x="0" y="0"/>
+          <a:ext cx="0" cy="0"/>
+          <a:chOff x="0" y="0"/>
+          <a:chExt cx="0" cy="0"/>
+        </a:xfrm>
+      </p:grpSpPr>
+      <p:sp>
+        <p:nvSpPr>
+          <p:cNvPr id="2" name="Slide Image Placeholder 1"/>
+          <p:cNvSpPr>
+            <a:spLocks noGrp="1"/>
+          </p:cNvSpPr>
+          <p:nvPr>
+            <p:ph type="sldImg" idx="2"/>
+          </p:nvPr>
+        </p:nvSpPr>
+        <p:spPr/>
+      </p:sp>
+      <p:sp>
+        <p:nvSpPr>
+          <p:cNvPr id="3" name="Notes Placeholder 2"/>
+          <p:cNvSpPr>
+            <a:spLocks noGrp="1"/>
+          </p:cNvSpPr>
+          <p:nvPr>
+            <p:ph type="body" idx="3" sz="quarter"/>
+          </p:nvPr>
+        </p:nvSpPr>
+        <p:spPr/>
+        <p:txBody>
+          <a:bodyPr/>
+          <a:lstStyle/>
+          <a:p>
+            <a:r>
+              <a:t>Recap. Tool use is the gateway to agentic AI.</a:t>
             </a:r>
           </a:p>
         </p:txBody>
@@ -581,7 +793,7 @@
           <a:lstStyle/>
           <a:p>
             <a:r>
-              <a:t>The model returns a structured tool_call, not text. Your code executes the function and sends results back. The model then formulates a human-friendly response.</a:t>
+              <a:t>Tool use is THE most important API feature after basic chat. It's what makes AI actually useful beyond text generation.</a:t>
             </a:r>
           </a:p>
         </p:txBody>
@@ -651,7 +863,7 @@
           <a:lstStyle/>
           <a:p>
             <a:r>
-              <a:t>Define tools as JSON schemas. Model returns tool_calls. Parse arguments, execute, send result back in a 'tool' role message with tool_call_id.</a:t>
+              <a:t>This loop is identical in concept across all providers. The JSON format differs slightly.</a:t>
             </a:r>
           </a:p>
         </p:txBody>
@@ -721,7 +933,7 @@
           <a:lstStyle/>
           <a:p>
             <a:r>
-              <a:t>Anthropic uses input_schema, stop_reason=='tool_use', and content blocks. Arguments come as a dict — no JSON parsing needed.</a:t>
+              <a:t>Tool definitions use JSON Schema. Name, description, and parameters. The description is critical — it tells the model WHEN to use the tool.</a:t>
             </a:r>
           </a:p>
         </p:txBody>
@@ -791,7 +1003,7 @@
           <a:lstStyle/>
           <a:p>
             <a:r>
-              <a:t>Same concepts, different JSON shapes. Anthropic args come as dict (no JSON parsing). All support parallel tool calls and forcing specific tools.</a:t>
+              <a:t>OpenAI wraps tools in {type: function, function: ...}. Tool results use role: tool with the call ID.</a:t>
             </a:r>
           </a:p>
         </p:txBody>
@@ -861,7 +1073,7 @@
           <a:lstStyle/>
           <a:p>
             <a:r>
-              <a:t>Start stateless. You understand exactly what's happening and it's portable across providers. Use Assistants for specific features like code interpreter.</a:t>
+              <a:t>Anthropic: check stop_reason == 'tool_use'. Tool results go as a user message with tool_result blocks.</a:t>
             </a:r>
           </a:p>
         </p:txBody>
@@ -931,7 +1143,147 @@
           <a:lstStyle/>
           <a:p>
             <a:r>
-              <a:t>These are consumer/prosumer tools. For developers, you want more control via tool-calling assistants and platforms like OpenClaw.</a:t>
+              <a:t>Gemini uses typed objects instead of raw JSON. FunctionDeclaration + Schema. Response includes function_call.</a:t>
+            </a:r>
+          </a:p>
+        </p:txBody>
+      </p:sp>
+      <p:sp>
+        <p:nvSpPr>
+          <p:cNvPr id="4" name="Slide Number Placeholder 3"/>
+          <p:cNvSpPr>
+            <a:spLocks noGrp="1"/>
+          </p:cNvSpPr>
+          <p:nvPr>
+            <p:ph type="sldNum" idx="5" sz="quarter"/>
+          </p:nvPr>
+        </p:nvSpPr>
+        <p:spPr/>
+      </p:sp>
+    </p:spTree>
+  </p:cSld>
+  <p:clrMapOvr>
+    <a:masterClrMapping/>
+  </p:clrMapOvr>
+</p:notes>
+</file>
+
+<file path=ppt/notesSlides/notesSlide8.xml><?xml version="1.0" encoding="utf-8"?>
+<p:notes xmlns:a="http://schemas.openxmlformats.org/drawingml/2006/main" xmlns:p="http://schemas.openxmlformats.org/presentationml/2006/main" xmlns:r="http://schemas.openxmlformats.org/officeDocument/2006/relationships">
+  <p:cSld>
+    <p:spTree>
+      <p:nvGrpSpPr>
+        <p:cNvPr id="1" name=""/>
+        <p:cNvGrpSpPr/>
+        <p:nvPr/>
+      </p:nvGrpSpPr>
+      <p:grpSpPr>
+        <a:xfrm>
+          <a:off x="0" y="0"/>
+          <a:ext cx="0" cy="0"/>
+          <a:chOff x="0" y="0"/>
+          <a:chExt cx="0" cy="0"/>
+        </a:xfrm>
+      </p:grpSpPr>
+      <p:sp>
+        <p:nvSpPr>
+          <p:cNvPr id="2" name="Slide Image Placeholder 1"/>
+          <p:cNvSpPr>
+            <a:spLocks noGrp="1"/>
+          </p:cNvSpPr>
+          <p:nvPr>
+            <p:ph type="sldImg" idx="2"/>
+          </p:nvPr>
+        </p:nvSpPr>
+        <p:spPr/>
+      </p:sp>
+      <p:sp>
+        <p:nvSpPr>
+          <p:cNvPr id="3" name="Notes Placeholder 2"/>
+          <p:cNvSpPr>
+            <a:spLocks noGrp="1"/>
+          </p:cNvSpPr>
+          <p:nvPr>
+            <p:ph type="body" idx="3" sz="quarter"/>
+          </p:nvPr>
+        </p:nvSpPr>
+        <p:spPr/>
+        <p:txBody>
+          <a:bodyPr/>
+          <a:lstStyle/>
+          <a:p>
+            <a:r>
+              <a:t>Side-by-side comparison. The concepts are identical, only the JSON structure differs.</a:t>
+            </a:r>
+          </a:p>
+        </p:txBody>
+      </p:sp>
+      <p:sp>
+        <p:nvSpPr>
+          <p:cNvPr id="4" name="Slide Number Placeholder 3"/>
+          <p:cNvSpPr>
+            <a:spLocks noGrp="1"/>
+          </p:cNvSpPr>
+          <p:nvPr>
+            <p:ph type="sldNum" idx="5" sz="quarter"/>
+          </p:nvPr>
+        </p:nvSpPr>
+        <p:spPr/>
+      </p:sp>
+    </p:spTree>
+  </p:cSld>
+  <p:clrMapOvr>
+    <a:masterClrMapping/>
+  </p:clrMapOvr>
+</p:notes>
+</file>
+
+<file path=ppt/notesSlides/notesSlide9.xml><?xml version="1.0" encoding="utf-8"?>
+<p:notes xmlns:a="http://schemas.openxmlformats.org/drawingml/2006/main" xmlns:p="http://schemas.openxmlformats.org/presentationml/2006/main" xmlns:r="http://schemas.openxmlformats.org/officeDocument/2006/relationships">
+  <p:cSld>
+    <p:spTree>
+      <p:nvGrpSpPr>
+        <p:cNvPr id="1" name=""/>
+        <p:cNvGrpSpPr/>
+        <p:nvPr/>
+      </p:nvGrpSpPr>
+      <p:grpSpPr>
+        <a:xfrm>
+          <a:off x="0" y="0"/>
+          <a:ext cx="0" cy="0"/>
+          <a:chOff x="0" y="0"/>
+          <a:chExt cx="0" cy="0"/>
+        </a:xfrm>
+      </p:grpSpPr>
+      <p:sp>
+        <p:nvSpPr>
+          <p:cNvPr id="2" name="Slide Image Placeholder 1"/>
+          <p:cNvSpPr>
+            <a:spLocks noGrp="1"/>
+          </p:cNvSpPr>
+          <p:nvPr>
+            <p:ph type="sldImg" idx="2"/>
+          </p:nvPr>
+        </p:nvSpPr>
+        <p:spPr/>
+      </p:sp>
+      <p:sp>
+        <p:nvSpPr>
+          <p:cNvPr id="3" name="Notes Placeholder 2"/>
+          <p:cNvSpPr>
+            <a:spLocks noGrp="1"/>
+          </p:cNvSpPr>
+          <p:nvPr>
+            <p:ph type="body" idx="3" sz="quarter"/>
+          </p:nvPr>
+        </p:nvSpPr>
+        <p:spPr/>
+        <p:txBody>
+          <a:bodyPr/>
+          <a:lstStyle/>
+          <a:p>
+            <a:r>
+              <a:t>Assistants API is convenient but locks you into OpenAI. Messages API gives you full control and portability.</a:t>
             </a:r>
           </a:p>
         </p:txBody>
@@ -3953,8 +4305,8 @@
         </p:nvSpPr>
         <p:spPr>
           <a:xfrm>
-            <a:off x="914400" y="731520"/>
-            <a:ext cx="10058400" cy="548640"/>
+            <a:off x="914400" y="1828800"/>
+            <a:ext cx="10362895" cy="1371600"/>
           </a:xfrm>
           <a:prstGeom prst="rect">
             <a:avLst/>
@@ -3968,14 +4320,14 @@
           <a:lstStyle/>
           <a:p>
             <a:pPr algn="l">
-              <a:defRPr sz="1600" b="1">
-                <a:solidFill>
-                  <a:srgbClr val="0096D6"/>
+              <a:defRPr sz="4400" b="1">
+                <a:solidFill>
+                  <a:srgbClr val="FFFFFF"/>
                 </a:solidFill>
               </a:defRPr>
             </a:pPr>
             <a:r>
-              <a:t>SESSION 3</a:t>
+              <a:t>Tool Use &amp; Custom Assistants</a:t>
             </a:r>
           </a:p>
         </p:txBody>
@@ -3988,8 +4340,8 @@
         </p:nvSpPr>
         <p:spPr>
           <a:xfrm>
-            <a:off x="914400" y="1371600"/>
-            <a:ext cx="10058400" cy="1371600"/>
+            <a:off x="914400" y="3291840"/>
+            <a:ext cx="10362895" cy="914400"/>
           </a:xfrm>
           <a:prstGeom prst="rect">
             <a:avLst/>
@@ -4002,15 +4354,15 @@
           </a:bodyPr>
           <a:lstStyle/>
           <a:p>
-            <a:pPr>
-              <a:defRPr sz="4000" b="1">
-                <a:solidFill>
-                  <a:srgbClr val="FFFFFF"/>
+            <a:pPr algn="l">
+              <a:defRPr sz="2200">
+                <a:solidFill>
+                  <a:srgbClr val="0096D6"/>
                 </a:solidFill>
               </a:defRPr>
             </a:pPr>
             <a:r>
-              <a:t>Tool Use &amp; Custom Assistants</a:t>
+              <a:t>Function calling across providers, Assistants API, Custom GPTs</a:t>
             </a:r>
           </a:p>
         </p:txBody>
@@ -4023,8 +4375,8 @@
         </p:nvSpPr>
         <p:spPr>
           <a:xfrm>
-            <a:off x="914400" y="2743200"/>
-            <a:ext cx="10058400" cy="457200"/>
+            <a:off x="914400" y="4572000"/>
+            <a:ext cx="10362895" cy="548640"/>
           </a:xfrm>
           <a:prstGeom prst="rect">
             <a:avLst/>
@@ -4037,113 +4389,15 @@
           </a:bodyPr>
           <a:lstStyle/>
           <a:p>
-            <a:pPr>
-              <a:defRPr sz="1800">
-                <a:solidFill>
-                  <a:srgbClr val="88AACC"/>
+            <a:pPr algn="l">
+              <a:defRPr sz="1400">
+                <a:solidFill>
+                  <a:srgbClr val="8899BB"/>
                 </a:solidFill>
               </a:defRPr>
             </a:pPr>
             <a:r>
-              <a:t>Cut the Crap — AI Engineer Edition</a:t>
-            </a:r>
-          </a:p>
-        </p:txBody>
-      </p:sp>
-      <p:sp>
-        <p:nvSpPr>
-          <p:cNvPr id="5" name="TextBox 4"/>
-          <p:cNvSpPr txBox="1"/>
-          <p:nvPr/>
-        </p:nvSpPr>
-        <p:spPr>
-          <a:xfrm>
-            <a:off x="914400" y="3657600"/>
-            <a:ext cx="10058400" cy="2743200"/>
-          </a:xfrm>
-          <a:prstGeom prst="rect">
-            <a:avLst/>
-          </a:prstGeom>
-          <a:noFill/>
-        </p:spPr>
-        <p:txBody>
-          <a:bodyPr wrap="square">
-            <a:spAutoFit/>
-          </a:bodyPr>
-          <a:lstStyle/>
-          <a:p>
-            <a:pPr>
-              <a:spcAft>
-                <a:spcPts val="600"/>
-              </a:spcAft>
-              <a:defRPr sz="1600">
-                <a:solidFill>
-                  <a:srgbClr val="CCDDEE"/>
-                </a:solidFill>
-              </a:defRPr>
-            </a:pPr>
-            <a:r>
-              <a:t>▸ Function calling / tool use across all 3 providers</a:t>
-            </a:r>
-          </a:p>
-          <a:p>
-            <a:pPr>
-              <a:spcAft>
-                <a:spcPts val="600"/>
-              </a:spcAft>
-              <a:defRPr sz="1600">
-                <a:solidFill>
-                  <a:srgbClr val="CCDDEE"/>
-                </a:solidFill>
-              </a:defRPr>
-            </a:pPr>
-            <a:r>
-              <a:t>▸ The tool use loop: message → call → execute → result → response</a:t>
-            </a:r>
-          </a:p>
-          <a:p>
-            <a:pPr>
-              <a:spcAft>
-                <a:spcPts val="600"/>
-              </a:spcAft>
-              <a:defRPr sz="1600">
-                <a:solidFill>
-                  <a:srgbClr val="CCDDEE"/>
-                </a:solidFill>
-              </a:defRPr>
-            </a:pPr>
-            <a:r>
-              <a:t>▸ Assistants API vs Messages API</a:t>
-            </a:r>
-          </a:p>
-          <a:p>
-            <a:pPr>
-              <a:spcAft>
-                <a:spcPts val="600"/>
-              </a:spcAft>
-              <a:defRPr sz="1600">
-                <a:solidFill>
-                  <a:srgbClr val="CCDDEE"/>
-                </a:solidFill>
-              </a:defRPr>
-            </a:pPr>
-            <a:r>
-              <a:t>▸ Custom GPTs, Claude Projects, Gems</a:t>
-            </a:r>
-          </a:p>
-          <a:p>
-            <a:pPr>
-              <a:spcAft>
-                <a:spcPts val="600"/>
-              </a:spcAft>
-              <a:defRPr sz="1600">
-                <a:solidFill>
-                  <a:srgbClr val="CCDDEE"/>
-                </a:solidFill>
-              </a:defRPr>
-            </a:pPr>
-            <a:r>
-              <a:t>▸ Hands-on: build a tool-calling assistant</a:t>
+              <a:t>Session 3 of 8  •  Cut the Crap — AI Engineer Edition  •  February 2026</a:t>
             </a:r>
           </a:p>
         </p:txBody>
@@ -4159,14 +4413,6 @@
 <file path=ppt/slides/slide10.xml><?xml version="1.0" encoding="utf-8"?>
 <p:sld xmlns:a="http://schemas.openxmlformats.org/drawingml/2006/main" xmlns:p="http://schemas.openxmlformats.org/presentationml/2006/main" xmlns:r="http://schemas.openxmlformats.org/officeDocument/2006/relationships">
   <p:cSld>
-    <p:bg>
-      <p:bgPr>
-        <a:solidFill>
-          <a:srgbClr val="FFFFFF"/>
-        </a:solidFill>
-        <a:effectLst/>
-      </p:bgPr>
-    </p:bg>
     <p:spTree>
       <p:nvGrpSpPr>
         <p:cNvPr id="1" name=""/>
@@ -4183,7 +4429,7 @@
         <p:spPr>
           <a:xfrm>
             <a:off x="0" y="0"/>
-            <a:ext cx="12191695" cy="54864"/>
+            <a:ext cx="12191695" cy="73152"/>
           </a:xfrm>
           <a:prstGeom prst="rect">
             <a:avLst/>
@@ -4226,7 +4472,7 @@
         <p:spPr>
           <a:xfrm>
             <a:off x="731520" y="274320"/>
-            <a:ext cx="10515600" cy="731520"/>
+            <a:ext cx="10728655" cy="822960"/>
           </a:xfrm>
           <a:prstGeom prst="rect">
             <a:avLst/>
@@ -4239,15 +4485,15 @@
           </a:bodyPr>
           <a:lstStyle/>
           <a:p>
-            <a:pPr>
-              <a:defRPr sz="2800" b="1">
+            <a:pPr algn="l">
+              <a:defRPr sz="3200" b="1">
                 <a:solidFill>
                   <a:srgbClr val="1B2A4A"/>
                 </a:solidFill>
               </a:defRPr>
             </a:pPr>
             <a:r>
-              <a:t>Session 3 Recap</a:t>
+              <a:t>Custom GPTs, Skills &amp; Gems</a:t>
             </a:r>
           </a:p>
         </p:txBody>
@@ -4260,8 +4506,8 @@
         </p:nvSpPr>
         <p:spPr>
           <a:xfrm>
-            <a:off x="731520" y="1188720"/>
-            <a:ext cx="10515600" cy="5029200"/>
+            <a:off x="914400" y="1280160"/>
+            <a:ext cx="10362895" cy="5029200"/>
           </a:xfrm>
           <a:prstGeom prst="rect">
             <a:avLst/>
@@ -4275,92 +4521,110 @@
           <a:lstStyle/>
           <a:p>
             <a:pPr>
+              <a:spcBef>
+                <a:spcPts val="400"/>
+              </a:spcBef>
               <a:spcAft>
                 <a:spcPts val="800"/>
               </a:spcAft>
-              <a:defRPr sz="1800">
+              <a:defRPr sz="2000">
                 <a:solidFill>
                   <a:srgbClr val="333333"/>
                 </a:solidFill>
               </a:defRPr>
             </a:pPr>
             <a:r>
-              <a:t>✅ Tool use: model decides WHAT, your code EXECUTES — all 3 providers</a:t>
+              <a:t>Custom GPTs (OpenAI): no-code wrapper — instructions + knowledge + actions</a:t>
             </a:r>
           </a:p>
           <a:p>
             <a:pPr>
+              <a:spcBef>
+                <a:spcPts val="400"/>
+              </a:spcBef>
               <a:spcAft>
                 <a:spcPts val="800"/>
               </a:spcAft>
-              <a:defRPr sz="1800">
+              <a:defRPr sz="2000">
                 <a:solidFill>
                   <a:srgbClr val="333333"/>
                 </a:solidFill>
               </a:defRPr>
             </a:pPr>
             <a:r>
-              <a:t>✅ The loop: message → tool_call → execute → tool_result → response</a:t>
+              <a:t>Gems (Google): similar concept for Gemini</a:t>
             </a:r>
           </a:p>
           <a:p>
             <a:pPr>
+              <a:spcBef>
+                <a:spcPts val="400"/>
+              </a:spcBef>
               <a:spcAft>
                 <a:spcPts val="800"/>
               </a:spcAft>
-              <a:defRPr sz="1800">
+              <a:defRPr sz="2000">
                 <a:solidFill>
                   <a:srgbClr val="333333"/>
                 </a:solidFill>
               </a:defRPr>
             </a:pPr>
             <a:r>
-              <a:t>✅ GPT-5.2 supports MCP + free-form tool calls natively</a:t>
+              <a:t>Skills (OpenClaw): code-based, run tools server-side (JS/Python)</a:t>
             </a:r>
           </a:p>
           <a:p>
             <a:pPr>
+              <a:spcBef>
+                <a:spcPts val="400"/>
+              </a:spcBef>
               <a:spcAft>
                 <a:spcPts val="800"/>
               </a:spcAft>
-              <a:defRPr sz="1800">
+              <a:defRPr sz="2000">
                 <a:solidFill>
                   <a:srgbClr val="333333"/>
                 </a:solidFill>
               </a:defRPr>
             </a:pPr>
             <a:r>
-              <a:t>✅ Always validate tool arguments and handle errors in production</a:t>
+              <a:t>Custom GPTs are easy but limited (no real code execution)</a:t>
             </a:r>
           </a:p>
           <a:p>
             <a:pPr>
+              <a:spcBef>
+                <a:spcPts val="400"/>
+              </a:spcBef>
               <a:spcAft>
                 <a:spcPts val="800"/>
               </a:spcAft>
-              <a:defRPr sz="1800">
+              <a:defRPr sz="2000">
                 <a:solidFill>
                   <a:srgbClr val="333333"/>
                 </a:solidFill>
               </a:defRPr>
             </a:pPr>
             <a:r>
-              <a:t>✅ Start stateless (Messages API), add Assistants for specific features</a:t>
+              <a:t>Skills are powerful — full programmatic control</a:t>
             </a:r>
           </a:p>
           <a:p>
             <a:pPr>
+              <a:spcBef>
+                <a:spcPts val="400"/>
+              </a:spcBef>
               <a:spcAft>
                 <a:spcPts val="800"/>
               </a:spcAft>
-              <a:defRPr sz="1800">
+              <a:defRPr sz="2000">
                 <a:solidFill>
                   <a:srgbClr val="333333"/>
                 </a:solidFill>
               </a:defRPr>
             </a:pPr>
             <a:r>
-              <a:t>Next → Session 4: MCP — the universal tool protocol</a:t>
+              <a:t>Marketplace: GPT Store, ClawHub (covered in Session 4)</a:t>
             </a:r>
           </a:p>
         </p:txBody>
@@ -4373,17 +4637,9 @@
 </p:sld>
 </file>
 
-<file path=ppt/slides/slide2.xml><?xml version="1.0" encoding="utf-8"?>
+<file path=ppt/slides/slide11.xml><?xml version="1.0" encoding="utf-8"?>
 <p:sld xmlns:a="http://schemas.openxmlformats.org/drawingml/2006/main" xmlns:p="http://schemas.openxmlformats.org/presentationml/2006/main" xmlns:r="http://schemas.openxmlformats.org/officeDocument/2006/relationships">
   <p:cSld>
-    <p:bg>
-      <p:bgPr>
-        <a:solidFill>
-          <a:srgbClr val="FFFFFF"/>
-        </a:solidFill>
-        <a:effectLst/>
-      </p:bgPr>
-    </p:bg>
     <p:spTree>
       <p:nvGrpSpPr>
         <p:cNvPr id="1" name=""/>
@@ -4400,7 +4656,7 @@
         <p:spPr>
           <a:xfrm>
             <a:off x="0" y="0"/>
-            <a:ext cx="12191695" cy="54864"/>
+            <a:ext cx="12191695" cy="73152"/>
           </a:xfrm>
           <a:prstGeom prst="rect">
             <a:avLst/>
@@ -4443,7 +4699,7 @@
         <p:spPr>
           <a:xfrm>
             <a:off x="731520" y="274320"/>
-            <a:ext cx="10515600" cy="731520"/>
+            <a:ext cx="10728655" cy="822960"/>
           </a:xfrm>
           <a:prstGeom prst="rect">
             <a:avLst/>
@@ -4456,15 +4712,15 @@
           </a:bodyPr>
           <a:lstStyle/>
           <a:p>
-            <a:pPr>
-              <a:defRPr sz="2800" b="1">
+            <a:pPr algn="l">
+              <a:defRPr sz="3200" b="1">
                 <a:solidFill>
                   <a:srgbClr val="1B2A4A"/>
                 </a:solidFill>
               </a:defRPr>
             </a:pPr>
             <a:r>
-              <a:t>Why Tool Use Changes Everything</a:t>
+              <a:t>Hands-On: Tool-Calling Assistant</a:t>
             </a:r>
           </a:p>
         </p:txBody>
@@ -4477,8 +4733,8 @@
         </p:nvSpPr>
         <p:spPr>
           <a:xfrm>
-            <a:off x="731520" y="1188720"/>
-            <a:ext cx="10515600" cy="5029200"/>
+            <a:off x="914400" y="1280160"/>
+            <a:ext cx="10362895" cy="5029200"/>
           </a:xfrm>
           <a:prstGeom prst="rect">
             <a:avLst/>
@@ -4492,77 +4748,110 @@
           <a:lstStyle/>
           <a:p>
             <a:pPr>
+              <a:spcBef>
+                <a:spcPts val="400"/>
+              </a:spcBef>
               <a:spcAft>
                 <a:spcPts val="800"/>
               </a:spcAft>
-              <a:defRPr sz="1800">
+              <a:defRPr sz="2000">
                 <a:solidFill>
                   <a:srgbClr val="333333"/>
                 </a:solidFill>
               </a:defRPr>
             </a:pPr>
             <a:r>
-              <a:t>Without tools: LLM generates text, can't access real data or take actions</a:t>
+              <a:t>tool_calling.py — assistant with weather, search, calculator</a:t>
             </a:r>
           </a:p>
           <a:p>
             <a:pPr>
+              <a:spcBef>
+                <a:spcPts val="400"/>
+              </a:spcBef>
               <a:spcAft>
                 <a:spcPts val="800"/>
               </a:spcAft>
-              <a:defRPr sz="1800">
+              <a:defRPr sz="2000">
                 <a:solidFill>
                   <a:srgbClr val="333333"/>
                 </a:solidFill>
               </a:defRPr>
             </a:pPr>
             <a:r>
-              <a:t>With tools: LLM decides WHAT to call, YOUR code EXECUTES it</a:t>
+              <a:t>Supports all 3 providers: --provider openai|anthropic|google</a:t>
             </a:r>
           </a:p>
           <a:p>
             <a:pPr>
+              <a:spcBef>
+                <a:spcPts val="400"/>
+              </a:spcBef>
               <a:spcAft>
                 <a:spcPts val="800"/>
               </a:spcAft>
-              <a:defRPr sz="1800">
+              <a:defRPr sz="2000">
                 <a:solidFill>
                   <a:srgbClr val="333333"/>
                 </a:solidFill>
               </a:defRPr>
             </a:pPr>
             <a:r>
-              <a:t>Get real-time data (weather, stocks, DBs), take actions (send emails, create files)</a:t>
+              <a:t>Automatic tool loop — handles multi-step tool chains</a:t>
             </a:r>
           </a:p>
           <a:p>
             <a:pPr>
+              <a:spcBef>
+                <a:spcPts val="400"/>
+              </a:spcBef>
               <a:spcAft>
                 <a:spcPts val="800"/>
               </a:spcAft>
-              <a:defRPr sz="1800">
+              <a:defRPr sz="2000">
                 <a:solidFill>
                   <a:srgbClr val="333333"/>
                 </a:solidFill>
               </a:defRPr>
             </a:pPr>
             <a:r>
-              <a:t>Do math reliably (calculator tool beats LLM arithmetic every time)</a:t>
+              <a:t>Try: 'What's the weather in Toronto and calculate 20% tip on $85'</a:t>
             </a:r>
           </a:p>
           <a:p>
             <a:pPr>
+              <a:spcBef>
+                <a:spcPts val="400"/>
+              </a:spcBef>
               <a:spcAft>
                 <a:spcPts val="800"/>
               </a:spcAft>
-              <a:defRPr sz="1800">
+              <a:defRPr sz="2000">
                 <a:solidFill>
                   <a:srgbClr val="333333"/>
                 </a:solidFill>
               </a:defRPr>
             </a:pPr>
             <a:r>
-              <a:t>The model never runs code itself — it asks you to run it with arguments</a:t>
+              <a:t>Watch the tool calls in the terminal output</a:t>
+            </a:r>
+          </a:p>
+          <a:p>
+            <a:pPr>
+              <a:spcBef>
+                <a:spcPts val="400"/>
+              </a:spcBef>
+              <a:spcAft>
+                <a:spcPts val="800"/>
+              </a:spcAft>
+              <a:defRPr sz="2000">
+                <a:solidFill>
+                  <a:srgbClr val="333333"/>
+                </a:solidFill>
+              </a:defRPr>
+            </a:pPr>
+            <a:r>
+              <a:t>Exercise: add your own tool (e.g., unit converter)</a:t>
             </a:r>
           </a:p>
         </p:txBody>
@@ -4575,17 +4864,9 @@
 </p:sld>
 </file>
 
-<file path=ppt/slides/slide3.xml><?xml version="1.0" encoding="utf-8"?>
+<file path=ppt/slides/slide12.xml><?xml version="1.0" encoding="utf-8"?>
 <p:sld xmlns:a="http://schemas.openxmlformats.org/drawingml/2006/main" xmlns:p="http://schemas.openxmlformats.org/presentationml/2006/main" xmlns:r="http://schemas.openxmlformats.org/officeDocument/2006/relationships">
   <p:cSld>
-    <p:bg>
-      <p:bgPr>
-        <a:solidFill>
-          <a:srgbClr val="FFFFFF"/>
-        </a:solidFill>
-        <a:effectLst/>
-      </p:bgPr>
-    </p:bg>
     <p:spTree>
       <p:nvGrpSpPr>
         <p:cNvPr id="1" name=""/>
@@ -4602,7 +4883,7 @@
         <p:spPr>
           <a:xfrm>
             <a:off x="0" y="0"/>
-            <a:ext cx="12191695" cy="54864"/>
+            <a:ext cx="12191695" cy="73152"/>
           </a:xfrm>
           <a:prstGeom prst="rect">
             <a:avLst/>
@@ -4645,7 +4926,7 @@
         <p:spPr>
           <a:xfrm>
             <a:off x="731520" y="274320"/>
-            <a:ext cx="10515600" cy="731520"/>
+            <a:ext cx="10728655" cy="822960"/>
           </a:xfrm>
           <a:prstGeom prst="rect">
             <a:avLst/>
@@ -4658,15 +4939,15 @@
           </a:bodyPr>
           <a:lstStyle/>
           <a:p>
-            <a:pPr>
-              <a:defRPr sz="2800" b="1">
+            <a:pPr algn="l">
+              <a:defRPr sz="3200" b="1">
                 <a:solidFill>
                   <a:srgbClr val="1B2A4A"/>
                 </a:solidFill>
               </a:defRPr>
             </a:pPr>
             <a:r>
-              <a:t>The Tool Use Loop — How It Actually Works</a:t>
+              <a:t>Key Takeaways — Session 3</a:t>
             </a:r>
           </a:p>
         </p:txBody>
@@ -4679,8 +4960,8 @@
         </p:nvSpPr>
         <p:spPr>
           <a:xfrm>
-            <a:off x="731520" y="1188720"/>
-            <a:ext cx="10515600" cy="5029200"/>
+            <a:off x="914400" y="1280160"/>
+            <a:ext cx="10362895" cy="5029200"/>
           </a:xfrm>
           <a:prstGeom prst="rect">
             <a:avLst/>
@@ -4694,92 +4975,110 @@
           <a:lstStyle/>
           <a:p>
             <a:pPr>
+              <a:spcBef>
+                <a:spcPts val="400"/>
+              </a:spcBef>
               <a:spcAft>
                 <a:spcPts val="800"/>
               </a:spcAft>
-              <a:defRPr sz="1800">
+              <a:defRPr sz="2000">
                 <a:solidFill>
                   <a:srgbClr val="333333"/>
                 </a:solidFill>
               </a:defRPr>
             </a:pPr>
             <a:r>
-              <a:t>1. You → Model: user question + tool definitions</a:t>
+              <a:t>Tool use = LLMs calling your functions (JSON in, JSON out)</a:t>
             </a:r>
           </a:p>
           <a:p>
             <a:pPr>
+              <a:spcBef>
+                <a:spcPts val="400"/>
+              </a:spcBef>
               <a:spcAft>
                 <a:spcPts val="800"/>
               </a:spcAft>
-              <a:defRPr sz="1800">
+              <a:defRPr sz="2000">
                 <a:solidFill>
                   <a:srgbClr val="333333"/>
                 </a:solidFill>
               </a:defRPr>
             </a:pPr>
             <a:r>
-              <a:t>2. Model → You: "I want to call get_weather(city='Toronto')" (NOT text)</a:t>
+              <a:t>Same loop across providers: define → call → execute → return</a:t>
             </a:r>
           </a:p>
           <a:p>
             <a:pPr>
+              <a:spcBef>
+                <a:spcPts val="400"/>
+              </a:spcBef>
               <a:spcAft>
                 <a:spcPts val="800"/>
               </a:spcAft>
-              <a:defRPr sz="1800">
+              <a:defRPr sz="2000">
                 <a:solidFill>
                   <a:srgbClr val="333333"/>
                 </a:solidFill>
               </a:defRPr>
             </a:pPr>
             <a:r>
-              <a:t>3. You: execute get_weather('Toronto') → {temp: -5, snow}</a:t>
+              <a:t>Assistants API is convenient; Messages API is flexible</a:t>
             </a:r>
           </a:p>
           <a:p>
             <a:pPr>
+              <a:spcBef>
+                <a:spcPts val="400"/>
+              </a:spcBef>
               <a:spcAft>
                 <a:spcPts val="800"/>
               </a:spcAft>
-              <a:defRPr sz="1800">
+              <a:defRPr sz="2000">
                 <a:solidFill>
                   <a:srgbClr val="333333"/>
                 </a:solidFill>
               </a:defRPr>
             </a:pPr>
             <a:r>
-              <a:t>4. You → Model: "Here's the result: {temp: -5, snow}"</a:t>
+              <a:t>Custom GPTs/Skills/Gems: different packaging for the same idea</a:t>
             </a:r>
           </a:p>
           <a:p>
             <a:pPr>
+              <a:spcBef>
+                <a:spcPts val="400"/>
+              </a:spcBef>
               <a:spcAft>
                 <a:spcPts val="800"/>
               </a:spcAft>
-              <a:defRPr sz="1800">
+              <a:defRPr sz="2000">
                 <a:solidFill>
                   <a:srgbClr val="333333"/>
                 </a:solidFill>
               </a:defRPr>
             </a:pPr>
             <a:r>
-              <a:t>5. Model → You: "It's -5°C and snowing in Toronto!" (final text)</a:t>
+              <a:t>Tool use is the foundation for agents (Session 5)</a:t>
             </a:r>
           </a:p>
           <a:p>
             <a:pPr>
+              <a:spcBef>
+                <a:spcPts val="400"/>
+              </a:spcBef>
               <a:spcAft>
                 <a:spcPts val="800"/>
               </a:spcAft>
-              <a:defRPr sz="1800">
+              <a:defRPr sz="2000">
                 <a:solidFill>
                   <a:srgbClr val="333333"/>
                 </a:solidFill>
               </a:defRPr>
             </a:pPr>
             <a:r>
-              <a:t>Two round trips. Model chooses what to call. You execute. Model summarizes.</a:t>
+              <a:t>Next session: MCP — the universal tool protocol</a:t>
             </a:r>
           </a:p>
         </p:txBody>
@@ -4792,17 +5091,9 @@
 </p:sld>
 </file>
 
-<file path=ppt/slides/slide4.xml><?xml version="1.0" encoding="utf-8"?>
+<file path=ppt/slides/slide2.xml><?xml version="1.0" encoding="utf-8"?>
 <p:sld xmlns:a="http://schemas.openxmlformats.org/drawingml/2006/main" xmlns:p="http://schemas.openxmlformats.org/presentationml/2006/main" xmlns:r="http://schemas.openxmlformats.org/officeDocument/2006/relationships">
   <p:cSld>
-    <p:bg>
-      <p:bgPr>
-        <a:solidFill>
-          <a:srgbClr val="FFFFFF"/>
-        </a:solidFill>
-        <a:effectLst/>
-      </p:bgPr>
-    </p:bg>
     <p:spTree>
       <p:nvGrpSpPr>
         <p:cNvPr id="1" name=""/>
@@ -4819,7 +5110,7 @@
         <p:spPr>
           <a:xfrm>
             <a:off x="0" y="0"/>
-            <a:ext cx="12191695" cy="54864"/>
+            <a:ext cx="12191695" cy="73152"/>
           </a:xfrm>
           <a:prstGeom prst="rect">
             <a:avLst/>
@@ -4862,7 +5153,7 @@
         <p:spPr>
           <a:xfrm>
             <a:off x="731520" y="274320"/>
-            <a:ext cx="10515600" cy="731520"/>
+            <a:ext cx="10728655" cy="822960"/>
           </a:xfrm>
           <a:prstGeom prst="rect">
             <a:avLst/>
@@ -4875,72 +5166,29 @@
           </a:bodyPr>
           <a:lstStyle/>
           <a:p>
-            <a:pPr>
-              <a:defRPr sz="2800" b="1">
+            <a:pPr algn="l">
+              <a:defRPr sz="3200" b="1">
                 <a:solidFill>
                   <a:srgbClr val="1B2A4A"/>
                 </a:solidFill>
               </a:defRPr>
             </a:pPr>
             <a:r>
-              <a:t>OpenAI Function Calling</a:t>
-            </a:r>
-          </a:p>
-        </p:txBody>
-      </p:sp>
-      <p:sp>
-        <p:nvSpPr>
-          <p:cNvPr id="4" name="Rounded Rectangle 3"/>
-          <p:cNvSpPr/>
+              <a:t>What Is Tool Use / Function Calling?</a:t>
+            </a:r>
+          </a:p>
+        </p:txBody>
+      </p:sp>
+      <p:sp>
+        <p:nvSpPr>
+          <p:cNvPr id="4" name="TextBox 3"/>
+          <p:cNvSpPr txBox="1"/>
           <p:nvPr/>
         </p:nvSpPr>
         <p:spPr>
           <a:xfrm>
-            <a:off x="548640" y="1188720"/>
-            <a:ext cx="10972800" cy="4754880"/>
-          </a:xfrm>
-          <a:prstGeom prst="roundRect">
-            <a:avLst/>
-          </a:prstGeom>
-          <a:solidFill>
-            <a:srgbClr val="F0F0F0"/>
-          </a:solidFill>
-          <a:ln>
-            <a:noFill/>
-          </a:ln>
-        </p:spPr>
-        <p:style>
-          <a:lnRef idx="1">
-            <a:schemeClr val="accent1"/>
-          </a:lnRef>
-          <a:fillRef idx="3">
-            <a:schemeClr val="accent1"/>
-          </a:fillRef>
-          <a:effectRef idx="2">
-            <a:schemeClr val="accent1"/>
-          </a:effectRef>
-          <a:fontRef idx="minor">
-            <a:schemeClr val="lt1"/>
-          </a:fontRef>
-        </p:style>
-        <p:txBody>
-          <a:bodyPr rtlCol="0" anchor="ctr"/>
-          <a:lstStyle/>
-          <a:p>
-            <a:pPr algn="ctr"/>
-          </a:p>
-        </p:txBody>
-      </p:sp>
-      <p:sp>
-        <p:nvSpPr>
-          <p:cNvPr id="5" name="TextBox 4"/>
-          <p:cNvSpPr txBox="1"/>
-          <p:nvPr/>
-        </p:nvSpPr>
-        <p:spPr>
-          <a:xfrm>
-            <a:off x="822960" y="1371600"/>
-            <a:ext cx="10424160" cy="4389120"/>
+            <a:off x="914400" y="1280160"/>
+            <a:ext cx="10362895" cy="5029200"/>
           </a:xfrm>
           <a:prstGeom prst="rect">
             <a:avLst/>
@@ -4954,105 +5202,110 @@
           <a:lstStyle/>
           <a:p>
             <a:pPr>
-              <a:defRPr sz="1200">
+              <a:spcBef>
+                <a:spcPts val="400"/>
+              </a:spcBef>
+              <a:spcAft>
+                <a:spcPts val="800"/>
+              </a:spcAft>
+              <a:defRPr sz="2000">
                 <a:solidFill>
                   <a:srgbClr val="333333"/>
                 </a:solidFill>
-                <a:latin typeface="Consolas"/>
               </a:defRPr>
             </a:pPr>
             <a:r>
-              <a:t>tools = [{"type": "function", "function": {</a:t>
-            </a:r>
-            <a:br/>
-            <a:r>
-              <a:t>    "name": "get_weather",</a:t>
-            </a:r>
-            <a:br/>
-            <a:r>
-              <a:t>    "description": "Get current weather for a city",</a:t>
-            </a:r>
-            <a:br/>
-            <a:r>
-              <a:t>    "parameters": {"type": "object",</a:t>
-            </a:r>
-            <a:br/>
-            <a:r>
-              <a:t>        "properties": {"city": {"type": "string"}, "unit": {"type": "string", "enum": ["celsius","fahrenheit"]}},</a:t>
-            </a:r>
-            <a:br/>
-            <a:r>
-              <a:t>        "required": ["city"]}</a:t>
-            </a:r>
-            <a:br/>
-            <a:r>
-              <a:t>}}]</a:t>
-            </a:r>
-            <a:br/>
-            <a:br/>
-            <a:r>
-              <a:t>response = client.chat.completions.create(</a:t>
-            </a:r>
-            <a:br/>
-            <a:r>
-              <a:t>    model="gpt-5.2", messages=[{"role":"user","content":"Weather in Toronto?"}], tools=tools)</a:t>
-            </a:r>
-            <a:br/>
-            <a:br/>
-            <a:r>
-              <a:t>msg = response.choices[0].message</a:t>
-            </a:r>
-            <a:br/>
-            <a:r>
-              <a:t>if msg.tool_calls:</a:t>
-            </a:r>
-            <a:br/>
-            <a:r>
-              <a:t>    call = msg.tool_calls[0]</a:t>
-            </a:r>
-            <a:br/>
-            <a:r>
-              <a:t>    args = json.loads(call.function.arguments)</a:t>
-            </a:r>
-            <a:br/>
-            <a:r>
-              <a:t>    result = get_weather(**args)  # YOUR function</a:t>
-            </a:r>
-            <a:br/>
-            <a:r>
-              <a:t>    </a:t>
-            </a:r>
-            <a:br/>
-            <a:r>
-              <a:t>    followup = client.chat.completions.create(</a:t>
-            </a:r>
-            <a:br/>
-            <a:r>
-              <a:t>        model="gpt-5.2",</a:t>
-            </a:r>
-            <a:br/>
-            <a:r>
-              <a:t>        messages=[</a:t>
-            </a:r>
-            <a:br/>
-            <a:r>
-              <a:t>            {"role":"user","content":"Weather in Toronto?"},</a:t>
-            </a:r>
-            <a:br/>
-            <a:r>
-              <a:t>            msg,</a:t>
-            </a:r>
-            <a:br/>
-            <a:r>
-              <a:t>            {"role":"tool","tool_call_id":call.id,"content":json.dumps(result)}</a:t>
-            </a:r>
-            <a:br/>
-            <a:r>
-              <a:t>        ], tools=tools)</a:t>
-            </a:r>
-            <a:br/>
-            <a:r>
-              <a:t>    print(followup.choices[0].message.content)</a:t>
+              <a:t>LLMs can't browse the web, check weather, or query databases</a:t>
+            </a:r>
+          </a:p>
+          <a:p>
+            <a:pPr>
+              <a:spcBef>
+                <a:spcPts val="400"/>
+              </a:spcBef>
+              <a:spcAft>
+                <a:spcPts val="800"/>
+              </a:spcAft>
+              <a:defRPr sz="2000">
+                <a:solidFill>
+                  <a:srgbClr val="333333"/>
+                </a:solidFill>
+              </a:defRPr>
+            </a:pPr>
+            <a:r>
+              <a:t>Tool use: you define functions, the model decides when to call them</a:t>
+            </a:r>
+          </a:p>
+          <a:p>
+            <a:pPr>
+              <a:spcBef>
+                <a:spcPts val="400"/>
+              </a:spcBef>
+              <a:spcAft>
+                <a:spcPts val="800"/>
+              </a:spcAft>
+              <a:defRPr sz="2000">
+                <a:solidFill>
+                  <a:srgbClr val="333333"/>
+                </a:solidFill>
+              </a:defRPr>
+            </a:pPr>
+            <a:r>
+              <a:t>Model outputs: function name + arguments (JSON)</a:t>
+            </a:r>
+          </a:p>
+          <a:p>
+            <a:pPr>
+              <a:spcBef>
+                <a:spcPts val="400"/>
+              </a:spcBef>
+              <a:spcAft>
+                <a:spcPts val="800"/>
+              </a:spcAft>
+              <a:defRPr sz="2000">
+                <a:solidFill>
+                  <a:srgbClr val="333333"/>
+                </a:solidFill>
+              </a:defRPr>
+            </a:pPr>
+            <a:r>
+              <a:t>You execute the function and return the result</a:t>
+            </a:r>
+          </a:p>
+          <a:p>
+            <a:pPr>
+              <a:spcBef>
+                <a:spcPts val="400"/>
+              </a:spcBef>
+              <a:spcAft>
+                <a:spcPts val="800"/>
+              </a:spcAft>
+              <a:defRPr sz="2000">
+                <a:solidFill>
+                  <a:srgbClr val="333333"/>
+                </a:solidFill>
+              </a:defRPr>
+            </a:pPr>
+            <a:r>
+              <a:t>Model incorporates the result into its response</a:t>
+            </a:r>
+          </a:p>
+          <a:p>
+            <a:pPr>
+              <a:spcBef>
+                <a:spcPts val="400"/>
+              </a:spcBef>
+              <a:spcAft>
+                <a:spcPts val="800"/>
+              </a:spcAft>
+              <a:defRPr sz="2000">
+                <a:solidFill>
+                  <a:srgbClr val="333333"/>
+                </a:solidFill>
+              </a:defRPr>
+            </a:pPr>
+            <a:r>
+              <a:t>This is the foundation of agentic AI</a:t>
             </a:r>
           </a:p>
         </p:txBody>
@@ -5065,17 +5318,9 @@
 </p:sld>
 </file>
 
-<file path=ppt/slides/slide5.xml><?xml version="1.0" encoding="utf-8"?>
+<file path=ppt/slides/slide3.xml><?xml version="1.0" encoding="utf-8"?>
 <p:sld xmlns:a="http://schemas.openxmlformats.org/drawingml/2006/main" xmlns:p="http://schemas.openxmlformats.org/presentationml/2006/main" xmlns:r="http://schemas.openxmlformats.org/officeDocument/2006/relationships">
   <p:cSld>
-    <p:bg>
-      <p:bgPr>
-        <a:solidFill>
-          <a:srgbClr val="FFFFFF"/>
-        </a:solidFill>
-        <a:effectLst/>
-      </p:bgPr>
-    </p:bg>
     <p:spTree>
       <p:nvGrpSpPr>
         <p:cNvPr id="1" name=""/>
@@ -5092,7 +5337,7 @@
         <p:spPr>
           <a:xfrm>
             <a:off x="0" y="0"/>
-            <a:ext cx="12191695" cy="54864"/>
+            <a:ext cx="12191695" cy="73152"/>
           </a:xfrm>
           <a:prstGeom prst="rect">
             <a:avLst/>
@@ -5135,7 +5380,7 @@
         <p:spPr>
           <a:xfrm>
             <a:off x="731520" y="274320"/>
-            <a:ext cx="10515600" cy="731520"/>
+            <a:ext cx="10728655" cy="822960"/>
           </a:xfrm>
           <a:prstGeom prst="rect">
             <a:avLst/>
@@ -5148,72 +5393,29 @@
           </a:bodyPr>
           <a:lstStyle/>
           <a:p>
-            <a:pPr>
-              <a:defRPr sz="2800" b="1">
+            <a:pPr algn="l">
+              <a:defRPr sz="3200" b="1">
                 <a:solidFill>
                   <a:srgbClr val="1B2A4A"/>
                 </a:solidFill>
               </a:defRPr>
             </a:pPr>
             <a:r>
-              <a:t>Anthropic Tool Use</a:t>
-            </a:r>
-          </a:p>
-        </p:txBody>
-      </p:sp>
-      <p:sp>
-        <p:nvSpPr>
-          <p:cNvPr id="4" name="Rounded Rectangle 3"/>
-          <p:cNvSpPr/>
+              <a:t>The Tool Use Loop (All Providers)</a:t>
+            </a:r>
+          </a:p>
+        </p:txBody>
+      </p:sp>
+      <p:sp>
+        <p:nvSpPr>
+          <p:cNvPr id="4" name="TextBox 3"/>
+          <p:cNvSpPr txBox="1"/>
           <p:nvPr/>
         </p:nvSpPr>
         <p:spPr>
           <a:xfrm>
-            <a:off x="548640" y="1188720"/>
-            <a:ext cx="10972800" cy="4754880"/>
-          </a:xfrm>
-          <a:prstGeom prst="roundRect">
-            <a:avLst/>
-          </a:prstGeom>
-          <a:solidFill>
-            <a:srgbClr val="F0F0F0"/>
-          </a:solidFill>
-          <a:ln>
-            <a:noFill/>
-          </a:ln>
-        </p:spPr>
-        <p:style>
-          <a:lnRef idx="1">
-            <a:schemeClr val="accent1"/>
-          </a:lnRef>
-          <a:fillRef idx="3">
-            <a:schemeClr val="accent1"/>
-          </a:fillRef>
-          <a:effectRef idx="2">
-            <a:schemeClr val="accent1"/>
-          </a:effectRef>
-          <a:fontRef idx="minor">
-            <a:schemeClr val="lt1"/>
-          </a:fontRef>
-        </p:style>
-        <p:txBody>
-          <a:bodyPr rtlCol="0" anchor="ctr"/>
-          <a:lstStyle/>
-          <a:p>
-            <a:pPr algn="ctr"/>
-          </a:p>
-        </p:txBody>
-      </p:sp>
-      <p:sp>
-        <p:nvSpPr>
-          <p:cNvPr id="5" name="TextBox 4"/>
-          <p:cNvSpPr txBox="1"/>
-          <p:nvPr/>
-        </p:nvSpPr>
-        <p:spPr>
-          <a:xfrm>
-            <a:off x="822960" y="1371600"/>
-            <a:ext cx="10424160" cy="4389120"/>
+            <a:off x="914400" y="1280160"/>
+            <a:ext cx="10362895" cy="5029200"/>
           </a:xfrm>
           <a:prstGeom prst="rect">
             <a:avLst/>
@@ -5227,89 +5429,110 @@
           <a:lstStyle/>
           <a:p>
             <a:pPr>
-              <a:defRPr sz="1200">
+              <a:spcBef>
+                <a:spcPts val="400"/>
+              </a:spcBef>
+              <a:spcAft>
+                <a:spcPts val="800"/>
+              </a:spcAft>
+              <a:defRPr sz="2000">
                 <a:solidFill>
                   <a:srgbClr val="333333"/>
                 </a:solidFill>
-                <a:latin typeface="Consolas"/>
               </a:defRPr>
             </a:pPr>
             <a:r>
-              <a:t>tools = [{"name": "get_weather",</a:t>
-            </a:r>
-            <a:br/>
-            <a:r>
-              <a:t>    "description": "Get current weather for a city",</a:t>
-            </a:r>
-            <a:br/>
-            <a:r>
-              <a:t>    "input_schema": {"type": "object",</a:t>
-            </a:r>
-            <a:br/>
-            <a:r>
-              <a:t>        "properties": {"city": {"type": "string"}}, "required": ["city"]}}]</a:t>
-            </a:r>
-            <a:br/>
-            <a:br/>
-            <a:r>
-              <a:t>response = client.messages.create(</a:t>
-            </a:r>
-            <a:br/>
-            <a:r>
-              <a:t>    model="claude-sonnet-4-6-20250217", max_tokens=1024, tools=tools,</a:t>
-            </a:r>
-            <a:br/>
-            <a:r>
-              <a:t>    messages=[{"role": "user", "content": "Weather in Toronto?"}])</a:t>
-            </a:r>
-            <a:br/>
-            <a:br/>
-            <a:r>
-              <a:t>if response.stop_reason == "tool_use":</a:t>
-            </a:r>
-            <a:br/>
-            <a:r>
-              <a:t>    tool_block = next(b for b in response.content if b.type == "tool_use")</a:t>
-            </a:r>
-            <a:br/>
-            <a:r>
-              <a:t>    result = get_weather(**tool_block.input)  # Already a dict! No JSON.loads needed</a:t>
-            </a:r>
-            <a:br/>
-            <a:r>
-              <a:t>    </a:t>
-            </a:r>
-            <a:br/>
-            <a:r>
-              <a:t>    followup = client.messages.create(</a:t>
-            </a:r>
-            <a:br/>
-            <a:r>
-              <a:t>        model="claude-sonnet-4-6-20250217", max_tokens=1024, tools=tools,</a:t>
-            </a:r>
-            <a:br/>
-            <a:r>
-              <a:t>        messages=[</a:t>
-            </a:r>
-            <a:br/>
-            <a:r>
-              <a:t>            {"role":"user","content":"Weather in Toronto?"},</a:t>
-            </a:r>
-            <a:br/>
-            <a:r>
-              <a:t>            {"role":"assistant","content": response.content},</a:t>
-            </a:r>
-            <a:br/>
-            <a:r>
-              <a:t>            {"role":"user","content": [{"type":"tool_result",</a:t>
-            </a:r>
-            <a:br/>
-            <a:r>
-              <a:t>                "tool_use_id": tool_block.id, "content": json.dumps(result)}]}</a:t>
-            </a:r>
-            <a:br/>
-            <a:r>
-              <a:t>        ])</a:t>
+              <a:t>1. Send messages + tool definitions to the model</a:t>
+            </a:r>
+          </a:p>
+          <a:p>
+            <a:pPr>
+              <a:spcBef>
+                <a:spcPts val="400"/>
+              </a:spcBef>
+              <a:spcAft>
+                <a:spcPts val="800"/>
+              </a:spcAft>
+              <a:defRPr sz="2000">
+                <a:solidFill>
+                  <a:srgbClr val="333333"/>
+                </a:solidFill>
+              </a:defRPr>
+            </a:pPr>
+            <a:r>
+              <a:t>2. Model responds with tool_calls (or text if no tool needed)</a:t>
+            </a:r>
+          </a:p>
+          <a:p>
+            <a:pPr>
+              <a:spcBef>
+                <a:spcPts val="400"/>
+              </a:spcBef>
+              <a:spcAft>
+                <a:spcPts val="800"/>
+              </a:spcAft>
+              <a:defRPr sz="2000">
+                <a:solidFill>
+                  <a:srgbClr val="333333"/>
+                </a:solidFill>
+              </a:defRPr>
+            </a:pPr>
+            <a:r>
+              <a:t>3. Execute each tool call with the provided arguments</a:t>
+            </a:r>
+          </a:p>
+          <a:p>
+            <a:pPr>
+              <a:spcBef>
+                <a:spcPts val="400"/>
+              </a:spcBef>
+              <a:spcAft>
+                <a:spcPts val="800"/>
+              </a:spcAft>
+              <a:defRPr sz="2000">
+                <a:solidFill>
+                  <a:srgbClr val="333333"/>
+                </a:solidFill>
+              </a:defRPr>
+            </a:pPr>
+            <a:r>
+              <a:t>4. Append tool results to the conversation</a:t>
+            </a:r>
+          </a:p>
+          <a:p>
+            <a:pPr>
+              <a:spcBef>
+                <a:spcPts val="400"/>
+              </a:spcBef>
+              <a:spcAft>
+                <a:spcPts val="800"/>
+              </a:spcAft>
+              <a:defRPr sz="2000">
+                <a:solidFill>
+                  <a:srgbClr val="333333"/>
+                </a:solidFill>
+              </a:defRPr>
+            </a:pPr>
+            <a:r>
+              <a:t>5. Send back to model → it may call more tools or respond</a:t>
+            </a:r>
+          </a:p>
+          <a:p>
+            <a:pPr>
+              <a:spcBef>
+                <a:spcPts val="400"/>
+              </a:spcBef>
+              <a:spcAft>
+                <a:spcPts val="800"/>
+              </a:spcAft>
+              <a:defRPr sz="2000">
+                <a:solidFill>
+                  <a:srgbClr val="333333"/>
+                </a:solidFill>
+              </a:defRPr>
+            </a:pPr>
+            <a:r>
+              <a:t>Loop continues until model gives a text response</a:t>
             </a:r>
           </a:p>
         </p:txBody>
@@ -5322,17 +5545,9 @@
 </p:sld>
 </file>
 
-<file path=ppt/slides/slide6.xml><?xml version="1.0" encoding="utf-8"?>
+<file path=ppt/slides/slide4.xml><?xml version="1.0" encoding="utf-8"?>
 <p:sld xmlns:a="http://schemas.openxmlformats.org/drawingml/2006/main" xmlns:p="http://schemas.openxmlformats.org/presentationml/2006/main" xmlns:r="http://schemas.openxmlformats.org/officeDocument/2006/relationships">
   <p:cSld>
-    <p:bg>
-      <p:bgPr>
-        <a:solidFill>
-          <a:srgbClr val="FFFFFF"/>
-        </a:solidFill>
-        <a:effectLst/>
-      </p:bgPr>
-    </p:bg>
     <p:spTree>
       <p:nvGrpSpPr>
         <p:cNvPr id="1" name=""/>
@@ -5349,7 +5564,7 @@
         <p:spPr>
           <a:xfrm>
             <a:off x="0" y="0"/>
-            <a:ext cx="12191695" cy="54864"/>
+            <a:ext cx="12191695" cy="73152"/>
           </a:xfrm>
           <a:prstGeom prst="rect">
             <a:avLst/>
@@ -5392,7 +5607,7 @@
         <p:spPr>
           <a:xfrm>
             <a:off x="731520" y="274320"/>
-            <a:ext cx="10515600" cy="731520"/>
+            <a:ext cx="10728655" cy="731520"/>
           </a:xfrm>
           <a:prstGeom prst="rect">
             <a:avLst/>
@@ -5400,710 +5615,196 @@
           <a:noFill/>
         </p:spPr>
         <p:txBody>
+          <a:bodyPr wrap="none">
+            <a:spAutoFit/>
+          </a:bodyPr>
+          <a:lstStyle/>
+          <a:p>
+            <a:pPr>
+              <a:defRPr sz="2800" b="1">
+                <a:solidFill>
+                  <a:srgbClr val="1B2A4A"/>
+                </a:solidFill>
+              </a:defRPr>
+            </a:pPr>
+            <a:r>
+              <a:t>Defining Tools (JSON Schema)</a:t>
+            </a:r>
+          </a:p>
+        </p:txBody>
+      </p:sp>
+      <p:sp>
+        <p:nvSpPr>
+          <p:cNvPr id="4" name="Rounded Rectangle 3"/>
+          <p:cNvSpPr/>
+          <p:nvPr/>
+        </p:nvSpPr>
+        <p:spPr>
+          <a:xfrm>
+            <a:off x="731520" y="1188720"/>
+            <a:ext cx="10728655" cy="5212080"/>
+          </a:xfrm>
+          <a:prstGeom prst="roundRect">
+            <a:avLst/>
+          </a:prstGeom>
+          <a:solidFill>
+            <a:srgbClr val="F0F0F0"/>
+          </a:solidFill>
+          <a:ln w="12700">
+            <a:solidFill>
+              <a:srgbClr val="DDDDDD"/>
+            </a:solidFill>
+          </a:ln>
+        </p:spPr>
+        <p:style>
+          <a:lnRef idx="1">
+            <a:schemeClr val="accent1"/>
+          </a:lnRef>
+          <a:fillRef idx="3">
+            <a:schemeClr val="accent1"/>
+          </a:fillRef>
+          <a:effectRef idx="2">
+            <a:schemeClr val="accent1"/>
+          </a:effectRef>
+          <a:fontRef idx="minor">
+            <a:schemeClr val="lt1"/>
+          </a:fontRef>
+        </p:style>
+        <p:txBody>
+          <a:bodyPr rtlCol="0" anchor="ctr"/>
+          <a:lstStyle/>
+          <a:p>
+            <a:pPr algn="ctr"/>
+          </a:p>
+        </p:txBody>
+      </p:sp>
+      <p:sp>
+        <p:nvSpPr>
+          <p:cNvPr id="5" name="TextBox 4"/>
+          <p:cNvSpPr txBox="1"/>
+          <p:nvPr/>
+        </p:nvSpPr>
+        <p:spPr>
+          <a:xfrm>
+            <a:off x="822960" y="1234440"/>
+            <a:ext cx="1828800" cy="320040"/>
+          </a:xfrm>
+          <a:prstGeom prst="rect">
+            <a:avLst/>
+          </a:prstGeom>
+          <a:noFill/>
+        </p:spPr>
+        <p:txBody>
+          <a:bodyPr wrap="none">
+            <a:spAutoFit/>
+          </a:bodyPr>
+          <a:lstStyle/>
+          <a:p>
+            <a:pPr>
+              <a:defRPr sz="1100" b="1">
+                <a:solidFill>
+                  <a:srgbClr val="666666"/>
+                </a:solidFill>
+              </a:defRPr>
+            </a:pPr>
+            <a:r>
+              <a:t>python</a:t>
+            </a:r>
+          </a:p>
+        </p:txBody>
+      </p:sp>
+      <p:sp>
+        <p:nvSpPr>
+          <p:cNvPr id="6" name="TextBox 5"/>
+          <p:cNvSpPr txBox="1"/>
+          <p:nvPr/>
+        </p:nvSpPr>
+        <p:spPr>
+          <a:xfrm>
+            <a:off x="914400" y="1554480"/>
+            <a:ext cx="10362895" cy="4754880"/>
+          </a:xfrm>
+          <a:prstGeom prst="rect">
+            <a:avLst/>
+          </a:prstGeom>
+          <a:noFill/>
+        </p:spPr>
+        <p:txBody>
           <a:bodyPr wrap="square">
             <a:spAutoFit/>
           </a:bodyPr>
           <a:lstStyle/>
           <a:p>
-            <a:pPr>
-              <a:defRPr sz="2800" b="1">
-                <a:solidFill>
-                  <a:srgbClr val="1B2A4A"/>
-                </a:solidFill>
+            <a:pPr algn="l">
+              <a:defRPr sz="1300">
+                <a:solidFill>
+                  <a:srgbClr val="333333"/>
+                </a:solidFill>
+                <a:latin typeface="Consolas"/>
               </a:defRPr>
             </a:pPr>
             <a:r>
-              <a:t>Tool Use — 3-Provider Comparison</a:t>
-            </a:r>
-          </a:p>
-        </p:txBody>
-      </p:sp>
-      <p:graphicFrame>
-        <p:nvGraphicFramePr>
-          <p:cNvPr id="4" name="Table 3"/>
-          <p:cNvGraphicFramePr>
-            <a:graphicFrameLocks noGrp="1"/>
-          </p:cNvGraphicFramePr>
-          <p:nvPr/>
-        </p:nvGraphicFramePr>
-        <p:xfrm>
-          <a:off x="731520" y="1188720"/>
-          <a:ext cx="10515600" cy="2880360"/>
-        </p:xfrm>
-        <a:graphic>
-          <a:graphicData uri="http://schemas.openxmlformats.org/drawingml/2006/table">
-            <a:tbl>
-              <a:tblPr firstRow="1" bandRow="1">
-                <a:tableStyleId>{5C22544A-7EE6-4342-B048-85BDC9FD1C3A}</a:tableStyleId>
-              </a:tblPr>
-              <a:tblGrid>
-                <a:gridCol w="2628900"/>
-                <a:gridCol w="2628900"/>
-                <a:gridCol w="2628900"/>
-                <a:gridCol w="2628900"/>
-              </a:tblGrid>
-              <a:tr h="411480">
-                <a:tc>
-                  <a:txBody>
-                    <a:bodyPr/>
-                    <a:lstStyle/>
-                    <a:p>
-                      <a:pPr>
-                        <a:defRPr sz="1400" b="1">
-                          <a:solidFill>
-                            <a:srgbClr val="FFFFFF"/>
-                          </a:solidFill>
-                        </a:defRPr>
-                      </a:pPr>
-                      <a:r>
-                        <a:t>Feature</a:t>
-                      </a:r>
-                    </a:p>
-                  </a:txBody>
-                  <a:tcPr>
-                    <a:solidFill>
-                      <a:srgbClr val="1B2A4A"/>
-                    </a:solidFill>
-                  </a:tcPr>
-                </a:tc>
-                <a:tc>
-                  <a:txBody>
-                    <a:bodyPr/>
-                    <a:lstStyle/>
-                    <a:p>
-                      <a:pPr>
-                        <a:defRPr sz="1400" b="1">
-                          <a:solidFill>
-                            <a:srgbClr val="FFFFFF"/>
-                          </a:solidFill>
-                        </a:defRPr>
-                      </a:pPr>
-                      <a:r>
-                        <a:t>OpenAI</a:t>
-                      </a:r>
-                    </a:p>
-                  </a:txBody>
-                  <a:tcPr>
-                    <a:solidFill>
-                      <a:srgbClr val="1B2A4A"/>
-                    </a:solidFill>
-                  </a:tcPr>
-                </a:tc>
-                <a:tc>
-                  <a:txBody>
-                    <a:bodyPr/>
-                    <a:lstStyle/>
-                    <a:p>
-                      <a:pPr>
-                        <a:defRPr sz="1400" b="1">
-                          <a:solidFill>
-                            <a:srgbClr val="FFFFFF"/>
-                          </a:solidFill>
-                        </a:defRPr>
-                      </a:pPr>
-                      <a:r>
-                        <a:t>Anthropic</a:t>
-                      </a:r>
-                    </a:p>
-                  </a:txBody>
-                  <a:tcPr>
-                    <a:solidFill>
-                      <a:srgbClr val="1B2A4A"/>
-                    </a:solidFill>
-                  </a:tcPr>
-                </a:tc>
-                <a:tc>
-                  <a:txBody>
-                    <a:bodyPr/>
-                    <a:lstStyle/>
-                    <a:p>
-                      <a:pPr>
-                        <a:defRPr sz="1400" b="1">
-                          <a:solidFill>
-                            <a:srgbClr val="FFFFFF"/>
-                          </a:solidFill>
-                        </a:defRPr>
-                      </a:pPr>
-                      <a:r>
-                        <a:t>Google</a:t>
-                      </a:r>
-                    </a:p>
-                  </a:txBody>
-                  <a:tcPr>
-                    <a:solidFill>
-                      <a:srgbClr val="1B2A4A"/>
-                    </a:solidFill>
-                  </a:tcPr>
-                </a:tc>
-              </a:tr>
-              <a:tr h="411480">
-                <a:tc>
-                  <a:txBody>
-                    <a:bodyPr/>
-                    <a:lstStyle/>
-                    <a:p>
-                      <a:pPr>
-                        <a:defRPr sz="1300">
-                          <a:solidFill>
-                            <a:srgbClr val="333333"/>
-                          </a:solidFill>
-                        </a:defRPr>
-                      </a:pPr>
-                      <a:r>
-                        <a:t>Tool definition</a:t>
-                      </a:r>
-                    </a:p>
-                  </a:txBody>
-                  <a:tcPr>
-                    <a:solidFill>
-                      <a:srgbClr val="F5F7FA"/>
-                    </a:solidFill>
-                  </a:tcPr>
-                </a:tc>
-                <a:tc>
-                  <a:txBody>
-                    <a:bodyPr/>
-                    <a:lstStyle/>
-                    <a:p>
-                      <a:pPr>
-                        <a:defRPr sz="1300">
-                          <a:solidFill>
-                            <a:srgbClr val="333333"/>
-                          </a:solidFill>
-                        </a:defRPr>
-                      </a:pPr>
-                      <a:r>
-                        <a:t>function.parameters</a:t>
-                      </a:r>
-                    </a:p>
-                  </a:txBody>
-                  <a:tcPr>
-                    <a:solidFill>
-                      <a:srgbClr val="F5F7FA"/>
-                    </a:solidFill>
-                  </a:tcPr>
-                </a:tc>
-                <a:tc>
-                  <a:txBody>
-                    <a:bodyPr/>
-                    <a:lstStyle/>
-                    <a:p>
-                      <a:pPr>
-                        <a:defRPr sz="1300">
-                          <a:solidFill>
-                            <a:srgbClr val="333333"/>
-                          </a:solidFill>
-                        </a:defRPr>
-                      </a:pPr>
-                      <a:r>
-                        <a:t>input_schema</a:t>
-                      </a:r>
-                    </a:p>
-                  </a:txBody>
-                  <a:tcPr>
-                    <a:solidFill>
-                      <a:srgbClr val="F5F7FA"/>
-                    </a:solidFill>
-                  </a:tcPr>
-                </a:tc>
-                <a:tc>
-                  <a:txBody>
-                    <a:bodyPr/>
-                    <a:lstStyle/>
-                    <a:p>
-                      <a:pPr>
-                        <a:defRPr sz="1300">
-                          <a:solidFill>
-                            <a:srgbClr val="333333"/>
-                          </a:solidFill>
-                        </a:defRPr>
-                      </a:pPr>
-                      <a:r>
-                        <a:t>FunctionDeclaration.parameters</a:t>
-                      </a:r>
-                    </a:p>
-                  </a:txBody>
-                  <a:tcPr>
-                    <a:solidFill>
-                      <a:srgbClr val="F5F7FA"/>
-                    </a:solidFill>
-                  </a:tcPr>
-                </a:tc>
-              </a:tr>
-              <a:tr h="411480">
-                <a:tc>
-                  <a:txBody>
-                    <a:bodyPr/>
-                    <a:lstStyle/>
-                    <a:p>
-                      <a:pPr>
-                        <a:defRPr sz="1300">
-                          <a:solidFill>
-                            <a:srgbClr val="333333"/>
-                          </a:solidFill>
-                        </a:defRPr>
-                      </a:pPr>
-                      <a:r>
-                        <a:t>Detection</a:t>
-                      </a:r>
-                    </a:p>
-                  </a:txBody>
-                  <a:tcPr>
-                    <a:solidFill>
-                      <a:srgbClr val="FFFFFF"/>
-                    </a:solidFill>
-                  </a:tcPr>
-                </a:tc>
-                <a:tc>
-                  <a:txBody>
-                    <a:bodyPr/>
-                    <a:lstStyle/>
-                    <a:p>
-                      <a:pPr>
-                        <a:defRPr sz="1300">
-                          <a:solidFill>
-                            <a:srgbClr val="333333"/>
-                          </a:solidFill>
-                        </a:defRPr>
-                      </a:pPr>
-                      <a:r>
-                        <a:t>msg.tool_calls</a:t>
-                      </a:r>
-                    </a:p>
-                  </a:txBody>
-                  <a:tcPr>
-                    <a:solidFill>
-                      <a:srgbClr val="FFFFFF"/>
-                    </a:solidFill>
-                  </a:tcPr>
-                </a:tc>
-                <a:tc>
-                  <a:txBody>
-                    <a:bodyPr/>
-                    <a:lstStyle/>
-                    <a:p>
-                      <a:pPr>
-                        <a:defRPr sz="1300">
-                          <a:solidFill>
-                            <a:srgbClr val="333333"/>
-                          </a:solidFill>
-                        </a:defRPr>
-                      </a:pPr>
-                      <a:r>
-                        <a:t>stop_reason=='tool_use'</a:t>
-                      </a:r>
-                    </a:p>
-                  </a:txBody>
-                  <a:tcPr>
-                    <a:solidFill>
-                      <a:srgbClr val="FFFFFF"/>
-                    </a:solidFill>
-                  </a:tcPr>
-                </a:tc>
-                <a:tc>
-                  <a:txBody>
-                    <a:bodyPr/>
-                    <a:lstStyle/>
-                    <a:p>
-                      <a:pPr>
-                        <a:defRPr sz="1300">
-                          <a:solidFill>
-                            <a:srgbClr val="333333"/>
-                          </a:solidFill>
-                        </a:defRPr>
-                      </a:pPr>
-                      <a:r>
-                        <a:t>part.function_call</a:t>
-                      </a:r>
-                    </a:p>
-                  </a:txBody>
-                  <a:tcPr>
-                    <a:solidFill>
-                      <a:srgbClr val="FFFFFF"/>
-                    </a:solidFill>
-                  </a:tcPr>
-                </a:tc>
-              </a:tr>
-              <a:tr h="411480">
-                <a:tc>
-                  <a:txBody>
-                    <a:bodyPr/>
-                    <a:lstStyle/>
-                    <a:p>
-                      <a:pPr>
-                        <a:defRPr sz="1300">
-                          <a:solidFill>
-                            <a:srgbClr val="333333"/>
-                          </a:solidFill>
-                        </a:defRPr>
-                      </a:pPr>
-                      <a:r>
-                        <a:t>Arguments</a:t>
-                      </a:r>
-                    </a:p>
-                  </a:txBody>
-                  <a:tcPr>
-                    <a:solidFill>
-                      <a:srgbClr val="F5F7FA"/>
-                    </a:solidFill>
-                  </a:tcPr>
-                </a:tc>
-                <a:tc>
-                  <a:txBody>
-                    <a:bodyPr/>
-                    <a:lstStyle/>
-                    <a:p>
-                      <a:pPr>
-                        <a:defRPr sz="1300">
-                          <a:solidFill>
-                            <a:srgbClr val="333333"/>
-                          </a:solidFill>
-                        </a:defRPr>
-                      </a:pPr>
-                      <a:r>
-                        <a:t>json.loads(call.function.arguments)</a:t>
-                      </a:r>
-                    </a:p>
-                  </a:txBody>
-                  <a:tcPr>
-                    <a:solidFill>
-                      <a:srgbClr val="F5F7FA"/>
-                    </a:solidFill>
-                  </a:tcPr>
-                </a:tc>
-                <a:tc>
-                  <a:txBody>
-                    <a:bodyPr/>
-                    <a:lstStyle/>
-                    <a:p>
-                      <a:pPr>
-                        <a:defRPr sz="1300">
-                          <a:solidFill>
-                            <a:srgbClr val="333333"/>
-                          </a:solidFill>
-                        </a:defRPr>
-                      </a:pPr>
-                      <a:r>
-                        <a:t>tool_block.input (dict!)</a:t>
-                      </a:r>
-                    </a:p>
-                  </a:txBody>
-                  <a:tcPr>
-                    <a:solidFill>
-                      <a:srgbClr val="F5F7FA"/>
-                    </a:solidFill>
-                  </a:tcPr>
-                </a:tc>
-                <a:tc>
-                  <a:txBody>
-                    <a:bodyPr/>
-                    <a:lstStyle/>
-                    <a:p>
-                      <a:pPr>
-                        <a:defRPr sz="1300">
-                          <a:solidFill>
-                            <a:srgbClr val="333333"/>
-                          </a:solidFill>
-                        </a:defRPr>
-                      </a:pPr>
-                      <a:r>
-                        <a:t>dict(fc.args)</a:t>
-                      </a:r>
-                    </a:p>
-                  </a:txBody>
-                  <a:tcPr>
-                    <a:solidFill>
-                      <a:srgbClr val="F5F7FA"/>
-                    </a:solidFill>
-                  </a:tcPr>
-                </a:tc>
-              </a:tr>
-              <a:tr h="411480">
-                <a:tc>
-                  <a:txBody>
-                    <a:bodyPr/>
-                    <a:lstStyle/>
-                    <a:p>
-                      <a:pPr>
-                        <a:defRPr sz="1300">
-                          <a:solidFill>
-                            <a:srgbClr val="333333"/>
-                          </a:solidFill>
-                        </a:defRPr>
-                      </a:pPr>
-                      <a:r>
-                        <a:t>Result role</a:t>
-                      </a:r>
-                    </a:p>
-                  </a:txBody>
-                  <a:tcPr>
-                    <a:solidFill>
-                      <a:srgbClr val="FFFFFF"/>
-                    </a:solidFill>
-                  </a:tcPr>
-                </a:tc>
-                <a:tc>
-                  <a:txBody>
-                    <a:bodyPr/>
-                    <a:lstStyle/>
-                    <a:p>
-                      <a:pPr>
-                        <a:defRPr sz="1300">
-                          <a:solidFill>
-                            <a:srgbClr val="333333"/>
-                          </a:solidFill>
-                        </a:defRPr>
-                      </a:pPr>
-                      <a:r>
-                        <a:t>role='tool'</a:t>
-                      </a:r>
-                    </a:p>
-                  </a:txBody>
-                  <a:tcPr>
-                    <a:solidFill>
-                      <a:srgbClr val="FFFFFF"/>
-                    </a:solidFill>
-                  </a:tcPr>
-                </a:tc>
-                <a:tc>
-                  <a:txBody>
-                    <a:bodyPr/>
-                    <a:lstStyle/>
-                    <a:p>
-                      <a:pPr>
-                        <a:defRPr sz="1300">
-                          <a:solidFill>
-                            <a:srgbClr val="333333"/>
-                          </a:solidFill>
-                        </a:defRPr>
-                      </a:pPr>
-                      <a:r>
-                        <a:t>role='user' + tool_result block</a:t>
-                      </a:r>
-                    </a:p>
-                  </a:txBody>
-                  <a:tcPr>
-                    <a:solidFill>
-                      <a:srgbClr val="FFFFFF"/>
-                    </a:solidFill>
-                  </a:tcPr>
-                </a:tc>
-                <a:tc>
-                  <a:txBody>
-                    <a:bodyPr/>
-                    <a:lstStyle/>
-                    <a:p>
-                      <a:pPr>
-                        <a:defRPr sz="1300">
-                          <a:solidFill>
-                            <a:srgbClr val="333333"/>
-                          </a:solidFill>
-                        </a:defRPr>
-                      </a:pPr>
-                      <a:r>
-                        <a:t>FunctionResponse part</a:t>
-                      </a:r>
-                    </a:p>
-                  </a:txBody>
-                  <a:tcPr>
-                    <a:solidFill>
-                      <a:srgbClr val="FFFFFF"/>
-                    </a:solidFill>
-                  </a:tcPr>
-                </a:tc>
-              </a:tr>
-              <a:tr h="411480">
-                <a:tc>
-                  <a:txBody>
-                    <a:bodyPr/>
-                    <a:lstStyle/>
-                    <a:p>
-                      <a:pPr>
-                        <a:defRPr sz="1300">
-                          <a:solidFill>
-                            <a:srgbClr val="333333"/>
-                          </a:solidFill>
-                        </a:defRPr>
-                      </a:pPr>
-                      <a:r>
-                        <a:t>Parallel calls</a:t>
-                      </a:r>
-                    </a:p>
-                  </a:txBody>
-                  <a:tcPr>
-                    <a:solidFill>
-                      <a:srgbClr val="F5F7FA"/>
-                    </a:solidFill>
-                  </a:tcPr>
-                </a:tc>
-                <a:tc>
-                  <a:txBody>
-                    <a:bodyPr/>
-                    <a:lstStyle/>
-                    <a:p>
-                      <a:pPr>
-                        <a:defRPr sz="1300">
-                          <a:solidFill>
-                            <a:srgbClr val="333333"/>
-                          </a:solidFill>
-                        </a:defRPr>
-                      </a:pPr>
-                      <a:r>
-                        <a:t>✅ Yes</a:t>
-                      </a:r>
-                    </a:p>
-                  </a:txBody>
-                  <a:tcPr>
-                    <a:solidFill>
-                      <a:srgbClr val="F5F7FA"/>
-                    </a:solidFill>
-                  </a:tcPr>
-                </a:tc>
-                <a:tc>
-                  <a:txBody>
-                    <a:bodyPr/>
-                    <a:lstStyle/>
-                    <a:p>
-                      <a:pPr>
-                        <a:defRPr sz="1300">
-                          <a:solidFill>
-                            <a:srgbClr val="333333"/>
-                          </a:solidFill>
-                        </a:defRPr>
-                      </a:pPr>
-                      <a:r>
-                        <a:t>✅ Yes</a:t>
-                      </a:r>
-                    </a:p>
-                  </a:txBody>
-                  <a:tcPr>
-                    <a:solidFill>
-                      <a:srgbClr val="F5F7FA"/>
-                    </a:solidFill>
-                  </a:tcPr>
-                </a:tc>
-                <a:tc>
-                  <a:txBody>
-                    <a:bodyPr/>
-                    <a:lstStyle/>
-                    <a:p>
-                      <a:pPr>
-                        <a:defRPr sz="1300">
-                          <a:solidFill>
-                            <a:srgbClr val="333333"/>
-                          </a:solidFill>
-                        </a:defRPr>
-                      </a:pPr>
-                      <a:r>
-                        <a:t>✅ Yes</a:t>
-                      </a:r>
-                    </a:p>
-                  </a:txBody>
-                  <a:tcPr>
-                    <a:solidFill>
-                      <a:srgbClr val="F5F7FA"/>
-                    </a:solidFill>
-                  </a:tcPr>
-                </a:tc>
-              </a:tr>
-              <a:tr h="411480">
-                <a:tc>
-                  <a:txBody>
-                    <a:bodyPr/>
-                    <a:lstStyle/>
-                    <a:p>
-                      <a:pPr>
-                        <a:defRPr sz="1300">
-                          <a:solidFill>
-                            <a:srgbClr val="333333"/>
-                          </a:solidFill>
-                        </a:defRPr>
-                      </a:pPr>
-                      <a:r>
-                        <a:t>Force tool</a:t>
-                      </a:r>
-                    </a:p>
-                  </a:txBody>
-                  <a:tcPr>
-                    <a:solidFill>
-                      <a:srgbClr val="FFFFFF"/>
-                    </a:solidFill>
-                  </a:tcPr>
-                </a:tc>
-                <a:tc>
-                  <a:txBody>
-                    <a:bodyPr/>
-                    <a:lstStyle/>
-                    <a:p>
-                      <a:pPr>
-                        <a:defRPr sz="1300">
-                          <a:solidFill>
-                            <a:srgbClr val="333333"/>
-                          </a:solidFill>
-                        </a:defRPr>
-                      </a:pPr>
-                      <a:r>
-                        <a:t>tool_choice={function:{name:...}}</a:t>
-                      </a:r>
-                    </a:p>
-                  </a:txBody>
-                  <a:tcPr>
-                    <a:solidFill>
-                      <a:srgbClr val="FFFFFF"/>
-                    </a:solidFill>
-                  </a:tcPr>
-                </a:tc>
-                <a:tc>
-                  <a:txBody>
-                    <a:bodyPr/>
-                    <a:lstStyle/>
-                    <a:p>
-                      <a:pPr>
-                        <a:defRPr sz="1300">
-                          <a:solidFill>
-                            <a:srgbClr val="333333"/>
-                          </a:solidFill>
-                        </a:defRPr>
-                      </a:pPr>
-                      <a:r>
-                        <a:t>tool_choice={type:tool,name:...}</a:t>
-                      </a:r>
-                    </a:p>
-                  </a:txBody>
-                  <a:tcPr>
-                    <a:solidFill>
-                      <a:srgbClr val="FFFFFF"/>
-                    </a:solidFill>
-                  </a:tcPr>
-                </a:tc>
-                <a:tc>
-                  <a:txBody>
-                    <a:bodyPr/>
-                    <a:lstStyle/>
-                    <a:p>
-                      <a:pPr>
-                        <a:defRPr sz="1300">
-                          <a:solidFill>
-                            <a:srgbClr val="333333"/>
-                          </a:solidFill>
-                        </a:defRPr>
-                      </a:pPr>
-                      <a:r>
-                        <a:t>function_calling_config mode=ANY</a:t>
-                      </a:r>
-                    </a:p>
-                  </a:txBody>
-                  <a:tcPr>
-                    <a:solidFill>
-                      <a:srgbClr val="FFFFFF"/>
-                    </a:solidFill>
-                  </a:tcPr>
-                </a:tc>
-              </a:tr>
-            </a:tbl>
-          </a:graphicData>
-        </a:graphic>
-      </p:graphicFrame>
+              <a:t>TOOLS = [{</a:t>
+            </a:r>
+            <a:br/>
+            <a:r>
+              <a:t>    "name": "get_weather",</a:t>
+            </a:r>
+            <a:br/>
+            <a:r>
+              <a:t>    "description": "Get current weather for a city",</a:t>
+            </a:r>
+            <a:br/>
+            <a:r>
+              <a:t>    "parameters": {</a:t>
+            </a:r>
+            <a:br/>
+            <a:r>
+              <a:t>        "type": "object",</a:t>
+            </a:r>
+            <a:br/>
+            <a:r>
+              <a:t>        "properties": {</a:t>
+            </a:r>
+            <a:br/>
+            <a:r>
+              <a:t>            "city": {"type": "string", "description": "City name"},</a:t>
+            </a:r>
+            <a:br/>
+            <a:r>
+              <a:t>            "unit": {</a:t>
+            </a:r>
+            <a:br/>
+            <a:r>
+              <a:t>                "type": "string",</a:t>
+            </a:r>
+            <a:br/>
+            <a:r>
+              <a:t>                "enum": ["celsius", "fahrenheit"],</a:t>
+            </a:r>
+            <a:br/>
+            <a:r>
+              <a:t>            },</a:t>
+            </a:r>
+            <a:br/>
+            <a:r>
+              <a:t>        },</a:t>
+            </a:r>
+            <a:br/>
+            <a:r>
+              <a:t>        "required": ["city"],</a:t>
+            </a:r>
+            <a:br/>
+            <a:r>
+              <a:t>    },</a:t>
+            </a:r>
+            <a:br/>
+            <a:r>
+              <a:t>}]</a:t>
+            </a:r>
+          </a:p>
+        </p:txBody>
+      </p:sp>
     </p:spTree>
   </p:cSld>
   <p:clrMapOvr>
@@ -6112,17 +5813,9 @@
 </p:sld>
 </file>
 
-<file path=ppt/slides/slide7.xml><?xml version="1.0" encoding="utf-8"?>
+<file path=ppt/slides/slide5.xml><?xml version="1.0" encoding="utf-8"?>
 <p:sld xmlns:a="http://schemas.openxmlformats.org/drawingml/2006/main" xmlns:p="http://schemas.openxmlformats.org/presentationml/2006/main" xmlns:r="http://schemas.openxmlformats.org/officeDocument/2006/relationships">
   <p:cSld>
-    <p:bg>
-      <p:bgPr>
-        <a:solidFill>
-          <a:srgbClr val="FFFFFF"/>
-        </a:solidFill>
-        <a:effectLst/>
-      </p:bgPr>
-    </p:bg>
     <p:spTree>
       <p:nvGrpSpPr>
         <p:cNvPr id="1" name=""/>
@@ -6139,7 +5832,7 @@
         <p:spPr>
           <a:xfrm>
             <a:off x="0" y="0"/>
-            <a:ext cx="12191695" cy="54864"/>
+            <a:ext cx="12191695" cy="73152"/>
           </a:xfrm>
           <a:prstGeom prst="rect">
             <a:avLst/>
@@ -6182,7 +5875,7 @@
         <p:spPr>
           <a:xfrm>
             <a:off x="731520" y="274320"/>
-            <a:ext cx="10515600" cy="731520"/>
+            <a:ext cx="10728655" cy="731520"/>
           </a:xfrm>
           <a:prstGeom prst="rect">
             <a:avLst/>
@@ -6190,7 +5883,7 @@
           <a:noFill/>
         </p:spPr>
         <p:txBody>
-          <a:bodyPr wrap="square">
+          <a:bodyPr wrap="none">
             <a:spAutoFit/>
           </a:bodyPr>
           <a:lstStyle/>
@@ -6203,21 +5896,66 @@
               </a:defRPr>
             </a:pPr>
             <a:r>
-              <a:t>Assistants API vs Messages API</a:t>
-            </a:r>
-          </a:p>
-        </p:txBody>
-      </p:sp>
-      <p:sp>
-        <p:nvSpPr>
-          <p:cNvPr id="4" name="TextBox 3"/>
-          <p:cNvSpPr txBox="1"/>
+              <a:t>OpenAI Tool Loop</a:t>
+            </a:r>
+          </a:p>
+        </p:txBody>
+      </p:sp>
+      <p:sp>
+        <p:nvSpPr>
+          <p:cNvPr id="4" name="Rounded Rectangle 3"/>
+          <p:cNvSpPr/>
           <p:nvPr/>
         </p:nvSpPr>
         <p:spPr>
           <a:xfrm>
             <a:off x="731520" y="1188720"/>
-            <a:ext cx="10515600" cy="5029200"/>
+            <a:ext cx="10728655" cy="5212080"/>
+          </a:xfrm>
+          <a:prstGeom prst="roundRect">
+            <a:avLst/>
+          </a:prstGeom>
+          <a:solidFill>
+            <a:srgbClr val="F0F0F0"/>
+          </a:solidFill>
+          <a:ln w="12700">
+            <a:solidFill>
+              <a:srgbClr val="DDDDDD"/>
+            </a:solidFill>
+          </a:ln>
+        </p:spPr>
+        <p:style>
+          <a:lnRef idx="1">
+            <a:schemeClr val="accent1"/>
+          </a:lnRef>
+          <a:fillRef idx="3">
+            <a:schemeClr val="accent1"/>
+          </a:fillRef>
+          <a:effectRef idx="2">
+            <a:schemeClr val="accent1"/>
+          </a:effectRef>
+          <a:fontRef idx="minor">
+            <a:schemeClr val="lt1"/>
+          </a:fontRef>
+        </p:style>
+        <p:txBody>
+          <a:bodyPr rtlCol="0" anchor="ctr"/>
+          <a:lstStyle/>
+          <a:p>
+            <a:pPr algn="ctr"/>
+          </a:p>
+        </p:txBody>
+      </p:sp>
+      <p:sp>
+        <p:nvSpPr>
+          <p:cNvPr id="5" name="TextBox 4"/>
+          <p:cNvSpPr txBox="1"/>
+          <p:nvPr/>
+        </p:nvSpPr>
+        <p:spPr>
+          <a:xfrm>
+            <a:off x="822960" y="1234440"/>
+            <a:ext cx="1828800" cy="320040"/>
           </a:xfrm>
           <a:prstGeom prst="rect">
             <a:avLst/>
@@ -6225,83 +5963,114 @@
           <a:noFill/>
         </p:spPr>
         <p:txBody>
+          <a:bodyPr wrap="none">
+            <a:spAutoFit/>
+          </a:bodyPr>
+          <a:lstStyle/>
+          <a:p>
+            <a:pPr>
+              <a:defRPr sz="1100" b="1">
+                <a:solidFill>
+                  <a:srgbClr val="666666"/>
+                </a:solidFill>
+              </a:defRPr>
+            </a:pPr>
+            <a:r>
+              <a:t>python</a:t>
+            </a:r>
+          </a:p>
+        </p:txBody>
+      </p:sp>
+      <p:sp>
+        <p:nvSpPr>
+          <p:cNvPr id="6" name="TextBox 5"/>
+          <p:cNvSpPr txBox="1"/>
+          <p:nvPr/>
+        </p:nvSpPr>
+        <p:spPr>
+          <a:xfrm>
+            <a:off x="914400" y="1554480"/>
+            <a:ext cx="10362895" cy="4754880"/>
+          </a:xfrm>
+          <a:prstGeom prst="rect">
+            <a:avLst/>
+          </a:prstGeom>
+          <a:noFill/>
+        </p:spPr>
+        <p:txBody>
           <a:bodyPr wrap="square">
             <a:spAutoFit/>
           </a:bodyPr>
           <a:lstStyle/>
           <a:p>
-            <a:pPr>
-              <a:spcAft>
-                <a:spcPts val="800"/>
-              </a:spcAft>
-              <a:defRPr sz="1800">
+            <a:pPr algn="l">
+              <a:defRPr sz="1300">
                 <a:solidFill>
                   <a:srgbClr val="333333"/>
                 </a:solidFill>
+                <a:latin typeface="Consolas"/>
               </a:defRPr>
             </a:pPr>
             <a:r>
-              <a:t>OpenAI Assistants: server-side state — threads, runs, built-in code interpreter &amp; file search</a:t>
-            </a:r>
-          </a:p>
-          <a:p>
-            <a:pPr>
-              <a:spcAft>
-                <a:spcPts val="800"/>
-              </a:spcAft>
-              <a:defRPr sz="1800">
-                <a:solidFill>
-                  <a:srgbClr val="333333"/>
-                </a:solidFill>
-              </a:defRPr>
-            </a:pPr>
-            <a:r>
-              <a:t>Anthropic/Google Messages: stateless — you manage everything, full control, portable</a:t>
-            </a:r>
-          </a:p>
-          <a:p>
-            <a:pPr>
-              <a:spcAft>
-                <a:spcPts val="800"/>
-              </a:spcAft>
-              <a:defRPr sz="1800">
-                <a:solidFill>
-                  <a:srgbClr val="333333"/>
-                </a:solidFill>
-              </a:defRPr>
-            </a:pPr>
-            <a:r>
-              <a:t>Recommendation: start stateless (Messages API) — it's portable and transparent</a:t>
-            </a:r>
-          </a:p>
-          <a:p>
-            <a:pPr>
-              <a:spcAft>
-                <a:spcPts val="800"/>
-              </a:spcAft>
-              <a:defRPr sz="1800">
-                <a:solidFill>
-                  <a:srgbClr val="333333"/>
-                </a:solidFill>
-              </a:defRPr>
-            </a:pPr>
-            <a:r>
-              <a:t>Use Assistants when you specifically need code interpreter or built-in file search</a:t>
-            </a:r>
-          </a:p>
-          <a:p>
-            <a:pPr>
-              <a:spcAft>
-                <a:spcPts val="800"/>
-              </a:spcAft>
-              <a:defRPr sz="1800">
-                <a:solidFill>
-                  <a:srgbClr val="333333"/>
-                </a:solidFill>
-              </a:defRPr>
-            </a:pPr>
-            <a:r>
-              <a:t>GPT-5.2 Assistants now support MCP tools natively</a:t>
+              <a:t>tools = [{"type": "function", "function": t} for t in TOOLS]</a:t>
+            </a:r>
+            <a:br/>
+            <a:br/>
+            <a:r>
+              <a:t>response = client.chat.completions.create(</a:t>
+            </a:r>
+            <a:br/>
+            <a:r>
+              <a:t>    model="gpt-4.1", messages=messages, tools=tools)</a:t>
+            </a:r>
+            <a:br/>
+            <a:r>
+              <a:t>msg = response.choices[0].message</a:t>
+            </a:r>
+            <a:br/>
+            <a:br/>
+            <a:r>
+              <a:t>if msg.tool_calls:</a:t>
+            </a:r>
+            <a:br/>
+            <a:r>
+              <a:t>    messages.append(msg)</a:t>
+            </a:r>
+            <a:br/>
+            <a:r>
+              <a:t>    for call in msg.tool_calls:</a:t>
+            </a:r>
+            <a:br/>
+            <a:r>
+              <a:t>        args = json.loads(call.function.arguments)</a:t>
+            </a:r>
+            <a:br/>
+            <a:r>
+              <a:t>        result = execute_tool(call.function.name, args)</a:t>
+            </a:r>
+            <a:br/>
+            <a:r>
+              <a:t>        messages.append({</a:t>
+            </a:r>
+            <a:br/>
+            <a:r>
+              <a:t>            "role": "tool",</a:t>
+            </a:r>
+            <a:br/>
+            <a:r>
+              <a:t>            "tool_call_id": call.id,</a:t>
+            </a:r>
+            <a:br/>
+            <a:r>
+              <a:t>            "content": json.dumps(result),</a:t>
+            </a:r>
+            <a:br/>
+            <a:r>
+              <a:t>        })</a:t>
+            </a:r>
+            <a:br/>
+            <a:r>
+              <a:t>    # Send back for final response...</a:t>
             </a:r>
           </a:p>
         </p:txBody>
@@ -6314,17 +6083,9 @@
 </p:sld>
 </file>
 
-<file path=ppt/slides/slide8.xml><?xml version="1.0" encoding="utf-8"?>
+<file path=ppt/slides/slide6.xml><?xml version="1.0" encoding="utf-8"?>
 <p:sld xmlns:a="http://schemas.openxmlformats.org/drawingml/2006/main" xmlns:p="http://schemas.openxmlformats.org/presentationml/2006/main" xmlns:r="http://schemas.openxmlformats.org/officeDocument/2006/relationships">
   <p:cSld>
-    <p:bg>
-      <p:bgPr>
-        <a:solidFill>
-          <a:srgbClr val="FFFFFF"/>
-        </a:solidFill>
-        <a:effectLst/>
-      </p:bgPr>
-    </p:bg>
     <p:spTree>
       <p:nvGrpSpPr>
         <p:cNvPr id="1" name=""/>
@@ -6341,7 +6102,7 @@
         <p:spPr>
           <a:xfrm>
             <a:off x="0" y="0"/>
-            <a:ext cx="12191695" cy="54864"/>
+            <a:ext cx="12191695" cy="73152"/>
           </a:xfrm>
           <a:prstGeom prst="rect">
             <a:avLst/>
@@ -6384,7 +6145,7 @@
         <p:spPr>
           <a:xfrm>
             <a:off x="731520" y="274320"/>
-            <a:ext cx="10515600" cy="731520"/>
+            <a:ext cx="10728655" cy="731520"/>
           </a:xfrm>
           <a:prstGeom prst="rect">
             <a:avLst/>
@@ -6392,7 +6153,7 @@
           <a:noFill/>
         </p:spPr>
         <p:txBody>
-          <a:bodyPr wrap="square">
+          <a:bodyPr wrap="none">
             <a:spAutoFit/>
           </a:bodyPr>
           <a:lstStyle/>
@@ -6405,21 +6166,66 @@
               </a:defRPr>
             </a:pPr>
             <a:r>
-              <a:t>Custom GPTs, Claude Projects &amp; Gems</a:t>
-            </a:r>
-          </a:p>
-        </p:txBody>
-      </p:sp>
-      <p:sp>
-        <p:nvSpPr>
-          <p:cNvPr id="4" name="TextBox 3"/>
-          <p:cNvSpPr txBox="1"/>
+              <a:t>Anthropic Tool Loop</a:t>
+            </a:r>
+          </a:p>
+        </p:txBody>
+      </p:sp>
+      <p:sp>
+        <p:nvSpPr>
+          <p:cNvPr id="4" name="Rounded Rectangle 3"/>
+          <p:cNvSpPr/>
           <p:nvPr/>
         </p:nvSpPr>
         <p:spPr>
           <a:xfrm>
             <a:off x="731520" y="1188720"/>
-            <a:ext cx="10515600" cy="5029200"/>
+            <a:ext cx="10728655" cy="5212080"/>
+          </a:xfrm>
+          <a:prstGeom prst="roundRect">
+            <a:avLst/>
+          </a:prstGeom>
+          <a:solidFill>
+            <a:srgbClr val="F0F0F0"/>
+          </a:solidFill>
+          <a:ln w="12700">
+            <a:solidFill>
+              <a:srgbClr val="DDDDDD"/>
+            </a:solidFill>
+          </a:ln>
+        </p:spPr>
+        <p:style>
+          <a:lnRef idx="1">
+            <a:schemeClr val="accent1"/>
+          </a:lnRef>
+          <a:fillRef idx="3">
+            <a:schemeClr val="accent1"/>
+          </a:fillRef>
+          <a:effectRef idx="2">
+            <a:schemeClr val="accent1"/>
+          </a:effectRef>
+          <a:fontRef idx="minor">
+            <a:schemeClr val="lt1"/>
+          </a:fontRef>
+        </p:style>
+        <p:txBody>
+          <a:bodyPr rtlCol="0" anchor="ctr"/>
+          <a:lstStyle/>
+          <a:p>
+            <a:pPr algn="ctr"/>
+          </a:p>
+        </p:txBody>
+      </p:sp>
+      <p:sp>
+        <p:nvSpPr>
+          <p:cNvPr id="5" name="TextBox 4"/>
+          <p:cNvSpPr txBox="1"/>
+          <p:nvPr/>
+        </p:nvSpPr>
+        <p:spPr>
+          <a:xfrm>
+            <a:off x="822960" y="1234440"/>
+            <a:ext cx="1828800" cy="320040"/>
           </a:xfrm>
           <a:prstGeom prst="rect">
             <a:avLst/>
@@ -6427,83 +6233,118 @@
           <a:noFill/>
         </p:spPr>
         <p:txBody>
+          <a:bodyPr wrap="none">
+            <a:spAutoFit/>
+          </a:bodyPr>
+          <a:lstStyle/>
+          <a:p>
+            <a:pPr>
+              <a:defRPr sz="1100" b="1">
+                <a:solidFill>
+                  <a:srgbClr val="666666"/>
+                </a:solidFill>
+              </a:defRPr>
+            </a:pPr>
+            <a:r>
+              <a:t>python</a:t>
+            </a:r>
+          </a:p>
+        </p:txBody>
+      </p:sp>
+      <p:sp>
+        <p:nvSpPr>
+          <p:cNvPr id="6" name="TextBox 5"/>
+          <p:cNvSpPr txBox="1"/>
+          <p:nvPr/>
+        </p:nvSpPr>
+        <p:spPr>
+          <a:xfrm>
+            <a:off x="914400" y="1554480"/>
+            <a:ext cx="10362895" cy="4754880"/>
+          </a:xfrm>
+          <a:prstGeom prst="rect">
+            <a:avLst/>
+          </a:prstGeom>
+          <a:noFill/>
+        </p:spPr>
+        <p:txBody>
           <a:bodyPr wrap="square">
             <a:spAutoFit/>
           </a:bodyPr>
           <a:lstStyle/>
           <a:p>
-            <a:pPr>
-              <a:spcAft>
-                <a:spcPts val="800"/>
-              </a:spcAft>
-              <a:defRPr sz="1800">
+            <a:pPr algn="l">
+              <a:defRPr sz="1300">
                 <a:solidFill>
                   <a:srgbClr val="333333"/>
                 </a:solidFill>
+                <a:latin typeface="Consolas"/>
               </a:defRPr>
             </a:pPr>
             <a:r>
-              <a:t>Custom GPTs (OpenAI) — no-code via ChatGPT UI, GPT Store marketplace, quality varies</a:t>
-            </a:r>
-          </a:p>
-          <a:p>
-            <a:pPr>
-              <a:spcAft>
-                <a:spcPts val="800"/>
-              </a:spcAft>
-              <a:defRPr sz="1800">
-                <a:solidFill>
-                  <a:srgbClr val="333333"/>
-                </a:solidFill>
-              </a:defRPr>
-            </a:pPr>
-            <a:r>
-              <a:t>Claude Projects (Anthropic) — project-level system prompts + knowledge files</a:t>
-            </a:r>
-          </a:p>
-          <a:p>
-            <a:pPr>
-              <a:spcAft>
-                <a:spcPts val="800"/>
-              </a:spcAft>
-              <a:defRPr sz="1800">
-                <a:solidFill>
-                  <a:srgbClr val="333333"/>
-                </a:solidFill>
-              </a:defRPr>
-            </a:pPr>
-            <a:r>
-              <a:t>Claude Cowork (Jan 2026) — GUI for non-technical users to build with Claude</a:t>
-            </a:r>
-          </a:p>
-          <a:p>
-            <a:pPr>
-              <a:spcAft>
-                <a:spcPts val="800"/>
-              </a:spcAft>
-              <a:defRPr sz="1800">
-                <a:solidFill>
-                  <a:srgbClr val="333333"/>
-                </a:solidFill>
-              </a:defRPr>
-            </a:pPr>
-            <a:r>
-              <a:t>Google Gems — custom personas in Gemini, limited distribution</a:t>
-            </a:r>
-          </a:p>
-          <a:p>
-            <a:pPr>
-              <a:spcAft>
-                <a:spcPts val="800"/>
-              </a:spcAft>
-              <a:defRPr sz="1800">
-                <a:solidFill>
-                  <a:srgbClr val="333333"/>
-                </a:solidFill>
-              </a:defRPr>
-            </a:pPr>
-            <a:r>
-              <a:t>For developers: custom tool-calling assistants &gt; consumer customization tools</a:t>
+              <a:t>tools = [{"name": t["name"], "description": t["description"],</a:t>
+            </a:r>
+            <a:br/>
+            <a:r>
+              <a:t>         "input_schema": t["parameters"]} for t in TOOLS]</a:t>
+            </a:r>
+            <a:br/>
+            <a:br/>
+            <a:r>
+              <a:t>response = client.messages.create(</a:t>
+            </a:r>
+            <a:br/>
+            <a:r>
+              <a:t>    model="claude-sonnet-4-6-20250217", max_tokens=8192,</a:t>
+            </a:r>
+            <a:br/>
+            <a:r>
+              <a:t>    tools=tools, messages=conversation)</a:t>
+            </a:r>
+            <a:br/>
+            <a:br/>
+            <a:r>
+              <a:t>if response.stop_reason == "tool_use":</a:t>
+            </a:r>
+            <a:br/>
+            <a:r>
+              <a:t>    tool_results = []</a:t>
+            </a:r>
+            <a:br/>
+            <a:r>
+              <a:t>    for block in response.content:</a:t>
+            </a:r>
+            <a:br/>
+            <a:r>
+              <a:t>        if block.type == "tool_use":</a:t>
+            </a:r>
+            <a:br/>
+            <a:r>
+              <a:t>            result = execute_tool(block.name, block.input)</a:t>
+            </a:r>
+            <a:br/>
+            <a:r>
+              <a:t>            tool_results.append({</a:t>
+            </a:r>
+            <a:br/>
+            <a:r>
+              <a:t>                "type": "tool_result",</a:t>
+            </a:r>
+            <a:br/>
+            <a:r>
+              <a:t>                "tool_use_id": block.id,</a:t>
+            </a:r>
+            <a:br/>
+            <a:r>
+              <a:t>                "content": json.dumps(result),</a:t>
+            </a:r>
+            <a:br/>
+            <a:r>
+              <a:t>            })</a:t>
+            </a:r>
+            <a:br/>
+            <a:r>
+              <a:t>    conversation.append({"role": "user", "content": tool_results})</a:t>
             </a:r>
           </a:p>
         </p:txBody>
@@ -6516,17 +6357,9 @@
 </p:sld>
 </file>
 
-<file path=ppt/slides/slide9.xml><?xml version="1.0" encoding="utf-8"?>
+<file path=ppt/slides/slide7.xml><?xml version="1.0" encoding="utf-8"?>
 <p:sld xmlns:a="http://schemas.openxmlformats.org/drawingml/2006/main" xmlns:p="http://schemas.openxmlformats.org/presentationml/2006/main" xmlns:r="http://schemas.openxmlformats.org/officeDocument/2006/relationships">
   <p:cSld>
-    <p:bg>
-      <p:bgPr>
-        <a:solidFill>
-          <a:srgbClr val="FFFFFF"/>
-        </a:solidFill>
-        <a:effectLst/>
-      </p:bgPr>
-    </p:bg>
     <p:spTree>
       <p:nvGrpSpPr>
         <p:cNvPr id="1" name=""/>
@@ -6543,7 +6376,7 @@
         <p:spPr>
           <a:xfrm>
             <a:off x="0" y="0"/>
-            <a:ext cx="12191695" cy="54864"/>
+            <a:ext cx="12191695" cy="73152"/>
           </a:xfrm>
           <a:prstGeom prst="rect">
             <a:avLst/>
@@ -6586,7 +6419,7 @@
         <p:spPr>
           <a:xfrm>
             <a:off x="731520" y="274320"/>
-            <a:ext cx="10515600" cy="731520"/>
+            <a:ext cx="10728655" cy="731520"/>
           </a:xfrm>
           <a:prstGeom prst="rect">
             <a:avLst/>
@@ -6594,7 +6427,7 @@
           <a:noFill/>
         </p:spPr>
         <p:txBody>
-          <a:bodyPr wrap="square">
+          <a:bodyPr wrap="none">
             <a:spAutoFit/>
           </a:bodyPr>
           <a:lstStyle/>
@@ -6607,21 +6440,66 @@
               </a:defRPr>
             </a:pPr>
             <a:r>
-              <a:t>Hands-On: Tool-Calling Assistant</a:t>
-            </a:r>
-          </a:p>
-        </p:txBody>
-      </p:sp>
-      <p:sp>
-        <p:nvSpPr>
-          <p:cNvPr id="4" name="TextBox 3"/>
-          <p:cNvSpPr txBox="1"/>
+              <a:t>Google Gemini Tool Loop</a:t>
+            </a:r>
+          </a:p>
+        </p:txBody>
+      </p:sp>
+      <p:sp>
+        <p:nvSpPr>
+          <p:cNvPr id="4" name="Rounded Rectangle 3"/>
+          <p:cNvSpPr/>
           <p:nvPr/>
         </p:nvSpPr>
         <p:spPr>
           <a:xfrm>
             <a:off x="731520" y="1188720"/>
-            <a:ext cx="10515600" cy="5029200"/>
+            <a:ext cx="10728655" cy="5212080"/>
+          </a:xfrm>
+          <a:prstGeom prst="roundRect">
+            <a:avLst/>
+          </a:prstGeom>
+          <a:solidFill>
+            <a:srgbClr val="F0F0F0"/>
+          </a:solidFill>
+          <a:ln w="12700">
+            <a:solidFill>
+              <a:srgbClr val="DDDDDD"/>
+            </a:solidFill>
+          </a:ln>
+        </p:spPr>
+        <p:style>
+          <a:lnRef idx="1">
+            <a:schemeClr val="accent1"/>
+          </a:lnRef>
+          <a:fillRef idx="3">
+            <a:schemeClr val="accent1"/>
+          </a:fillRef>
+          <a:effectRef idx="2">
+            <a:schemeClr val="accent1"/>
+          </a:effectRef>
+          <a:fontRef idx="minor">
+            <a:schemeClr val="lt1"/>
+          </a:fontRef>
+        </p:style>
+        <p:txBody>
+          <a:bodyPr rtlCol="0" anchor="ctr"/>
+          <a:lstStyle/>
+          <a:p>
+            <a:pPr algn="ctr"/>
+          </a:p>
+        </p:txBody>
+      </p:sp>
+      <p:sp>
+        <p:nvSpPr>
+          <p:cNvPr id="5" name="TextBox 4"/>
+          <p:cNvSpPr txBox="1"/>
+          <p:nvPr/>
+        </p:nvSpPr>
+        <p:spPr>
+          <a:xfrm>
+            <a:off x="822960" y="1234440"/>
+            <a:ext cx="1828800" cy="320040"/>
           </a:xfrm>
           <a:prstGeom prst="rect">
             <a:avLst/>
@@ -6629,14 +6507,919 @@
           <a:noFill/>
         </p:spPr>
         <p:txBody>
+          <a:bodyPr wrap="none">
+            <a:spAutoFit/>
+          </a:bodyPr>
+          <a:lstStyle/>
+          <a:p>
+            <a:pPr>
+              <a:defRPr sz="1100" b="1">
+                <a:solidFill>
+                  <a:srgbClr val="666666"/>
+                </a:solidFill>
+              </a:defRPr>
+            </a:pPr>
+            <a:r>
+              <a:t>python</a:t>
+            </a:r>
+          </a:p>
+        </p:txBody>
+      </p:sp>
+      <p:sp>
+        <p:nvSpPr>
+          <p:cNvPr id="6" name="TextBox 5"/>
+          <p:cNvSpPr txBox="1"/>
+          <p:nvPr/>
+        </p:nvSpPr>
+        <p:spPr>
+          <a:xfrm>
+            <a:off x="914400" y="1554480"/>
+            <a:ext cx="10362895" cy="4754880"/>
+          </a:xfrm>
+          <a:prstGeom prst="rect">
+            <a:avLst/>
+          </a:prstGeom>
+          <a:noFill/>
+        </p:spPr>
+        <p:txBody>
           <a:bodyPr wrap="square">
             <a:spAutoFit/>
           </a:bodyPr>
           <a:lstStyle/>
           <a:p>
+            <a:pPr algn="l">
+              <a:defRPr sz="1300">
+                <a:solidFill>
+                  <a:srgbClr val="333333"/>
+                </a:solidFill>
+                <a:latin typeface="Consolas"/>
+              </a:defRPr>
+            </a:pPr>
+            <a:r>
+              <a:t>from google.genai import types</a:t>
+            </a:r>
+            <a:br/>
+            <a:br/>
+            <a:r>
+              <a:t>tool = types.Tool(function_declarations=[</a:t>
+            </a:r>
+            <a:br/>
+            <a:r>
+              <a:t>    types.FunctionDeclaration(</a:t>
+            </a:r>
+            <a:br/>
+            <a:r>
+              <a:t>        name="get_weather",</a:t>
+            </a:r>
+            <a:br/>
+            <a:r>
+              <a:t>        description="Get current weather for a city",</a:t>
+            </a:r>
+            <a:br/>
+            <a:r>
+              <a:t>        parameters=types.Schema(</a:t>
+            </a:r>
+            <a:br/>
+            <a:r>
+              <a:t>            type="OBJECT",</a:t>
+            </a:r>
+            <a:br/>
+            <a:r>
+              <a:t>            properties={"city": types.Schema(type="STRING")},</a:t>
+            </a:r>
+            <a:br/>
+            <a:r>
+              <a:t>            required=["city"],</a:t>
+            </a:r>
+            <a:br/>
+            <a:r>
+              <a:t>        )</a:t>
+            </a:r>
+            <a:br/>
+            <a:r>
+              <a:t>    )</a:t>
+            </a:r>
+            <a:br/>
+            <a:r>
+              <a:t>])</a:t>
+            </a:r>
+            <a:br/>
+            <a:br/>
+            <a:r>
+              <a:t>response = client.models.generate_content(</a:t>
+            </a:r>
+            <a:br/>
+            <a:r>
+              <a:t>    model="gemini-2.5-flash", contents=contents,</a:t>
+            </a:r>
+            <a:br/>
+            <a:r>
+              <a:t>    config=types.GenerateContentConfig(tools=[tool]))</a:t>
+            </a:r>
+            <a:br/>
+            <a:br/>
+            <a:r>
+              <a:t># Check for function_call in response.candidates[0].content.parts[0]</a:t>
+            </a:r>
+          </a:p>
+        </p:txBody>
+      </p:sp>
+    </p:spTree>
+  </p:cSld>
+  <p:clrMapOvr>
+    <a:masterClrMapping/>
+  </p:clrMapOvr>
+</p:sld>
+</file>
+
+<file path=ppt/slides/slide8.xml><?xml version="1.0" encoding="utf-8"?>
+<p:sld xmlns:a="http://schemas.openxmlformats.org/drawingml/2006/main" xmlns:p="http://schemas.openxmlformats.org/presentationml/2006/main" xmlns:r="http://schemas.openxmlformats.org/officeDocument/2006/relationships">
+  <p:cSld>
+    <p:spTree>
+      <p:nvGrpSpPr>
+        <p:cNvPr id="1" name=""/>
+        <p:cNvGrpSpPr/>
+        <p:nvPr/>
+      </p:nvGrpSpPr>
+      <p:grpSpPr/>
+      <p:sp>
+        <p:nvSpPr>
+          <p:cNvPr id="2" name="Rectangle 1"/>
+          <p:cNvSpPr/>
+          <p:nvPr/>
+        </p:nvSpPr>
+        <p:spPr>
+          <a:xfrm>
+            <a:off x="0" y="0"/>
+            <a:ext cx="12191695" cy="73152"/>
+          </a:xfrm>
+          <a:prstGeom prst="rect">
+            <a:avLst/>
+          </a:prstGeom>
+          <a:solidFill>
+            <a:srgbClr val="0096D6"/>
+          </a:solidFill>
+          <a:ln>
+            <a:noFill/>
+          </a:ln>
+        </p:spPr>
+        <p:style>
+          <a:lnRef idx="1">
+            <a:schemeClr val="accent1"/>
+          </a:lnRef>
+          <a:fillRef idx="3">
+            <a:schemeClr val="accent1"/>
+          </a:fillRef>
+          <a:effectRef idx="2">
+            <a:schemeClr val="accent1"/>
+          </a:effectRef>
+          <a:fontRef idx="minor">
+            <a:schemeClr val="lt1"/>
+          </a:fontRef>
+        </p:style>
+        <p:txBody>
+          <a:bodyPr rtlCol="0" anchor="ctr"/>
+          <a:lstStyle/>
+          <a:p>
+            <a:pPr algn="ctr"/>
+          </a:p>
+        </p:txBody>
+      </p:sp>
+      <p:sp>
+        <p:nvSpPr>
+          <p:cNvPr id="3" name="TextBox 2"/>
+          <p:cNvSpPr txBox="1"/>
+          <p:nvPr/>
+        </p:nvSpPr>
+        <p:spPr>
+          <a:xfrm>
+            <a:off x="731520" y="274320"/>
+            <a:ext cx="10728655" cy="731520"/>
+          </a:xfrm>
+          <a:prstGeom prst="rect">
+            <a:avLst/>
+          </a:prstGeom>
+          <a:noFill/>
+        </p:spPr>
+        <p:txBody>
+          <a:bodyPr wrap="none">
+            <a:spAutoFit/>
+          </a:bodyPr>
+          <a:lstStyle/>
+          <a:p>
+            <a:pPr>
+              <a:defRPr sz="3200" b="1">
+                <a:solidFill>
+                  <a:srgbClr val="1B2A4A"/>
+                </a:solidFill>
+              </a:defRPr>
+            </a:pPr>
+            <a:r>
+              <a:t>Tool Use — Provider Comparison</a:t>
+            </a:r>
+          </a:p>
+        </p:txBody>
+      </p:sp>
+      <p:graphicFrame>
+        <p:nvGraphicFramePr>
+          <p:cNvPr id="4" name="Table 3"/>
+          <p:cNvGraphicFramePr>
+            <a:graphicFrameLocks noGrp="1"/>
+          </p:cNvGraphicFramePr>
+          <p:nvPr/>
+        </p:nvGraphicFramePr>
+        <p:xfrm>
+          <a:off x="731520" y="1280160"/>
+          <a:ext cx="10728652" cy="2194560"/>
+        </p:xfrm>
+        <a:graphic>
+          <a:graphicData uri="http://schemas.openxmlformats.org/drawingml/2006/table">
+            <a:tbl>
+              <a:tblPr firstRow="1" bandRow="1">
+                <a:tableStyleId>{5C22544A-7EE6-4342-B048-85BDC9FD1C3A}</a:tableStyleId>
+              </a:tblPr>
+              <a:tblGrid>
+                <a:gridCol w="2682163"/>
+                <a:gridCol w="2682163"/>
+                <a:gridCol w="2682163"/>
+                <a:gridCol w="2682163"/>
+              </a:tblGrid>
+              <a:tr h="365760">
+                <a:tc>
+                  <a:txBody>
+                    <a:bodyPr/>
+                    <a:lstStyle/>
+                    <a:p>
+                      <a:pPr algn="ctr">
+                        <a:defRPr sz="1400" b="1">
+                          <a:solidFill>
+                            <a:srgbClr val="FFFFFF"/>
+                          </a:solidFill>
+                        </a:defRPr>
+                      </a:pPr>
+                      <a:r>
+                        <a:t>Feature</a:t>
+                      </a:r>
+                    </a:p>
+                  </a:txBody>
+                  <a:tcPr>
+                    <a:solidFill>
+                      <a:srgbClr val="1B2A4A"/>
+                    </a:solidFill>
+                  </a:tcPr>
+                </a:tc>
+                <a:tc>
+                  <a:txBody>
+                    <a:bodyPr/>
+                    <a:lstStyle/>
+                    <a:p>
+                      <a:pPr algn="ctr">
+                        <a:defRPr sz="1400" b="1">
+                          <a:solidFill>
+                            <a:srgbClr val="FFFFFF"/>
+                          </a:solidFill>
+                        </a:defRPr>
+                      </a:pPr>
+                      <a:r>
+                        <a:t>OpenAI</a:t>
+                      </a:r>
+                    </a:p>
+                  </a:txBody>
+                  <a:tcPr>
+                    <a:solidFill>
+                      <a:srgbClr val="1B2A4A"/>
+                    </a:solidFill>
+                  </a:tcPr>
+                </a:tc>
+                <a:tc>
+                  <a:txBody>
+                    <a:bodyPr/>
+                    <a:lstStyle/>
+                    <a:p>
+                      <a:pPr algn="ctr">
+                        <a:defRPr sz="1400" b="1">
+                          <a:solidFill>
+                            <a:srgbClr val="FFFFFF"/>
+                          </a:solidFill>
+                        </a:defRPr>
+                      </a:pPr>
+                      <a:r>
+                        <a:t>Anthropic</a:t>
+                      </a:r>
+                    </a:p>
+                  </a:txBody>
+                  <a:tcPr>
+                    <a:solidFill>
+                      <a:srgbClr val="1B2A4A"/>
+                    </a:solidFill>
+                  </a:tcPr>
+                </a:tc>
+                <a:tc>
+                  <a:txBody>
+                    <a:bodyPr/>
+                    <a:lstStyle/>
+                    <a:p>
+                      <a:pPr algn="ctr">
+                        <a:defRPr sz="1400" b="1">
+                          <a:solidFill>
+                            <a:srgbClr val="FFFFFF"/>
+                          </a:solidFill>
+                        </a:defRPr>
+                      </a:pPr>
+                      <a:r>
+                        <a:t>Google</a:t>
+                      </a:r>
+                    </a:p>
+                  </a:txBody>
+                  <a:tcPr>
+                    <a:solidFill>
+                      <a:srgbClr val="1B2A4A"/>
+                    </a:solidFill>
+                  </a:tcPr>
+                </a:tc>
+              </a:tr>
+              <a:tr h="365760">
+                <a:tc>
+                  <a:txBody>
+                    <a:bodyPr/>
+                    <a:lstStyle/>
+                    <a:p>
+                      <a:pPr algn="ctr">
+                        <a:defRPr sz="1300">
+                          <a:solidFill>
+                            <a:srgbClr val="333333"/>
+                          </a:solidFill>
+                        </a:defRPr>
+                      </a:pPr>
+                      <a:r>
+                        <a:t>Tool format</a:t>
+                      </a:r>
+                    </a:p>
+                  </a:txBody>
+                  <a:tcPr/>
+                </a:tc>
+                <a:tc>
+                  <a:txBody>
+                    <a:bodyPr/>
+                    <a:lstStyle/>
+                    <a:p>
+                      <a:pPr algn="ctr">
+                        <a:defRPr sz="1300">
+                          <a:solidFill>
+                            <a:srgbClr val="333333"/>
+                          </a:solidFill>
+                        </a:defRPr>
+                      </a:pPr>
+                      <a:r>
+                        <a:t>{type: function, function: ...}</a:t>
+                      </a:r>
+                    </a:p>
+                  </a:txBody>
+                  <a:tcPr/>
+                </a:tc>
+                <a:tc>
+                  <a:txBody>
+                    <a:bodyPr/>
+                    <a:lstStyle/>
+                    <a:p>
+                      <a:pPr algn="ctr">
+                        <a:defRPr sz="1300">
+                          <a:solidFill>
+                            <a:srgbClr val="333333"/>
+                          </a:solidFill>
+                        </a:defRPr>
+                      </a:pPr>
+                      <a:r>
+                        <a:t>{name, input_schema}</a:t>
+                      </a:r>
+                    </a:p>
+                  </a:txBody>
+                  <a:tcPr/>
+                </a:tc>
+                <a:tc>
+                  <a:txBody>
+                    <a:bodyPr/>
+                    <a:lstStyle/>
+                    <a:p>
+                      <a:pPr algn="ctr">
+                        <a:defRPr sz="1300">
+                          <a:solidFill>
+                            <a:srgbClr val="333333"/>
+                          </a:solidFill>
+                        </a:defRPr>
+                      </a:pPr>
+                      <a:r>
+                        <a:t>FunctionDeclaration</a:t>
+                      </a:r>
+                    </a:p>
+                  </a:txBody>
+                  <a:tcPr/>
+                </a:tc>
+              </a:tr>
+              <a:tr h="365760">
+                <a:tc>
+                  <a:txBody>
+                    <a:bodyPr/>
+                    <a:lstStyle/>
+                    <a:p>
+                      <a:pPr algn="ctr">
+                        <a:defRPr sz="1300">
+                          <a:solidFill>
+                            <a:srgbClr val="333333"/>
+                          </a:solidFill>
+                        </a:defRPr>
+                      </a:pPr>
+                      <a:r>
+                        <a:t>Check for calls</a:t>
+                      </a:r>
+                    </a:p>
+                  </a:txBody>
+                  <a:tcPr>
+                    <a:solidFill>
+                      <a:srgbClr val="F5F7FA"/>
+                    </a:solidFill>
+                  </a:tcPr>
+                </a:tc>
+                <a:tc>
+                  <a:txBody>
+                    <a:bodyPr/>
+                    <a:lstStyle/>
+                    <a:p>
+                      <a:pPr algn="ctr">
+                        <a:defRPr sz="1300">
+                          <a:solidFill>
+                            <a:srgbClr val="333333"/>
+                          </a:solidFill>
+                        </a:defRPr>
+                      </a:pPr>
+                      <a:r>
+                        <a:t>msg.tool_calls</a:t>
+                      </a:r>
+                    </a:p>
+                  </a:txBody>
+                  <a:tcPr>
+                    <a:solidFill>
+                      <a:srgbClr val="F5F7FA"/>
+                    </a:solidFill>
+                  </a:tcPr>
+                </a:tc>
+                <a:tc>
+                  <a:txBody>
+                    <a:bodyPr/>
+                    <a:lstStyle/>
+                    <a:p>
+                      <a:pPr algn="ctr">
+                        <a:defRPr sz="1300">
+                          <a:solidFill>
+                            <a:srgbClr val="333333"/>
+                          </a:solidFill>
+                        </a:defRPr>
+                      </a:pPr>
+                      <a:r>
+                        <a:t>stop_reason == 'tool_use'</a:t>
+                      </a:r>
+                    </a:p>
+                  </a:txBody>
+                  <a:tcPr>
+                    <a:solidFill>
+                      <a:srgbClr val="F5F7FA"/>
+                    </a:solidFill>
+                  </a:tcPr>
+                </a:tc>
+                <a:tc>
+                  <a:txBody>
+                    <a:bodyPr/>
+                    <a:lstStyle/>
+                    <a:p>
+                      <a:pPr algn="ctr">
+                        <a:defRPr sz="1300">
+                          <a:solidFill>
+                            <a:srgbClr val="333333"/>
+                          </a:solidFill>
+                        </a:defRPr>
+                      </a:pPr>
+                      <a:r>
+                        <a:t>part.function_call</a:t>
+                      </a:r>
+                    </a:p>
+                  </a:txBody>
+                  <a:tcPr>
+                    <a:solidFill>
+                      <a:srgbClr val="F5F7FA"/>
+                    </a:solidFill>
+                  </a:tcPr>
+                </a:tc>
+              </a:tr>
+              <a:tr h="365760">
+                <a:tc>
+                  <a:txBody>
+                    <a:bodyPr/>
+                    <a:lstStyle/>
+                    <a:p>
+                      <a:pPr algn="ctr">
+                        <a:defRPr sz="1300">
+                          <a:solidFill>
+                            <a:srgbClr val="333333"/>
+                          </a:solidFill>
+                        </a:defRPr>
+                      </a:pPr>
+                      <a:r>
+                        <a:t>Result role</a:t>
+                      </a:r>
+                    </a:p>
+                  </a:txBody>
+                  <a:tcPr/>
+                </a:tc>
+                <a:tc>
+                  <a:txBody>
+                    <a:bodyPr/>
+                    <a:lstStyle/>
+                    <a:p>
+                      <a:pPr algn="ctr">
+                        <a:defRPr sz="1300">
+                          <a:solidFill>
+                            <a:srgbClr val="333333"/>
+                          </a:solidFill>
+                        </a:defRPr>
+                      </a:pPr>
+                      <a:r>
+                        <a:t>role: 'tool'</a:t>
+                      </a:r>
+                    </a:p>
+                  </a:txBody>
+                  <a:tcPr/>
+                </a:tc>
+                <a:tc>
+                  <a:txBody>
+                    <a:bodyPr/>
+                    <a:lstStyle/>
+                    <a:p>
+                      <a:pPr algn="ctr">
+                        <a:defRPr sz="1300">
+                          <a:solidFill>
+                            <a:srgbClr val="333333"/>
+                          </a:solidFill>
+                        </a:defRPr>
+                      </a:pPr>
+                      <a:r>
+                        <a:t>role: 'user' + tool_result</a:t>
+                      </a:r>
+                    </a:p>
+                  </a:txBody>
+                  <a:tcPr/>
+                </a:tc>
+                <a:tc>
+                  <a:txBody>
+                    <a:bodyPr/>
+                    <a:lstStyle/>
+                    <a:p>
+                      <a:pPr algn="ctr">
+                        <a:defRPr sz="1300">
+                          <a:solidFill>
+                            <a:srgbClr val="333333"/>
+                          </a:solidFill>
+                        </a:defRPr>
+                      </a:pPr>
+                      <a:r>
+                        <a:t>FunctionResponse</a:t>
+                      </a:r>
+                    </a:p>
+                  </a:txBody>
+                  <a:tcPr/>
+                </a:tc>
+              </a:tr>
+              <a:tr h="365760">
+                <a:tc>
+                  <a:txBody>
+                    <a:bodyPr/>
+                    <a:lstStyle/>
+                    <a:p>
+                      <a:pPr algn="ctr">
+                        <a:defRPr sz="1300">
+                          <a:solidFill>
+                            <a:srgbClr val="333333"/>
+                          </a:solidFill>
+                        </a:defRPr>
+                      </a:pPr>
+                      <a:r>
+                        <a:t>Parallel calls</a:t>
+                      </a:r>
+                    </a:p>
+                  </a:txBody>
+                  <a:tcPr>
+                    <a:solidFill>
+                      <a:srgbClr val="F5F7FA"/>
+                    </a:solidFill>
+                  </a:tcPr>
+                </a:tc>
+                <a:tc>
+                  <a:txBody>
+                    <a:bodyPr/>
+                    <a:lstStyle/>
+                    <a:p>
+                      <a:pPr algn="ctr">
+                        <a:defRPr sz="1300">
+                          <a:solidFill>
+                            <a:srgbClr val="333333"/>
+                          </a:solidFill>
+                        </a:defRPr>
+                      </a:pPr>
+                      <a:r>
+                        <a:t>Yes (multiple)</a:t>
+                      </a:r>
+                    </a:p>
+                  </a:txBody>
+                  <a:tcPr>
+                    <a:solidFill>
+                      <a:srgbClr val="F5F7FA"/>
+                    </a:solidFill>
+                  </a:tcPr>
+                </a:tc>
+                <a:tc>
+                  <a:txBody>
+                    <a:bodyPr/>
+                    <a:lstStyle/>
+                    <a:p>
+                      <a:pPr algn="ctr">
+                        <a:defRPr sz="1300">
+                          <a:solidFill>
+                            <a:srgbClr val="333333"/>
+                          </a:solidFill>
+                        </a:defRPr>
+                      </a:pPr>
+                      <a:r>
+                        <a:t>Yes (multiple)</a:t>
+                      </a:r>
+                    </a:p>
+                  </a:txBody>
+                  <a:tcPr>
+                    <a:solidFill>
+                      <a:srgbClr val="F5F7FA"/>
+                    </a:solidFill>
+                  </a:tcPr>
+                </a:tc>
+                <a:tc>
+                  <a:txBody>
+                    <a:bodyPr/>
+                    <a:lstStyle/>
+                    <a:p>
+                      <a:pPr algn="ctr">
+                        <a:defRPr sz="1300">
+                          <a:solidFill>
+                            <a:srgbClr val="333333"/>
+                          </a:solidFill>
+                        </a:defRPr>
+                      </a:pPr>
+                      <a:r>
+                        <a:t>Yes</a:t>
+                      </a:r>
+                    </a:p>
+                  </a:txBody>
+                  <a:tcPr>
+                    <a:solidFill>
+                      <a:srgbClr val="F5F7FA"/>
+                    </a:solidFill>
+                  </a:tcPr>
+                </a:tc>
+              </a:tr>
+              <a:tr h="365760">
+                <a:tc>
+                  <a:txBody>
+                    <a:bodyPr/>
+                    <a:lstStyle/>
+                    <a:p>
+                      <a:pPr algn="ctr">
+                        <a:defRPr sz="1300">
+                          <a:solidFill>
+                            <a:srgbClr val="333333"/>
+                          </a:solidFill>
+                        </a:defRPr>
+                      </a:pPr>
+                      <a:r>
+                        <a:t>Structured output</a:t>
+                      </a:r>
+                    </a:p>
+                  </a:txBody>
+                  <a:tcPr/>
+                </a:tc>
+                <a:tc>
+                  <a:txBody>
+                    <a:bodyPr/>
+                    <a:lstStyle/>
+                    <a:p>
+                      <a:pPr algn="ctr">
+                        <a:defRPr sz="1300">
+                          <a:solidFill>
+                            <a:srgbClr val="333333"/>
+                          </a:solidFill>
+                        </a:defRPr>
+                      </a:pPr>
+                      <a:r>
+                        <a:t>Native response_format</a:t>
+                      </a:r>
+                    </a:p>
+                  </a:txBody>
+                  <a:tcPr/>
+                </a:tc>
+                <a:tc>
+                  <a:txBody>
+                    <a:bodyPr/>
+                    <a:lstStyle/>
+                    <a:p>
+                      <a:pPr algn="ctr">
+                        <a:defRPr sz="1300">
+                          <a:solidFill>
+                            <a:srgbClr val="333333"/>
+                          </a:solidFill>
+                        </a:defRPr>
+                      </a:pPr>
+                      <a:r>
+                        <a:t>Tool-use trick</a:t>
+                      </a:r>
+                    </a:p>
+                  </a:txBody>
+                  <a:tcPr/>
+                </a:tc>
+                <a:tc>
+                  <a:txBody>
+                    <a:bodyPr/>
+                    <a:lstStyle/>
+                    <a:p>
+                      <a:pPr algn="ctr">
+                        <a:defRPr sz="1300">
+                          <a:solidFill>
+                            <a:srgbClr val="333333"/>
+                          </a:solidFill>
+                        </a:defRPr>
+                      </a:pPr>
+                      <a:r>
+                        <a:t>response_schema</a:t>
+                      </a:r>
+                    </a:p>
+                  </a:txBody>
+                  <a:tcPr/>
+                </a:tc>
+              </a:tr>
+            </a:tbl>
+          </a:graphicData>
+        </a:graphic>
+      </p:graphicFrame>
+    </p:spTree>
+  </p:cSld>
+  <p:clrMapOvr>
+    <a:masterClrMapping/>
+  </p:clrMapOvr>
+</p:sld>
+</file>
+
+<file path=ppt/slides/slide9.xml><?xml version="1.0" encoding="utf-8"?>
+<p:sld xmlns:a="http://schemas.openxmlformats.org/drawingml/2006/main" xmlns:p="http://schemas.openxmlformats.org/presentationml/2006/main" xmlns:r="http://schemas.openxmlformats.org/officeDocument/2006/relationships">
+  <p:cSld>
+    <p:spTree>
+      <p:nvGrpSpPr>
+        <p:cNvPr id="1" name=""/>
+        <p:cNvGrpSpPr/>
+        <p:nvPr/>
+      </p:nvGrpSpPr>
+      <p:grpSpPr/>
+      <p:sp>
+        <p:nvSpPr>
+          <p:cNvPr id="2" name="Rectangle 1"/>
+          <p:cNvSpPr/>
+          <p:nvPr/>
+        </p:nvSpPr>
+        <p:spPr>
+          <a:xfrm>
+            <a:off x="0" y="0"/>
+            <a:ext cx="12191695" cy="73152"/>
+          </a:xfrm>
+          <a:prstGeom prst="rect">
+            <a:avLst/>
+          </a:prstGeom>
+          <a:solidFill>
+            <a:srgbClr val="0096D6"/>
+          </a:solidFill>
+          <a:ln>
+            <a:noFill/>
+          </a:ln>
+        </p:spPr>
+        <p:style>
+          <a:lnRef idx="1">
+            <a:schemeClr val="accent1"/>
+          </a:lnRef>
+          <a:fillRef idx="3">
+            <a:schemeClr val="accent1"/>
+          </a:fillRef>
+          <a:effectRef idx="2">
+            <a:schemeClr val="accent1"/>
+          </a:effectRef>
+          <a:fontRef idx="minor">
+            <a:schemeClr val="lt1"/>
+          </a:fontRef>
+        </p:style>
+        <p:txBody>
+          <a:bodyPr rtlCol="0" anchor="ctr"/>
+          <a:lstStyle/>
+          <a:p>
+            <a:pPr algn="ctr"/>
+          </a:p>
+        </p:txBody>
+      </p:sp>
+      <p:sp>
+        <p:nvSpPr>
+          <p:cNvPr id="3" name="TextBox 2"/>
+          <p:cNvSpPr txBox="1"/>
+          <p:nvPr/>
+        </p:nvSpPr>
+        <p:spPr>
+          <a:xfrm>
+            <a:off x="731520" y="274320"/>
+            <a:ext cx="10728655" cy="731520"/>
+          </a:xfrm>
+          <a:prstGeom prst="rect">
+            <a:avLst/>
+          </a:prstGeom>
+          <a:noFill/>
+        </p:spPr>
+        <p:txBody>
+          <a:bodyPr wrap="none">
+            <a:spAutoFit/>
+          </a:bodyPr>
+          <a:lstStyle/>
+          <a:p>
+            <a:pPr>
+              <a:defRPr sz="3200" b="1">
+                <a:solidFill>
+                  <a:srgbClr val="1B2A4A"/>
+                </a:solidFill>
+              </a:defRPr>
+            </a:pPr>
+            <a:r>
+              <a:t>Assistants API vs Messages API</a:t>
+            </a:r>
+          </a:p>
+        </p:txBody>
+      </p:sp>
+      <p:sp>
+        <p:nvSpPr>
+          <p:cNvPr id="4" name="TextBox 3"/>
+          <p:cNvSpPr txBox="1"/>
+          <p:nvPr/>
+        </p:nvSpPr>
+        <p:spPr>
+          <a:xfrm>
+            <a:off x="731520" y="1188720"/>
+            <a:ext cx="5029200" cy="457200"/>
+          </a:xfrm>
+          <a:prstGeom prst="rect">
+            <a:avLst/>
+          </a:prstGeom>
+          <a:noFill/>
+        </p:spPr>
+        <p:txBody>
+          <a:bodyPr wrap="none">
+            <a:spAutoFit/>
+          </a:bodyPr>
+          <a:lstStyle/>
+          <a:p>
+            <a:pPr>
+              <a:defRPr sz="2200" b="1">
+                <a:solidFill>
+                  <a:srgbClr val="0096D6"/>
+                </a:solidFill>
+              </a:defRPr>
+            </a:pPr>
+            <a:r>
+              <a:t>OpenAI Assistants API</a:t>
+            </a:r>
+          </a:p>
+        </p:txBody>
+      </p:sp>
+      <p:sp>
+        <p:nvSpPr>
+          <p:cNvPr id="5" name="TextBox 4"/>
+          <p:cNvSpPr txBox="1"/>
+          <p:nvPr/>
+        </p:nvSpPr>
+        <p:spPr>
+          <a:xfrm>
+            <a:off x="731520" y="1737360"/>
+            <a:ext cx="5029200" cy="4572000"/>
+          </a:xfrm>
+          <a:prstGeom prst="rect">
+            <a:avLst/>
+          </a:prstGeom>
+          <a:noFill/>
+        </p:spPr>
+        <p:txBody>
+          <a:bodyPr wrap="square">
+            <a:spAutoFit/>
+          </a:bodyPr>
+          <a:lstStyle/>
+          <a:p>
             <a:pPr>
               <a:spcAft>
-                <a:spcPts val="800"/>
+                <a:spcPts val="600"/>
               </a:spcAft>
               <a:defRPr sz="1800">
                 <a:solidFill>
@@ -6645,13 +7428,13 @@
               </a:defRPr>
             </a:pPr>
             <a:r>
-              <a:t>Build an assistant with personality (system prompt) and 3+ tools</a:t>
+              <a:t>Server-side conversation state</a:t>
             </a:r>
           </a:p>
           <a:p>
             <a:pPr>
               <a:spcAft>
-                <a:spcPts val="800"/>
+                <a:spcPts val="600"/>
               </a:spcAft>
               <a:defRPr sz="1800">
                 <a:solidFill>
@@ -6660,13 +7443,13 @@
               </a:defRPr>
             </a:pPr>
             <a:r>
-              <a:t>Tools: get_weather(city), search_web(query), calculate(expression)</a:t>
+              <a:t>Built-in file search &amp; code interpreter</a:t>
             </a:r>
           </a:p>
           <a:p>
             <a:pPr>
               <a:spcAft>
-                <a:spcPts val="800"/>
+                <a:spcPts val="600"/>
               </a:spcAft>
               <a:defRPr sz="1800">
                 <a:solidFill>
@@ -6675,13 +7458,13 @@
               </a:defRPr>
             </a:pPr>
             <a:r>
-              <a:t>Handle the full tool loop automatically (while loop)</a:t>
+              <a:t>Threads persist across sessions</a:t>
             </a:r>
           </a:p>
           <a:p>
             <a:pPr>
               <a:spcAft>
-                <a:spcPts val="800"/>
+                <a:spcPts val="600"/>
               </a:spcAft>
               <a:defRPr sz="1800">
                 <a:solidFill>
@@ -6690,13 +7473,13 @@
               </a:defRPr>
             </a:pPr>
             <a:r>
-              <a:t>Support multi-turn conversation with history</a:t>
+              <a:t>Automatic tool execution loop</a:t>
             </a:r>
           </a:p>
           <a:p>
             <a:pPr>
               <a:spcAft>
-                <a:spcPts val="800"/>
+                <a:spcPts val="600"/>
               </a:spcAft>
               <a:defRPr sz="1800">
                 <a:solidFill>
@@ -6705,7 +7488,170 @@
               </a:defRPr>
             </a:pPr>
             <a:r>
-              <a:t>📝 Time: 30 minutes — starter code: session-3/code/tool_calling.py</a:t>
+              <a:t>Higher cost (storage fees)</a:t>
+            </a:r>
+          </a:p>
+          <a:p>
+            <a:pPr>
+              <a:spcAft>
+                <a:spcPts val="600"/>
+              </a:spcAft>
+              <a:defRPr sz="1800">
+                <a:solidFill>
+                  <a:srgbClr val="333333"/>
+                </a:solidFill>
+              </a:defRPr>
+            </a:pPr>
+            <a:r>
+              <a:t>Good for: chatbots, file Q&amp;A</a:t>
+            </a:r>
+          </a:p>
+        </p:txBody>
+      </p:sp>
+      <p:sp>
+        <p:nvSpPr>
+          <p:cNvPr id="6" name="TextBox 5"/>
+          <p:cNvSpPr txBox="1"/>
+          <p:nvPr/>
+        </p:nvSpPr>
+        <p:spPr>
+          <a:xfrm>
+            <a:off x="6400800" y="1188720"/>
+            <a:ext cx="5029200" cy="457200"/>
+          </a:xfrm>
+          <a:prstGeom prst="rect">
+            <a:avLst/>
+          </a:prstGeom>
+          <a:noFill/>
+        </p:spPr>
+        <p:txBody>
+          <a:bodyPr wrap="none">
+            <a:spAutoFit/>
+          </a:bodyPr>
+          <a:lstStyle/>
+          <a:p>
+            <a:pPr>
+              <a:defRPr sz="2200" b="1">
+                <a:solidFill>
+                  <a:srgbClr val="0096D6"/>
+                </a:solidFill>
+              </a:defRPr>
+            </a:pPr>
+            <a:r>
+              <a:t>Messages API (All Providers)</a:t>
+            </a:r>
+          </a:p>
+        </p:txBody>
+      </p:sp>
+      <p:sp>
+        <p:nvSpPr>
+          <p:cNvPr id="7" name="TextBox 6"/>
+          <p:cNvSpPr txBox="1"/>
+          <p:nvPr/>
+        </p:nvSpPr>
+        <p:spPr>
+          <a:xfrm>
+            <a:off x="6400800" y="1737360"/>
+            <a:ext cx="5029200" cy="4572000"/>
+          </a:xfrm>
+          <a:prstGeom prst="rect">
+            <a:avLst/>
+          </a:prstGeom>
+          <a:noFill/>
+        </p:spPr>
+        <p:txBody>
+          <a:bodyPr wrap="square">
+            <a:spAutoFit/>
+          </a:bodyPr>
+          <a:lstStyle/>
+          <a:p>
+            <a:pPr>
+              <a:spcAft>
+                <a:spcPts val="600"/>
+              </a:spcAft>
+              <a:defRPr sz="1800">
+                <a:solidFill>
+                  <a:srgbClr val="333333"/>
+                </a:solidFill>
+              </a:defRPr>
+            </a:pPr>
+            <a:r>
+              <a:t>Stateless — you manage history</a:t>
+            </a:r>
+          </a:p>
+          <a:p>
+            <a:pPr>
+              <a:spcAft>
+                <a:spcPts val="600"/>
+              </a:spcAft>
+              <a:defRPr sz="1800">
+                <a:solidFill>
+                  <a:srgbClr val="333333"/>
+                </a:solidFill>
+              </a:defRPr>
+            </a:pPr>
+            <a:r>
+              <a:t>Full control over tool execution</a:t>
+            </a:r>
+          </a:p>
+          <a:p>
+            <a:pPr>
+              <a:spcAft>
+                <a:spcPts val="600"/>
+              </a:spcAft>
+              <a:defRPr sz="1800">
+                <a:solidFill>
+                  <a:srgbClr val="333333"/>
+                </a:solidFill>
+              </a:defRPr>
+            </a:pPr>
+            <a:r>
+              <a:t>No storage fees</a:t>
+            </a:r>
+          </a:p>
+          <a:p>
+            <a:pPr>
+              <a:spcAft>
+                <a:spcPts val="600"/>
+              </a:spcAft>
+              <a:defRPr sz="1800">
+                <a:solidFill>
+                  <a:srgbClr val="333333"/>
+                </a:solidFill>
+              </a:defRPr>
+            </a:pPr>
+            <a:r>
+              <a:t>Works with any provider</a:t>
+            </a:r>
+          </a:p>
+          <a:p>
+            <a:pPr>
+              <a:spcAft>
+                <a:spcPts val="600"/>
+              </a:spcAft>
+              <a:defRPr sz="1800">
+                <a:solidFill>
+                  <a:srgbClr val="333333"/>
+                </a:solidFill>
+              </a:defRPr>
+            </a:pPr>
+            <a:r>
+              <a:t>You build the tool loop</a:t>
+            </a:r>
+          </a:p>
+          <a:p>
+            <a:pPr>
+              <a:spcAft>
+                <a:spcPts val="600"/>
+              </a:spcAft>
+              <a:defRPr sz="1800">
+                <a:solidFill>
+                  <a:srgbClr val="333333"/>
+                </a:solidFill>
+              </a:defRPr>
+            </a:pPr>
+            <a:r>
+              <a:t>Good for: custom apps, agents</a:t>
             </a:r>
           </a:p>
         </p:txBody>

--- a/developer/session-3/session-3-tool-use.pptx
+++ b/developer/session-3/session-3-tool-use.pptx
@@ -513,217 +513,7 @@
           <a:lstStyle/>
           <a:p>
             <a:r>
-              <a:t>Welcome to Session 3. Function calling across providers, Assistants API, Custom GPTs</a:t>
-            </a:r>
-          </a:p>
-        </p:txBody>
-      </p:sp>
-      <p:sp>
-        <p:nvSpPr>
-          <p:cNvPr id="4" name="Slide Number Placeholder 3"/>
-          <p:cNvSpPr>
-            <a:spLocks noGrp="1"/>
-          </p:cNvSpPr>
-          <p:nvPr>
-            <p:ph type="sldNum" idx="5" sz="quarter"/>
-          </p:nvPr>
-        </p:nvSpPr>
-        <p:spPr/>
-      </p:sp>
-    </p:spTree>
-  </p:cSld>
-  <p:clrMapOvr>
-    <a:masterClrMapping/>
-  </p:clrMapOvr>
-</p:notes>
-</file>
-
-<file path=ppt/notesSlides/notesSlide10.xml><?xml version="1.0" encoding="utf-8"?>
-<p:notes xmlns:a="http://schemas.openxmlformats.org/drawingml/2006/main" xmlns:p="http://schemas.openxmlformats.org/presentationml/2006/main" xmlns:r="http://schemas.openxmlformats.org/officeDocument/2006/relationships">
-  <p:cSld>
-    <p:spTree>
-      <p:nvGrpSpPr>
-        <p:cNvPr id="1" name=""/>
-        <p:cNvGrpSpPr/>
-        <p:nvPr/>
-      </p:nvGrpSpPr>
-      <p:grpSpPr>
-        <a:xfrm>
-          <a:off x="0" y="0"/>
-          <a:ext cx="0" cy="0"/>
-          <a:chOff x="0" y="0"/>
-          <a:chExt cx="0" cy="0"/>
-        </a:xfrm>
-      </p:grpSpPr>
-      <p:sp>
-        <p:nvSpPr>
-          <p:cNvPr id="2" name="Slide Image Placeholder 1"/>
-          <p:cNvSpPr>
-            <a:spLocks noGrp="1"/>
-          </p:cNvSpPr>
-          <p:nvPr>
-            <p:ph type="sldImg" idx="2"/>
-          </p:nvPr>
-        </p:nvSpPr>
-        <p:spPr/>
-      </p:sp>
-      <p:sp>
-        <p:nvSpPr>
-          <p:cNvPr id="3" name="Notes Placeholder 2"/>
-          <p:cNvSpPr>
-            <a:spLocks noGrp="1"/>
-          </p:cNvSpPr>
-          <p:nvPr>
-            <p:ph type="body" idx="3" sz="quarter"/>
-          </p:nvPr>
-        </p:nvSpPr>
-        <p:spPr/>
-        <p:txBody>
-          <a:bodyPr/>
-          <a:lstStyle/>
-          <a:p>
-            <a:r>
-              <a:t>Compare the no-code approaches. Skills (OpenClaw) are the most flexible for developers.</a:t>
-            </a:r>
-          </a:p>
-        </p:txBody>
-      </p:sp>
-      <p:sp>
-        <p:nvSpPr>
-          <p:cNvPr id="4" name="Slide Number Placeholder 3"/>
-          <p:cNvSpPr>
-            <a:spLocks noGrp="1"/>
-          </p:cNvSpPr>
-          <p:nvPr>
-            <p:ph type="sldNum" idx="5" sz="quarter"/>
-          </p:nvPr>
-        </p:nvSpPr>
-        <p:spPr/>
-      </p:sp>
-    </p:spTree>
-  </p:cSld>
-  <p:clrMapOvr>
-    <a:masterClrMapping/>
-  </p:clrMapOvr>
-</p:notes>
-</file>
-
-<file path=ppt/notesSlides/notesSlide11.xml><?xml version="1.0" encoding="utf-8"?>
-<p:notes xmlns:a="http://schemas.openxmlformats.org/drawingml/2006/main" xmlns:p="http://schemas.openxmlformats.org/presentationml/2006/main" xmlns:r="http://schemas.openxmlformats.org/officeDocument/2006/relationships">
-  <p:cSld>
-    <p:spTree>
-      <p:nvGrpSpPr>
-        <p:cNvPr id="1" name=""/>
-        <p:cNvGrpSpPr/>
-        <p:nvPr/>
-      </p:nvGrpSpPr>
-      <p:grpSpPr>
-        <a:xfrm>
-          <a:off x="0" y="0"/>
-          <a:ext cx="0" cy="0"/>
-          <a:chOff x="0" y="0"/>
-          <a:chExt cx="0" cy="0"/>
-        </a:xfrm>
-      </p:grpSpPr>
-      <p:sp>
-        <p:nvSpPr>
-          <p:cNvPr id="2" name="Slide Image Placeholder 1"/>
-          <p:cNvSpPr>
-            <a:spLocks noGrp="1"/>
-          </p:cNvSpPr>
-          <p:nvPr>
-            <p:ph type="sldImg" idx="2"/>
-          </p:nvPr>
-        </p:nvSpPr>
-        <p:spPr/>
-      </p:sp>
-      <p:sp>
-        <p:nvSpPr>
-          <p:cNvPr id="3" name="Notes Placeholder 2"/>
-          <p:cNvSpPr>
-            <a:spLocks noGrp="1"/>
-          </p:cNvSpPr>
-          <p:nvPr>
-            <p:ph type="body" idx="3" sz="quarter"/>
-          </p:nvPr>
-        </p:nvSpPr>
-        <p:spPr/>
-        <p:txBody>
-          <a:bodyPr/>
-          <a:lstStyle/>
-          <a:p>
-            <a:r>
-              <a:t>Hands-on. Students run tool_calling.py, try each provider, observe tool call logs.</a:t>
-            </a:r>
-          </a:p>
-        </p:txBody>
-      </p:sp>
-      <p:sp>
-        <p:nvSpPr>
-          <p:cNvPr id="4" name="Slide Number Placeholder 3"/>
-          <p:cNvSpPr>
-            <a:spLocks noGrp="1"/>
-          </p:cNvSpPr>
-          <p:nvPr>
-            <p:ph type="sldNum" idx="5" sz="quarter"/>
-          </p:nvPr>
-        </p:nvSpPr>
-        <p:spPr/>
-      </p:sp>
-    </p:spTree>
-  </p:cSld>
-  <p:clrMapOvr>
-    <a:masterClrMapping/>
-  </p:clrMapOvr>
-</p:notes>
-</file>
-
-<file path=ppt/notesSlides/notesSlide12.xml><?xml version="1.0" encoding="utf-8"?>
-<p:notes xmlns:a="http://schemas.openxmlformats.org/drawingml/2006/main" xmlns:p="http://schemas.openxmlformats.org/presentationml/2006/main" xmlns:r="http://schemas.openxmlformats.org/officeDocument/2006/relationships">
-  <p:cSld>
-    <p:spTree>
-      <p:nvGrpSpPr>
-        <p:cNvPr id="1" name=""/>
-        <p:cNvGrpSpPr/>
-        <p:nvPr/>
-      </p:nvGrpSpPr>
-      <p:grpSpPr>
-        <a:xfrm>
-          <a:off x="0" y="0"/>
-          <a:ext cx="0" cy="0"/>
-          <a:chOff x="0" y="0"/>
-          <a:chExt cx="0" cy="0"/>
-        </a:xfrm>
-      </p:grpSpPr>
-      <p:sp>
-        <p:nvSpPr>
-          <p:cNvPr id="2" name="Slide Image Placeholder 1"/>
-          <p:cNvSpPr>
-            <a:spLocks noGrp="1"/>
-          </p:cNvSpPr>
-          <p:nvPr>
-            <p:ph type="sldImg" idx="2"/>
-          </p:nvPr>
-        </p:nvSpPr>
-        <p:spPr/>
-      </p:sp>
-      <p:sp>
-        <p:nvSpPr>
-          <p:cNvPr id="3" name="Notes Placeholder 2"/>
-          <p:cNvSpPr>
-            <a:spLocks noGrp="1"/>
-          </p:cNvSpPr>
-          <p:nvPr>
-            <p:ph type="body" idx="3" sz="quarter"/>
-          </p:nvPr>
-        </p:nvSpPr>
-        <p:spPr/>
-        <p:txBody>
-          <a:bodyPr/>
-          <a:lstStyle/>
-          <a:p>
-            <a:r>
-              <a:t>Recap. Tool use is the gateway to agentic AI.</a:t>
+              <a:t>Today: function calling, assistants API, custom GPTs/skills.</a:t>
             </a:r>
           </a:p>
         </p:txBody>
@@ -793,7 +583,7 @@
           <a:lstStyle/>
           <a:p>
             <a:r>
-              <a:t>Tool use is THE most important API feature after basic chat. It's what makes AI actually useful beyond text generation.</a:t>
+              <a:t>Tool use = the bridge between LLMs and the real world.</a:t>
             </a:r>
           </a:p>
         </p:txBody>
@@ -863,7 +653,7 @@
           <a:lstStyle/>
           <a:p>
             <a:r>
-              <a:t>This loop is identical in concept across all providers. The JSON format differs slightly.</a:t>
+              <a:t>Define tools as JSON schema. Model returns tool_calls array.</a:t>
             </a:r>
           </a:p>
         </p:txBody>
@@ -933,7 +723,7 @@
           <a:lstStyle/>
           <a:p>
             <a:r>
-              <a:t>Tool definitions use JSON Schema. Name, description, and parameters. The description is critical — it tells the model WHEN to use the tool.</a:t>
+              <a:t>Anthropic: input_schema instead of parameters. Same concept.</a:t>
             </a:r>
           </a:p>
         </p:txBody>
@@ -1003,7 +793,7 @@
           <a:lstStyle/>
           <a:p>
             <a:r>
-              <a:t>OpenAI wraps tools in {type: function, function: ...}. Tool results use role: tool with the call ID.</a:t>
+              <a:t>Draw this loop on whiteboard. It's the ReAct pattern foundation.</a:t>
             </a:r>
           </a:p>
         </p:txBody>
@@ -1073,7 +863,7 @@
           <a:lstStyle/>
           <a:p>
             <a:r>
-              <a:t>Anthropic: check stop_reason == 'tool_use'. Tool results go as a user message with tool_result blocks.</a:t>
+              <a:t>Assistants API is higher-level. More managed, less control.</a:t>
             </a:r>
           </a:p>
         </p:txBody>
@@ -1143,7 +933,7 @@
           <a:lstStyle/>
           <a:p>
             <a:r>
-              <a:t>Gemini uses typed objects instead of raw JSON. FunctionDeclaration + Schema. Response includes function_call.</a:t>
+              <a:t>Anthropic is more 'bring your own framework'.</a:t>
             </a:r>
           </a:p>
         </p:txBody>
@@ -1213,7 +1003,7 @@
           <a:lstStyle/>
           <a:p>
             <a:r>
-              <a:t>Side-by-side comparison. The concepts are identical, only the JSON structure differs.</a:t>
+              <a:t>Live demo: build a custom GPT and an OpenClaw skill.</a:t>
             </a:r>
           </a:p>
         </p:txBody>
@@ -1283,7 +1073,7 @@
           <a:lstStyle/>
           <a:p>
             <a:r>
-              <a:t>Assistants API is convenient but locks you into OpenAI. Messages API gives you full control and portability.</a:t>
+              <a:t>~25 min. Build incrementally: one tool, then add more.</a:t>
             </a:r>
           </a:p>
         </p:txBody>
@@ -4305,8 +4095,8 @@
         </p:nvSpPr>
         <p:spPr>
           <a:xfrm>
-            <a:off x="914400" y="1828800"/>
-            <a:ext cx="10362895" cy="1371600"/>
+            <a:off x="731520" y="1828800"/>
+            <a:ext cx="10698480" cy="1828800"/>
           </a:xfrm>
           <a:prstGeom prst="rect">
             <a:avLst/>
@@ -4327,7 +4117,7 @@
               </a:defRPr>
             </a:pPr>
             <a:r>
-              <a:t>Tool Use &amp; Custom Assistants</a:t>
+              <a:t>Session 3: Tool Use &amp; Custom Assistants</a:t>
             </a:r>
           </a:p>
         </p:txBody>
@@ -4340,8 +4130,8 @@
         </p:nvSpPr>
         <p:spPr>
           <a:xfrm>
-            <a:off x="914400" y="3291840"/>
-            <a:ext cx="10362895" cy="914400"/>
+            <a:off x="731520" y="3840480"/>
+            <a:ext cx="10698480" cy="914400"/>
           </a:xfrm>
           <a:prstGeom prst="rect">
             <a:avLst/>
@@ -4355,81 +4145,28 @@
           <a:lstStyle/>
           <a:p>
             <a:pPr algn="l">
-              <a:defRPr sz="2200">
+              <a:defRPr sz="2400">
                 <a:solidFill>
                   <a:srgbClr val="0096D6"/>
                 </a:solidFill>
               </a:defRPr>
             </a:pPr>
             <a:r>
-              <a:t>Function calling across providers, Assistants API, Custom GPTs</a:t>
-            </a:r>
-          </a:p>
-        </p:txBody>
-      </p:sp>
-      <p:sp>
-        <p:nvSpPr>
-          <p:cNvPr id="4" name="TextBox 3"/>
-          <p:cNvSpPr txBox="1"/>
+              <a:t>Cut the Crap — AI Engineer Edition</a:t>
+            </a:r>
+          </a:p>
+        </p:txBody>
+      </p:sp>
+      <p:sp>
+        <p:nvSpPr>
+          <p:cNvPr id="4" name="Rectangle 3"/>
+          <p:cNvSpPr/>
           <p:nvPr/>
         </p:nvSpPr>
         <p:spPr>
           <a:xfrm>
-            <a:off x="914400" y="4572000"/>
-            <a:ext cx="10362895" cy="548640"/>
-          </a:xfrm>
-          <a:prstGeom prst="rect">
-            <a:avLst/>
-          </a:prstGeom>
-          <a:noFill/>
-        </p:spPr>
-        <p:txBody>
-          <a:bodyPr wrap="none">
-            <a:spAutoFit/>
-          </a:bodyPr>
-          <a:lstStyle/>
-          <a:p>
-            <a:pPr algn="l">
-              <a:defRPr sz="1400">
-                <a:solidFill>
-                  <a:srgbClr val="8899BB"/>
-                </a:solidFill>
-              </a:defRPr>
-            </a:pPr>
-            <a:r>
-              <a:t>Session 3 of 8  •  Cut the Crap — AI Engineer Edition  •  February 2026</a:t>
-            </a:r>
-          </a:p>
-        </p:txBody>
-      </p:sp>
-    </p:spTree>
-  </p:cSld>
-  <p:clrMapOvr>
-    <a:masterClrMapping/>
-  </p:clrMapOvr>
-</p:sld>
-</file>
-
-<file path=ppt/slides/slide10.xml><?xml version="1.0" encoding="utf-8"?>
-<p:sld xmlns:a="http://schemas.openxmlformats.org/drawingml/2006/main" xmlns:p="http://schemas.openxmlformats.org/presentationml/2006/main" xmlns:r="http://schemas.openxmlformats.org/officeDocument/2006/relationships">
-  <p:cSld>
-    <p:spTree>
-      <p:nvGrpSpPr>
-        <p:cNvPr id="1" name=""/>
-        <p:cNvGrpSpPr/>
-        <p:nvPr/>
-      </p:nvGrpSpPr>
-      <p:grpSpPr/>
-      <p:sp>
-        <p:nvSpPr>
-          <p:cNvPr id="2" name="Rectangle 1"/>
-          <p:cNvSpPr/>
-          <p:nvPr/>
-        </p:nvSpPr>
-        <p:spPr>
-          <a:xfrm>
-            <a:off x="0" y="0"/>
-            <a:ext cx="12191695" cy="73152"/>
+            <a:off x="731520" y="3657600"/>
+            <a:ext cx="2743200" cy="50800"/>
           </a:xfrm>
           <a:prstGeom prst="rect">
             <a:avLst/>
@@ -4463,6 +4200,67 @@
           </a:p>
         </p:txBody>
       </p:sp>
+    </p:spTree>
+  </p:cSld>
+  <p:clrMapOvr>
+    <a:masterClrMapping/>
+  </p:clrMapOvr>
+</p:sld>
+</file>
+
+<file path=ppt/slides/slide10.xml><?xml version="1.0" encoding="utf-8"?>
+<p:sld xmlns:a="http://schemas.openxmlformats.org/drawingml/2006/main" xmlns:p="http://schemas.openxmlformats.org/presentationml/2006/main" xmlns:r="http://schemas.openxmlformats.org/officeDocument/2006/relationships">
+  <p:cSld>
+    <p:spTree>
+      <p:nvGrpSpPr>
+        <p:cNvPr id="1" name=""/>
+        <p:cNvGrpSpPr/>
+        <p:nvPr/>
+      </p:nvGrpSpPr>
+      <p:grpSpPr/>
+      <p:sp>
+        <p:nvSpPr>
+          <p:cNvPr id="2" name="Rectangle 1"/>
+          <p:cNvSpPr/>
+          <p:nvPr/>
+        </p:nvSpPr>
+        <p:spPr>
+          <a:xfrm>
+            <a:off x="0" y="0"/>
+            <a:ext cx="12191695" cy="1005840"/>
+          </a:xfrm>
+          <a:prstGeom prst="rect">
+            <a:avLst/>
+          </a:prstGeom>
+          <a:solidFill>
+            <a:srgbClr val="1B2A4A"/>
+          </a:solidFill>
+          <a:ln>
+            <a:noFill/>
+          </a:ln>
+        </p:spPr>
+        <p:style>
+          <a:lnRef idx="1">
+            <a:schemeClr val="accent1"/>
+          </a:lnRef>
+          <a:fillRef idx="3">
+            <a:schemeClr val="accent1"/>
+          </a:fillRef>
+          <a:effectRef idx="2">
+            <a:schemeClr val="accent1"/>
+          </a:effectRef>
+          <a:fontRef idx="minor">
+            <a:schemeClr val="lt1"/>
+          </a:fontRef>
+        </p:style>
+        <p:txBody>
+          <a:bodyPr rtlCol="0" anchor="ctr"/>
+          <a:lstStyle/>
+          <a:p>
+            <a:pPr algn="ctr"/>
+          </a:p>
+        </p:txBody>
+      </p:sp>
       <p:sp>
         <p:nvSpPr>
           <p:cNvPr id="3" name="TextBox 2"/>
@@ -4471,8 +4269,8 @@
         </p:nvSpPr>
         <p:spPr>
           <a:xfrm>
-            <a:off x="731520" y="274320"/>
-            <a:ext cx="10728655" cy="822960"/>
+            <a:off x="731520" y="137160"/>
+            <a:ext cx="10698480" cy="731520"/>
           </a:xfrm>
           <a:prstGeom prst="rect">
             <a:avLst/>
@@ -4485,15 +4283,15 @@
           </a:bodyPr>
           <a:lstStyle/>
           <a:p>
-            <a:pPr algn="l">
-              <a:defRPr sz="3200" b="1">
-                <a:solidFill>
-                  <a:srgbClr val="1B2A4A"/>
-                </a:solidFill>
-              </a:defRPr>
-            </a:pPr>
-            <a:r>
-              <a:t>Custom GPTs, Skills &amp; Gems</a:t>
+            <a:pPr>
+              <a:defRPr sz="2800" b="1">
+                <a:solidFill>
+                  <a:srgbClr val="FFFFFF"/>
+                </a:solidFill>
+              </a:defRPr>
+            </a:pPr>
+            <a:r>
+              <a:t>Custom GPTs vs Skills vs Gems</a:t>
             </a:r>
           </a:p>
         </p:txBody>
@@ -4506,8 +4304,8 @@
         </p:nvSpPr>
         <p:spPr>
           <a:xfrm>
-            <a:off x="914400" y="1280160"/>
-            <a:ext cx="10362895" cy="5029200"/>
+            <a:off x="731520" y="1280160"/>
+            <a:ext cx="10698480" cy="5029200"/>
           </a:xfrm>
           <a:prstGeom prst="rect">
             <a:avLst/>
@@ -4521,110 +4319,92 @@
           <a:lstStyle/>
           <a:p>
             <a:pPr>
-              <a:spcBef>
-                <a:spcPts val="400"/>
-              </a:spcBef>
               <a:spcAft>
-                <a:spcPts val="800"/>
+                <a:spcPts val="1000"/>
               </a:spcAft>
-              <a:defRPr sz="2000">
-                <a:solidFill>
-                  <a:srgbClr val="333333"/>
-                </a:solidFill>
-              </a:defRPr>
-            </a:pPr>
-            <a:r>
-              <a:t>Custom GPTs (OpenAI): no-code wrapper — instructions + knowledge + actions</a:t>
-            </a:r>
-          </a:p>
-          <a:p>
-            <a:pPr>
-              <a:spcBef>
-                <a:spcPts val="400"/>
-              </a:spcBef>
+              <a:defRPr sz="2200">
+                <a:solidFill>
+                  <a:srgbClr val="222222"/>
+                </a:solidFill>
+              </a:defRPr>
+            </a:pPr>
+            <a:r>
+              <a:t>Custom GPTs (OpenAI): instructions + knowledge + actions</a:t>
+            </a:r>
+          </a:p>
+          <a:p>
+            <a:pPr>
               <a:spcAft>
-                <a:spcPts val="800"/>
+                <a:spcPts val="1000"/>
               </a:spcAft>
-              <a:defRPr sz="2000">
-                <a:solidFill>
-                  <a:srgbClr val="333333"/>
-                </a:solidFill>
-              </a:defRPr>
-            </a:pPr>
-            <a:r>
-              <a:t>Gems (Google): similar concept for Gemini</a:t>
-            </a:r>
-          </a:p>
-          <a:p>
-            <a:pPr>
-              <a:spcBef>
-                <a:spcPts val="400"/>
-              </a:spcBef>
+              <a:defRPr sz="2200">
+                <a:solidFill>
+                  <a:srgbClr val="222222"/>
+                </a:solidFill>
+              </a:defRPr>
+            </a:pPr>
+            <a:r>
+              <a:t>OpenClaw Skills: modular tools attached to agents</a:t>
+            </a:r>
+          </a:p>
+          <a:p>
+            <a:pPr>
               <a:spcAft>
-                <a:spcPts val="800"/>
+                <a:spcPts val="1000"/>
               </a:spcAft>
-              <a:defRPr sz="2000">
-                <a:solidFill>
-                  <a:srgbClr val="333333"/>
-                </a:solidFill>
-              </a:defRPr>
-            </a:pPr>
-            <a:r>
-              <a:t>Skills (OpenClaw): code-based, run tools server-side (JS/Python)</a:t>
-            </a:r>
-          </a:p>
-          <a:p>
-            <a:pPr>
-              <a:spcBef>
-                <a:spcPts val="400"/>
-              </a:spcBef>
+              <a:defRPr sz="2200">
+                <a:solidFill>
+                  <a:srgbClr val="222222"/>
+                </a:solidFill>
+              </a:defRPr>
+            </a:pPr>
+            <a:r>
+              <a:t>Google Gems: custom Gemini personas with instructions</a:t>
+            </a:r>
+          </a:p>
+          <a:p>
+            <a:pPr>
               <a:spcAft>
-                <a:spcPts val="800"/>
+                <a:spcPts val="1000"/>
               </a:spcAft>
-              <a:defRPr sz="2000">
-                <a:solidFill>
-                  <a:srgbClr val="333333"/>
-                </a:solidFill>
-              </a:defRPr>
-            </a:pPr>
-            <a:r>
-              <a:t>Custom GPTs are easy but limited (no real code execution)</a:t>
-            </a:r>
-          </a:p>
-          <a:p>
-            <a:pPr>
-              <a:spcBef>
-                <a:spcPts val="400"/>
-              </a:spcBef>
+              <a:defRPr sz="2200">
+                <a:solidFill>
+                  <a:srgbClr val="222222"/>
+                </a:solidFill>
+              </a:defRPr>
+            </a:pPr>
+            <a:r>
+              <a:t>All three: no-code way to create specialized AI</a:t>
+            </a:r>
+          </a:p>
+          <a:p>
+            <a:pPr>
               <a:spcAft>
-                <a:spcPts val="800"/>
+                <a:spcPts val="1000"/>
               </a:spcAft>
-              <a:defRPr sz="2000">
-                <a:solidFill>
-                  <a:srgbClr val="333333"/>
-                </a:solidFill>
-              </a:defRPr>
-            </a:pPr>
-            <a:r>
-              <a:t>Skills are powerful — full programmatic control</a:t>
-            </a:r>
-          </a:p>
-          <a:p>
-            <a:pPr>
-              <a:spcBef>
-                <a:spcPts val="400"/>
-              </a:spcBef>
+              <a:defRPr sz="2200">
+                <a:solidFill>
+                  <a:srgbClr val="222222"/>
+                </a:solidFill>
+              </a:defRPr>
+            </a:pPr>
+            <a:r>
+              <a:t>Actions/Skills can call external APIs</a:t>
+            </a:r>
+          </a:p>
+          <a:p>
+            <a:pPr>
               <a:spcAft>
-                <a:spcPts val="800"/>
+                <a:spcPts val="1000"/>
               </a:spcAft>
-              <a:defRPr sz="2000">
-                <a:solidFill>
-                  <a:srgbClr val="333333"/>
-                </a:solidFill>
-              </a:defRPr>
-            </a:pPr>
-            <a:r>
-              <a:t>Marketplace: GPT Store, ClawHub (covered in Session 4)</a:t>
+              <a:defRPr sz="2200">
+                <a:solidFill>
+                  <a:srgbClr val="222222"/>
+                </a:solidFill>
+              </a:defRPr>
+            </a:pPr>
+            <a:r>
+              <a:t>Marketplace distribution: GPT Store, ClawHub</a:t>
             </a:r>
           </a:p>
         </p:txBody>
@@ -4656,7 +4436,332 @@
         <p:spPr>
           <a:xfrm>
             <a:off x="0" y="0"/>
-            <a:ext cx="12191695" cy="73152"/>
+            <a:ext cx="12191695" cy="1005840"/>
+          </a:xfrm>
+          <a:prstGeom prst="rect">
+            <a:avLst/>
+          </a:prstGeom>
+          <a:solidFill>
+            <a:srgbClr val="1B2A4A"/>
+          </a:solidFill>
+          <a:ln>
+            <a:noFill/>
+          </a:ln>
+        </p:spPr>
+        <p:style>
+          <a:lnRef idx="1">
+            <a:schemeClr val="accent1"/>
+          </a:lnRef>
+          <a:fillRef idx="3">
+            <a:schemeClr val="accent1"/>
+          </a:fillRef>
+          <a:effectRef idx="2">
+            <a:schemeClr val="accent1"/>
+          </a:effectRef>
+          <a:fontRef idx="minor">
+            <a:schemeClr val="lt1"/>
+          </a:fontRef>
+        </p:style>
+        <p:txBody>
+          <a:bodyPr rtlCol="0" anchor="ctr"/>
+          <a:lstStyle/>
+          <a:p>
+            <a:pPr algn="ctr"/>
+          </a:p>
+        </p:txBody>
+      </p:sp>
+      <p:sp>
+        <p:nvSpPr>
+          <p:cNvPr id="3" name="TextBox 2"/>
+          <p:cNvSpPr txBox="1"/>
+          <p:nvPr/>
+        </p:nvSpPr>
+        <p:spPr>
+          <a:xfrm>
+            <a:off x="731520" y="137160"/>
+            <a:ext cx="10698480" cy="731520"/>
+          </a:xfrm>
+          <a:prstGeom prst="rect">
+            <a:avLst/>
+          </a:prstGeom>
+          <a:noFill/>
+        </p:spPr>
+        <p:txBody>
+          <a:bodyPr wrap="square">
+            <a:spAutoFit/>
+          </a:bodyPr>
+          <a:lstStyle/>
+          <a:p>
+            <a:pPr>
+              <a:defRPr sz="2800" b="1">
+                <a:solidFill>
+                  <a:srgbClr val="FFFFFF"/>
+                </a:solidFill>
+              </a:defRPr>
+            </a:pPr>
+            <a:r>
+              <a:t>Hands-On: Build a Tool-Calling Assistant</a:t>
+            </a:r>
+          </a:p>
+        </p:txBody>
+      </p:sp>
+      <p:sp>
+        <p:nvSpPr>
+          <p:cNvPr id="4" name="TextBox 3"/>
+          <p:cNvSpPr txBox="1"/>
+          <p:nvPr/>
+        </p:nvSpPr>
+        <p:spPr>
+          <a:xfrm>
+            <a:off x="731520" y="1280160"/>
+            <a:ext cx="10698480" cy="5029200"/>
+          </a:xfrm>
+          <a:prstGeom prst="rect">
+            <a:avLst/>
+          </a:prstGeom>
+          <a:noFill/>
+        </p:spPr>
+        <p:txBody>
+          <a:bodyPr wrap="square">
+            <a:spAutoFit/>
+          </a:bodyPr>
+          <a:lstStyle/>
+          <a:p>
+            <a:pPr>
+              <a:spcAft>
+                <a:spcPts val="1000"/>
+              </a:spcAft>
+              <a:defRPr sz="2200">
+                <a:solidFill>
+                  <a:srgbClr val="222222"/>
+                </a:solidFill>
+              </a:defRPr>
+            </a:pPr>
+            <a:r>
+              <a:t>Goal: assistant that can check weather + search a database</a:t>
+            </a:r>
+          </a:p>
+          <a:p>
+            <a:pPr>
+              <a:spcAft>
+                <a:spcPts val="1000"/>
+              </a:spcAft>
+              <a:defRPr sz="2200">
+                <a:solidFill>
+                  <a:srgbClr val="222222"/>
+                </a:solidFill>
+              </a:defRPr>
+            </a:pPr>
+            <a:r>
+              <a:t>Define 2-3 tools with proper schemas</a:t>
+            </a:r>
+          </a:p>
+          <a:p>
+            <a:pPr>
+              <a:spcAft>
+                <a:spcPts val="1000"/>
+              </a:spcAft>
+              <a:defRPr sz="2200">
+                <a:solidFill>
+                  <a:srgbClr val="222222"/>
+                </a:solidFill>
+              </a:defRPr>
+            </a:pPr>
+            <a:r>
+              <a:t>Implement the tool execution loop</a:t>
+            </a:r>
+          </a:p>
+          <a:p>
+            <a:pPr>
+              <a:spcAft>
+                <a:spcPts val="1000"/>
+              </a:spcAft>
+              <a:defRPr sz="2200">
+                <a:solidFill>
+                  <a:srgbClr val="222222"/>
+                </a:solidFill>
+              </a:defRPr>
+            </a:pPr>
+            <a:r>
+              <a:t>Handle multi-turn conversations</a:t>
+            </a:r>
+          </a:p>
+          <a:p>
+            <a:pPr>
+              <a:spcAft>
+                <a:spcPts val="1000"/>
+              </a:spcAft>
+              <a:defRPr sz="2200">
+                <a:solidFill>
+                  <a:srgbClr val="222222"/>
+                </a:solidFill>
+              </a:defRPr>
+            </a:pPr>
+            <a:r>
+              <a:t>Use GPT-4.1 or Sonnet 4.6</a:t>
+            </a:r>
+          </a:p>
+          <a:p>
+            <a:pPr>
+              <a:spcAft>
+                <a:spcPts val="1000"/>
+              </a:spcAft>
+              <a:defRPr sz="2200">
+                <a:solidFill>
+                  <a:srgbClr val="222222"/>
+                </a:solidFill>
+              </a:defRPr>
+            </a:pPr>
+            <a:r>
+              <a:t>File: tool_calling.py</a:t>
+            </a:r>
+          </a:p>
+        </p:txBody>
+      </p:sp>
+    </p:spTree>
+  </p:cSld>
+  <p:clrMapOvr>
+    <a:masterClrMapping/>
+  </p:clrMapOvr>
+</p:sld>
+</file>
+
+<file path=ppt/slides/slide12.xml><?xml version="1.0" encoding="utf-8"?>
+<p:sld xmlns:a="http://schemas.openxmlformats.org/drawingml/2006/main" xmlns:p="http://schemas.openxmlformats.org/presentationml/2006/main" xmlns:r="http://schemas.openxmlformats.org/officeDocument/2006/relationships">
+  <p:cSld>
+    <p:bg>
+      <p:bgPr>
+        <a:solidFill>
+          <a:srgbClr val="1B2A4A"/>
+        </a:solidFill>
+        <a:effectLst/>
+      </p:bgPr>
+    </p:bg>
+    <p:spTree>
+      <p:nvGrpSpPr>
+        <p:cNvPr id="1" name=""/>
+        <p:cNvGrpSpPr/>
+        <p:nvPr/>
+      </p:nvGrpSpPr>
+      <p:grpSpPr/>
+      <p:sp>
+        <p:nvSpPr>
+          <p:cNvPr id="2" name="TextBox 1"/>
+          <p:cNvSpPr txBox="1"/>
+          <p:nvPr/>
+        </p:nvSpPr>
+        <p:spPr>
+          <a:xfrm>
+            <a:off x="731520" y="2286000"/>
+            <a:ext cx="10698480" cy="1828800"/>
+          </a:xfrm>
+          <a:prstGeom prst="rect">
+            <a:avLst/>
+          </a:prstGeom>
+          <a:noFill/>
+        </p:spPr>
+        <p:txBody>
+          <a:bodyPr wrap="square">
+            <a:spAutoFit/>
+          </a:bodyPr>
+          <a:lstStyle/>
+          <a:p>
+            <a:pPr algn="ctr">
+              <a:defRPr sz="4400" b="1">
+                <a:solidFill>
+                  <a:srgbClr val="FFFFFF"/>
+                </a:solidFill>
+              </a:defRPr>
+            </a:pPr>
+            <a:r>
+              <a:t>Session 3 Complete</a:t>
+            </a:r>
+          </a:p>
+          <a:p>
+            <a:pPr algn="ctr">
+              <a:defRPr sz="2200">
+                <a:solidFill>
+                  <a:srgbClr val="0096D6"/>
+                </a:solidFill>
+              </a:defRPr>
+            </a:pPr>
+            <a:r>
+              <a:t>Next: MCP, Plugins &amp; Marketplaces</a:t>
+            </a:r>
+          </a:p>
+        </p:txBody>
+      </p:sp>
+    </p:spTree>
+  </p:cSld>
+  <p:clrMapOvr>
+    <a:masterClrMapping/>
+  </p:clrMapOvr>
+</p:sld>
+</file>
+
+<file path=ppt/slides/slide2.xml><?xml version="1.0" encoding="utf-8"?>
+<p:sld xmlns:a="http://schemas.openxmlformats.org/drawingml/2006/main" xmlns:p="http://schemas.openxmlformats.org/presentationml/2006/main" xmlns:r="http://schemas.openxmlformats.org/officeDocument/2006/relationships">
+  <p:cSld>
+    <p:bg>
+      <p:bgPr>
+        <a:solidFill>
+          <a:srgbClr val="1B2A4A"/>
+        </a:solidFill>
+        <a:effectLst/>
+      </p:bgPr>
+    </p:bg>
+    <p:spTree>
+      <p:nvGrpSpPr>
+        <p:cNvPr id="1" name=""/>
+        <p:cNvGrpSpPr/>
+        <p:nvPr/>
+      </p:nvGrpSpPr>
+      <p:grpSpPr/>
+      <p:sp>
+        <p:nvSpPr>
+          <p:cNvPr id="2" name="TextBox 1"/>
+          <p:cNvSpPr txBox="1"/>
+          <p:nvPr/>
+        </p:nvSpPr>
+        <p:spPr>
+          <a:xfrm>
+            <a:off x="731520" y="2560320"/>
+            <a:ext cx="10698480" cy="1371600"/>
+          </a:xfrm>
+          <a:prstGeom prst="rect">
+            <a:avLst/>
+          </a:prstGeom>
+          <a:noFill/>
+        </p:spPr>
+        <p:txBody>
+          <a:bodyPr wrap="square">
+            <a:spAutoFit/>
+          </a:bodyPr>
+          <a:lstStyle/>
+          <a:p>
+            <a:pPr algn="l">
+              <a:defRPr sz="3600" b="1">
+                <a:solidFill>
+                  <a:srgbClr val="FFFFFF"/>
+                </a:solidFill>
+              </a:defRPr>
+            </a:pPr>
+            <a:r>
+              <a:t>Function Calling / Tool Use</a:t>
+            </a:r>
+          </a:p>
+        </p:txBody>
+      </p:sp>
+      <p:sp>
+        <p:nvSpPr>
+          <p:cNvPr id="3" name="Rectangle 2"/>
+          <p:cNvSpPr/>
+          <p:nvPr/>
+        </p:nvSpPr>
+        <p:spPr>
+          <a:xfrm>
+            <a:off x="731520" y="3931920"/>
+            <a:ext cx="1828800" cy="38100"/>
           </a:xfrm>
           <a:prstGeom prst="rect">
             <a:avLst/>
@@ -4690,172 +4795,6 @@
           </a:p>
         </p:txBody>
       </p:sp>
-      <p:sp>
-        <p:nvSpPr>
-          <p:cNvPr id="3" name="TextBox 2"/>
-          <p:cNvSpPr txBox="1"/>
-          <p:nvPr/>
-        </p:nvSpPr>
-        <p:spPr>
-          <a:xfrm>
-            <a:off x="731520" y="274320"/>
-            <a:ext cx="10728655" cy="822960"/>
-          </a:xfrm>
-          <a:prstGeom prst="rect">
-            <a:avLst/>
-          </a:prstGeom>
-          <a:noFill/>
-        </p:spPr>
-        <p:txBody>
-          <a:bodyPr wrap="square">
-            <a:spAutoFit/>
-          </a:bodyPr>
-          <a:lstStyle/>
-          <a:p>
-            <a:pPr algn="l">
-              <a:defRPr sz="3200" b="1">
-                <a:solidFill>
-                  <a:srgbClr val="1B2A4A"/>
-                </a:solidFill>
-              </a:defRPr>
-            </a:pPr>
-            <a:r>
-              <a:t>Hands-On: Tool-Calling Assistant</a:t>
-            </a:r>
-          </a:p>
-        </p:txBody>
-      </p:sp>
-      <p:sp>
-        <p:nvSpPr>
-          <p:cNvPr id="4" name="TextBox 3"/>
-          <p:cNvSpPr txBox="1"/>
-          <p:nvPr/>
-        </p:nvSpPr>
-        <p:spPr>
-          <a:xfrm>
-            <a:off x="914400" y="1280160"/>
-            <a:ext cx="10362895" cy="5029200"/>
-          </a:xfrm>
-          <a:prstGeom prst="rect">
-            <a:avLst/>
-          </a:prstGeom>
-          <a:noFill/>
-        </p:spPr>
-        <p:txBody>
-          <a:bodyPr wrap="square">
-            <a:spAutoFit/>
-          </a:bodyPr>
-          <a:lstStyle/>
-          <a:p>
-            <a:pPr>
-              <a:spcBef>
-                <a:spcPts val="400"/>
-              </a:spcBef>
-              <a:spcAft>
-                <a:spcPts val="800"/>
-              </a:spcAft>
-              <a:defRPr sz="2000">
-                <a:solidFill>
-                  <a:srgbClr val="333333"/>
-                </a:solidFill>
-              </a:defRPr>
-            </a:pPr>
-            <a:r>
-              <a:t>tool_calling.py — assistant with weather, search, calculator</a:t>
-            </a:r>
-          </a:p>
-          <a:p>
-            <a:pPr>
-              <a:spcBef>
-                <a:spcPts val="400"/>
-              </a:spcBef>
-              <a:spcAft>
-                <a:spcPts val="800"/>
-              </a:spcAft>
-              <a:defRPr sz="2000">
-                <a:solidFill>
-                  <a:srgbClr val="333333"/>
-                </a:solidFill>
-              </a:defRPr>
-            </a:pPr>
-            <a:r>
-              <a:t>Supports all 3 providers: --provider openai|anthropic|google</a:t>
-            </a:r>
-          </a:p>
-          <a:p>
-            <a:pPr>
-              <a:spcBef>
-                <a:spcPts val="400"/>
-              </a:spcBef>
-              <a:spcAft>
-                <a:spcPts val="800"/>
-              </a:spcAft>
-              <a:defRPr sz="2000">
-                <a:solidFill>
-                  <a:srgbClr val="333333"/>
-                </a:solidFill>
-              </a:defRPr>
-            </a:pPr>
-            <a:r>
-              <a:t>Automatic tool loop — handles multi-step tool chains</a:t>
-            </a:r>
-          </a:p>
-          <a:p>
-            <a:pPr>
-              <a:spcBef>
-                <a:spcPts val="400"/>
-              </a:spcBef>
-              <a:spcAft>
-                <a:spcPts val="800"/>
-              </a:spcAft>
-              <a:defRPr sz="2000">
-                <a:solidFill>
-                  <a:srgbClr val="333333"/>
-                </a:solidFill>
-              </a:defRPr>
-            </a:pPr>
-            <a:r>
-              <a:t>Try: 'What's the weather in Toronto and calculate 20% tip on $85'</a:t>
-            </a:r>
-          </a:p>
-          <a:p>
-            <a:pPr>
-              <a:spcBef>
-                <a:spcPts val="400"/>
-              </a:spcBef>
-              <a:spcAft>
-                <a:spcPts val="800"/>
-              </a:spcAft>
-              <a:defRPr sz="2000">
-                <a:solidFill>
-                  <a:srgbClr val="333333"/>
-                </a:solidFill>
-              </a:defRPr>
-            </a:pPr>
-            <a:r>
-              <a:t>Watch the tool calls in the terminal output</a:t>
-            </a:r>
-          </a:p>
-          <a:p>
-            <a:pPr>
-              <a:spcBef>
-                <a:spcPts val="400"/>
-              </a:spcBef>
-              <a:spcAft>
-                <a:spcPts val="800"/>
-              </a:spcAft>
-              <a:defRPr sz="2000">
-                <a:solidFill>
-                  <a:srgbClr val="333333"/>
-                </a:solidFill>
-              </a:defRPr>
-            </a:pPr>
-            <a:r>
-              <a:t>Exercise: add your own tool (e.g., unit converter)</a:t>
-            </a:r>
-          </a:p>
-        </p:txBody>
-      </p:sp>
     </p:spTree>
   </p:cSld>
   <p:clrMapOvr>
@@ -4864,7 +4803,7 @@
 </p:sld>
 </file>
 
-<file path=ppt/slides/slide12.xml><?xml version="1.0" encoding="utf-8"?>
+<file path=ppt/slides/slide3.xml><?xml version="1.0" encoding="utf-8"?>
 <p:sld xmlns:a="http://schemas.openxmlformats.org/drawingml/2006/main" xmlns:p="http://schemas.openxmlformats.org/presentationml/2006/main" xmlns:r="http://schemas.openxmlformats.org/officeDocument/2006/relationships">
   <p:cSld>
     <p:spTree>
@@ -4883,7 +4822,1234 @@
         <p:spPr>
           <a:xfrm>
             <a:off x="0" y="0"/>
-            <a:ext cx="12191695" cy="73152"/>
+            <a:ext cx="12191695" cy="1005840"/>
+          </a:xfrm>
+          <a:prstGeom prst="rect">
+            <a:avLst/>
+          </a:prstGeom>
+          <a:solidFill>
+            <a:srgbClr val="1B2A4A"/>
+          </a:solidFill>
+          <a:ln>
+            <a:noFill/>
+          </a:ln>
+        </p:spPr>
+        <p:style>
+          <a:lnRef idx="1">
+            <a:schemeClr val="accent1"/>
+          </a:lnRef>
+          <a:fillRef idx="3">
+            <a:schemeClr val="accent1"/>
+          </a:fillRef>
+          <a:effectRef idx="2">
+            <a:schemeClr val="accent1"/>
+          </a:effectRef>
+          <a:fontRef idx="minor">
+            <a:schemeClr val="lt1"/>
+          </a:fontRef>
+        </p:style>
+        <p:txBody>
+          <a:bodyPr rtlCol="0" anchor="ctr"/>
+          <a:lstStyle/>
+          <a:p>
+            <a:pPr algn="ctr"/>
+          </a:p>
+        </p:txBody>
+      </p:sp>
+      <p:sp>
+        <p:nvSpPr>
+          <p:cNvPr id="3" name="TextBox 2"/>
+          <p:cNvSpPr txBox="1"/>
+          <p:nvPr/>
+        </p:nvSpPr>
+        <p:spPr>
+          <a:xfrm>
+            <a:off x="731520" y="137160"/>
+            <a:ext cx="10698480" cy="731520"/>
+          </a:xfrm>
+          <a:prstGeom prst="rect">
+            <a:avLst/>
+          </a:prstGeom>
+          <a:noFill/>
+        </p:spPr>
+        <p:txBody>
+          <a:bodyPr wrap="square">
+            <a:spAutoFit/>
+          </a:bodyPr>
+          <a:lstStyle/>
+          <a:p>
+            <a:pPr>
+              <a:defRPr sz="2800" b="1">
+                <a:solidFill>
+                  <a:srgbClr val="FFFFFF"/>
+                </a:solidFill>
+              </a:defRPr>
+            </a:pPr>
+            <a:r>
+              <a:t>What Is Tool Use?</a:t>
+            </a:r>
+          </a:p>
+        </p:txBody>
+      </p:sp>
+      <p:sp>
+        <p:nvSpPr>
+          <p:cNvPr id="4" name="TextBox 3"/>
+          <p:cNvSpPr txBox="1"/>
+          <p:nvPr/>
+        </p:nvSpPr>
+        <p:spPr>
+          <a:xfrm>
+            <a:off x="731520" y="1280160"/>
+            <a:ext cx="10698480" cy="5029200"/>
+          </a:xfrm>
+          <a:prstGeom prst="rect">
+            <a:avLst/>
+          </a:prstGeom>
+          <a:noFill/>
+        </p:spPr>
+        <p:txBody>
+          <a:bodyPr wrap="square">
+            <a:spAutoFit/>
+          </a:bodyPr>
+          <a:lstStyle/>
+          <a:p>
+            <a:pPr>
+              <a:spcAft>
+                <a:spcPts val="1000"/>
+              </a:spcAft>
+              <a:defRPr sz="2200">
+                <a:solidFill>
+                  <a:srgbClr val="222222"/>
+                </a:solidFill>
+              </a:defRPr>
+            </a:pPr>
+            <a:r>
+              <a:t>LLMs can't browse the web, query DBs, or call APIs</a:t>
+            </a:r>
+          </a:p>
+          <a:p>
+            <a:pPr>
+              <a:spcAft>
+                <a:spcPts val="1000"/>
+              </a:spcAft>
+              <a:defRPr sz="2200">
+                <a:solidFill>
+                  <a:srgbClr val="222222"/>
+                </a:solidFill>
+              </a:defRPr>
+            </a:pPr>
+            <a:r>
+              <a:t>Tool use: model decides WHEN to call a function and with WHAT args</a:t>
+            </a:r>
+          </a:p>
+          <a:p>
+            <a:pPr>
+              <a:spcAft>
+                <a:spcPts val="1000"/>
+              </a:spcAft>
+              <a:defRPr sz="2200">
+                <a:solidFill>
+                  <a:srgbClr val="222222"/>
+                </a:solidFill>
+              </a:defRPr>
+            </a:pPr>
+            <a:r>
+              <a:t>You define tools → model picks one → you execute → return result</a:t>
+            </a:r>
+          </a:p>
+          <a:p>
+            <a:pPr>
+              <a:spcAft>
+                <a:spcPts val="1000"/>
+              </a:spcAft>
+              <a:defRPr sz="2200">
+                <a:solidFill>
+                  <a:srgbClr val="222222"/>
+                </a:solidFill>
+              </a:defRPr>
+            </a:pPr>
+            <a:r>
+              <a:t>Model never executes code — it just generates the call</a:t>
+            </a:r>
+          </a:p>
+          <a:p>
+            <a:pPr>
+              <a:spcAft>
+                <a:spcPts val="1000"/>
+              </a:spcAft>
+              <a:defRPr sz="2200">
+                <a:solidFill>
+                  <a:srgbClr val="222222"/>
+                </a:solidFill>
+              </a:defRPr>
+            </a:pPr>
+            <a:r>
+              <a:t>Supported: OpenAI, Anthropic, Google (all slightly different)</a:t>
+            </a:r>
+          </a:p>
+          <a:p>
+            <a:pPr>
+              <a:spcAft>
+                <a:spcPts val="1000"/>
+              </a:spcAft>
+              <a:defRPr sz="2200">
+                <a:solidFill>
+                  <a:srgbClr val="222222"/>
+                </a:solidFill>
+              </a:defRPr>
+            </a:pPr>
+            <a:r>
+              <a:t>This is the foundation of agents</a:t>
+            </a:r>
+          </a:p>
+        </p:txBody>
+      </p:sp>
+    </p:spTree>
+  </p:cSld>
+  <p:clrMapOvr>
+    <a:masterClrMapping/>
+  </p:clrMapOvr>
+</p:sld>
+</file>
+
+<file path=ppt/slides/slide4.xml><?xml version="1.0" encoding="utf-8"?>
+<p:sld xmlns:a="http://schemas.openxmlformats.org/drawingml/2006/main" xmlns:p="http://schemas.openxmlformats.org/presentationml/2006/main" xmlns:r="http://schemas.openxmlformats.org/officeDocument/2006/relationships">
+  <p:cSld>
+    <p:spTree>
+      <p:nvGrpSpPr>
+        <p:cNvPr id="1" name=""/>
+        <p:cNvGrpSpPr/>
+        <p:nvPr/>
+      </p:nvGrpSpPr>
+      <p:grpSpPr/>
+      <p:sp>
+        <p:nvSpPr>
+          <p:cNvPr id="2" name="Rectangle 1"/>
+          <p:cNvSpPr/>
+          <p:nvPr/>
+        </p:nvSpPr>
+        <p:spPr>
+          <a:xfrm>
+            <a:off x="0" y="0"/>
+            <a:ext cx="12191695" cy="1005840"/>
+          </a:xfrm>
+          <a:prstGeom prst="rect">
+            <a:avLst/>
+          </a:prstGeom>
+          <a:solidFill>
+            <a:srgbClr val="1B2A4A"/>
+          </a:solidFill>
+          <a:ln>
+            <a:noFill/>
+          </a:ln>
+        </p:spPr>
+        <p:style>
+          <a:lnRef idx="1">
+            <a:schemeClr val="accent1"/>
+          </a:lnRef>
+          <a:fillRef idx="3">
+            <a:schemeClr val="accent1"/>
+          </a:fillRef>
+          <a:effectRef idx="2">
+            <a:schemeClr val="accent1"/>
+          </a:effectRef>
+          <a:fontRef idx="minor">
+            <a:schemeClr val="lt1"/>
+          </a:fontRef>
+        </p:style>
+        <p:txBody>
+          <a:bodyPr rtlCol="0" anchor="ctr"/>
+          <a:lstStyle/>
+          <a:p>
+            <a:pPr algn="ctr"/>
+          </a:p>
+        </p:txBody>
+      </p:sp>
+      <p:sp>
+        <p:nvSpPr>
+          <p:cNvPr id="3" name="TextBox 2"/>
+          <p:cNvSpPr txBox="1"/>
+          <p:nvPr/>
+        </p:nvSpPr>
+        <p:spPr>
+          <a:xfrm>
+            <a:off x="731520" y="137160"/>
+            <a:ext cx="10698480" cy="731520"/>
+          </a:xfrm>
+          <a:prstGeom prst="rect">
+            <a:avLst/>
+          </a:prstGeom>
+          <a:noFill/>
+        </p:spPr>
+        <p:txBody>
+          <a:bodyPr wrap="square">
+            <a:spAutoFit/>
+          </a:bodyPr>
+          <a:lstStyle/>
+          <a:p>
+            <a:pPr>
+              <a:defRPr sz="2800" b="1">
+                <a:solidFill>
+                  <a:srgbClr val="FFFFFF"/>
+                </a:solidFill>
+              </a:defRPr>
+            </a:pPr>
+            <a:r>
+              <a:t>OpenAI Tool Use</a:t>
+            </a:r>
+          </a:p>
+        </p:txBody>
+      </p:sp>
+      <p:sp>
+        <p:nvSpPr>
+          <p:cNvPr id="4" name="Rectangle 3"/>
+          <p:cNvSpPr/>
+          <p:nvPr/>
+        </p:nvSpPr>
+        <p:spPr>
+          <a:xfrm>
+            <a:off x="731520" y="1280160"/>
+            <a:ext cx="10698480" cy="5029200"/>
+          </a:xfrm>
+          <a:prstGeom prst="rect">
+            <a:avLst/>
+          </a:prstGeom>
+          <a:solidFill>
+            <a:srgbClr val="1E1E2E"/>
+          </a:solidFill>
+          <a:ln>
+            <a:noFill/>
+          </a:ln>
+        </p:spPr>
+        <p:style>
+          <a:lnRef idx="1">
+            <a:schemeClr val="accent1"/>
+          </a:lnRef>
+          <a:fillRef idx="3">
+            <a:schemeClr val="accent1"/>
+          </a:fillRef>
+          <a:effectRef idx="2">
+            <a:schemeClr val="accent1"/>
+          </a:effectRef>
+          <a:fontRef idx="minor">
+            <a:schemeClr val="lt1"/>
+          </a:fontRef>
+        </p:style>
+        <p:txBody>
+          <a:bodyPr rtlCol="0" anchor="ctr" wrap="square" lIns="274320" tIns="182880"/>
+          <a:lstStyle/>
+          <a:p>
+            <a:pPr algn="ctr">
+              <a:defRPr sz="1600">
+                <a:solidFill>
+                  <a:srgbClr val="A6E22E"/>
+                </a:solidFill>
+                <a:latin typeface="Consolas"/>
+              </a:defRPr>
+            </a:pPr>
+            <a:r>
+              <a:t>tools = [{</a:t>
+            </a:r>
+          </a:p>
+          <a:p>
+            <a:pPr>
+              <a:defRPr sz="1600">
+                <a:solidFill>
+                  <a:srgbClr val="A6E22E"/>
+                </a:solidFill>
+                <a:latin typeface="Consolas"/>
+              </a:defRPr>
+            </a:pPr>
+            <a:r>
+              <a:t>    "type": "function",</a:t>
+            </a:r>
+          </a:p>
+          <a:p>
+            <a:pPr>
+              <a:defRPr sz="1600">
+                <a:solidFill>
+                  <a:srgbClr val="A6E22E"/>
+                </a:solidFill>
+                <a:latin typeface="Consolas"/>
+              </a:defRPr>
+            </a:pPr>
+            <a:r>
+              <a:t>    "function": {</a:t>
+            </a:r>
+          </a:p>
+          <a:p>
+            <a:pPr>
+              <a:defRPr sz="1600">
+                <a:solidFill>
+                  <a:srgbClr val="A6E22E"/>
+                </a:solidFill>
+                <a:latin typeface="Consolas"/>
+              </a:defRPr>
+            </a:pPr>
+            <a:r>
+              <a:t>        "name": "get_weather",</a:t>
+            </a:r>
+          </a:p>
+          <a:p>
+            <a:pPr>
+              <a:defRPr sz="1600">
+                <a:solidFill>
+                  <a:srgbClr val="A6E22E"/>
+                </a:solidFill>
+                <a:latin typeface="Consolas"/>
+              </a:defRPr>
+            </a:pPr>
+            <a:r>
+              <a:t>        "description": "Get current weather for a city",</a:t>
+            </a:r>
+          </a:p>
+          <a:p>
+            <a:pPr>
+              <a:defRPr sz="1600">
+                <a:solidFill>
+                  <a:srgbClr val="A6E22E"/>
+                </a:solidFill>
+                <a:latin typeface="Consolas"/>
+              </a:defRPr>
+            </a:pPr>
+            <a:r>
+              <a:t>        "parameters": {</a:t>
+            </a:r>
+          </a:p>
+          <a:p>
+            <a:pPr>
+              <a:defRPr sz="1600">
+                <a:solidFill>
+                  <a:srgbClr val="A6E22E"/>
+                </a:solidFill>
+                <a:latin typeface="Consolas"/>
+              </a:defRPr>
+            </a:pPr>
+            <a:r>
+              <a:t>            "type": "object",</a:t>
+            </a:r>
+          </a:p>
+          <a:p>
+            <a:pPr>
+              <a:defRPr sz="1600">
+                <a:solidFill>
+                  <a:srgbClr val="A6E22E"/>
+                </a:solidFill>
+                <a:latin typeface="Consolas"/>
+              </a:defRPr>
+            </a:pPr>
+            <a:r>
+              <a:t>            "properties": {</a:t>
+            </a:r>
+          </a:p>
+          <a:p>
+            <a:pPr>
+              <a:defRPr sz="1600">
+                <a:solidFill>
+                  <a:srgbClr val="A6E22E"/>
+                </a:solidFill>
+                <a:latin typeface="Consolas"/>
+              </a:defRPr>
+            </a:pPr>
+            <a:r>
+              <a:t>                "city": {"type": "string"},</a:t>
+            </a:r>
+          </a:p>
+          <a:p>
+            <a:pPr>
+              <a:defRPr sz="1600">
+                <a:solidFill>
+                  <a:srgbClr val="A6E22E"/>
+                </a:solidFill>
+                <a:latin typeface="Consolas"/>
+              </a:defRPr>
+            </a:pPr>
+            <a:r>
+              <a:t>                "units": {"type": "string", "enum": ["celsius","fahrenheit"]}</a:t>
+            </a:r>
+          </a:p>
+          <a:p>
+            <a:pPr>
+              <a:defRPr sz="1600">
+                <a:solidFill>
+                  <a:srgbClr val="A6E22E"/>
+                </a:solidFill>
+                <a:latin typeface="Consolas"/>
+              </a:defRPr>
+            </a:pPr>
+            <a:r>
+              <a:t>            },</a:t>
+            </a:r>
+          </a:p>
+          <a:p>
+            <a:pPr>
+              <a:defRPr sz="1600">
+                <a:solidFill>
+                  <a:srgbClr val="A6E22E"/>
+                </a:solidFill>
+                <a:latin typeface="Consolas"/>
+              </a:defRPr>
+            </a:pPr>
+            <a:r>
+              <a:t>            "required": ["city"]</a:t>
+            </a:r>
+          </a:p>
+          <a:p>
+            <a:pPr>
+              <a:defRPr sz="1600">
+                <a:solidFill>
+                  <a:srgbClr val="A6E22E"/>
+                </a:solidFill>
+                <a:latin typeface="Consolas"/>
+              </a:defRPr>
+            </a:pPr>
+            <a:r>
+              <a:t>        }</a:t>
+            </a:r>
+          </a:p>
+          <a:p>
+            <a:pPr>
+              <a:defRPr sz="1600">
+                <a:solidFill>
+                  <a:srgbClr val="A6E22E"/>
+                </a:solidFill>
+                <a:latin typeface="Consolas"/>
+              </a:defRPr>
+            </a:pPr>
+            <a:r>
+              <a:t>    }</a:t>
+            </a:r>
+          </a:p>
+          <a:p>
+            <a:pPr>
+              <a:defRPr sz="1600">
+                <a:solidFill>
+                  <a:srgbClr val="A6E22E"/>
+                </a:solidFill>
+                <a:latin typeface="Consolas"/>
+              </a:defRPr>
+            </a:pPr>
+            <a:r>
+              <a:t>}]</a:t>
+            </a:r>
+          </a:p>
+          <a:p>
+            <a:pPr>
+              <a:defRPr sz="1600">
+                <a:solidFill>
+                  <a:srgbClr val="A6E22E"/>
+                </a:solidFill>
+                <a:latin typeface="Consolas"/>
+              </a:defRPr>
+            </a:pPr>
+            <a:r>
+              <a:t>response = client.chat.completions.create(</a:t>
+            </a:r>
+          </a:p>
+          <a:p>
+            <a:pPr>
+              <a:defRPr sz="1600">
+                <a:solidFill>
+                  <a:srgbClr val="A6E22E"/>
+                </a:solidFill>
+                <a:latin typeface="Consolas"/>
+              </a:defRPr>
+            </a:pPr>
+            <a:r>
+              <a:t>    model="gpt-4.1", messages=messages, tools=tools</a:t>
+            </a:r>
+          </a:p>
+          <a:p>
+            <a:pPr>
+              <a:defRPr sz="1600">
+                <a:solidFill>
+                  <a:srgbClr val="A6E22E"/>
+                </a:solidFill>
+                <a:latin typeface="Consolas"/>
+              </a:defRPr>
+            </a:pPr>
+            <a:r>
+              <a:t>)</a:t>
+            </a:r>
+          </a:p>
+          <a:p>
+            <a:pPr>
+              <a:defRPr sz="1600">
+                <a:solidFill>
+                  <a:srgbClr val="A6E22E"/>
+                </a:solidFill>
+                <a:latin typeface="Consolas"/>
+              </a:defRPr>
+            </a:pPr>
+            <a:r>
+              <a:t># Check response.choices[0].message.tool_calls</a:t>
+            </a:r>
+          </a:p>
+        </p:txBody>
+      </p:sp>
+    </p:spTree>
+  </p:cSld>
+  <p:clrMapOvr>
+    <a:masterClrMapping/>
+  </p:clrMapOvr>
+</p:sld>
+</file>
+
+<file path=ppt/slides/slide5.xml><?xml version="1.0" encoding="utf-8"?>
+<p:sld xmlns:a="http://schemas.openxmlformats.org/drawingml/2006/main" xmlns:p="http://schemas.openxmlformats.org/presentationml/2006/main" xmlns:r="http://schemas.openxmlformats.org/officeDocument/2006/relationships">
+  <p:cSld>
+    <p:spTree>
+      <p:nvGrpSpPr>
+        <p:cNvPr id="1" name=""/>
+        <p:cNvGrpSpPr/>
+        <p:nvPr/>
+      </p:nvGrpSpPr>
+      <p:grpSpPr/>
+      <p:sp>
+        <p:nvSpPr>
+          <p:cNvPr id="2" name="Rectangle 1"/>
+          <p:cNvSpPr/>
+          <p:nvPr/>
+        </p:nvSpPr>
+        <p:spPr>
+          <a:xfrm>
+            <a:off x="0" y="0"/>
+            <a:ext cx="12191695" cy="1005840"/>
+          </a:xfrm>
+          <a:prstGeom prst="rect">
+            <a:avLst/>
+          </a:prstGeom>
+          <a:solidFill>
+            <a:srgbClr val="1B2A4A"/>
+          </a:solidFill>
+          <a:ln>
+            <a:noFill/>
+          </a:ln>
+        </p:spPr>
+        <p:style>
+          <a:lnRef idx="1">
+            <a:schemeClr val="accent1"/>
+          </a:lnRef>
+          <a:fillRef idx="3">
+            <a:schemeClr val="accent1"/>
+          </a:fillRef>
+          <a:effectRef idx="2">
+            <a:schemeClr val="accent1"/>
+          </a:effectRef>
+          <a:fontRef idx="minor">
+            <a:schemeClr val="lt1"/>
+          </a:fontRef>
+        </p:style>
+        <p:txBody>
+          <a:bodyPr rtlCol="0" anchor="ctr"/>
+          <a:lstStyle/>
+          <a:p>
+            <a:pPr algn="ctr"/>
+          </a:p>
+        </p:txBody>
+      </p:sp>
+      <p:sp>
+        <p:nvSpPr>
+          <p:cNvPr id="3" name="TextBox 2"/>
+          <p:cNvSpPr txBox="1"/>
+          <p:nvPr/>
+        </p:nvSpPr>
+        <p:spPr>
+          <a:xfrm>
+            <a:off x="731520" y="137160"/>
+            <a:ext cx="10698480" cy="731520"/>
+          </a:xfrm>
+          <a:prstGeom prst="rect">
+            <a:avLst/>
+          </a:prstGeom>
+          <a:noFill/>
+        </p:spPr>
+        <p:txBody>
+          <a:bodyPr wrap="square">
+            <a:spAutoFit/>
+          </a:bodyPr>
+          <a:lstStyle/>
+          <a:p>
+            <a:pPr>
+              <a:defRPr sz="2800" b="1">
+                <a:solidFill>
+                  <a:srgbClr val="FFFFFF"/>
+                </a:solidFill>
+              </a:defRPr>
+            </a:pPr>
+            <a:r>
+              <a:t>Anthropic Tool Use</a:t>
+            </a:r>
+          </a:p>
+        </p:txBody>
+      </p:sp>
+      <p:sp>
+        <p:nvSpPr>
+          <p:cNvPr id="4" name="Rectangle 3"/>
+          <p:cNvSpPr/>
+          <p:nvPr/>
+        </p:nvSpPr>
+        <p:spPr>
+          <a:xfrm>
+            <a:off x="731520" y="1280160"/>
+            <a:ext cx="10698480" cy="5029200"/>
+          </a:xfrm>
+          <a:prstGeom prst="rect">
+            <a:avLst/>
+          </a:prstGeom>
+          <a:solidFill>
+            <a:srgbClr val="1E1E2E"/>
+          </a:solidFill>
+          <a:ln>
+            <a:noFill/>
+          </a:ln>
+        </p:spPr>
+        <p:style>
+          <a:lnRef idx="1">
+            <a:schemeClr val="accent1"/>
+          </a:lnRef>
+          <a:fillRef idx="3">
+            <a:schemeClr val="accent1"/>
+          </a:fillRef>
+          <a:effectRef idx="2">
+            <a:schemeClr val="accent1"/>
+          </a:effectRef>
+          <a:fontRef idx="minor">
+            <a:schemeClr val="lt1"/>
+          </a:fontRef>
+        </p:style>
+        <p:txBody>
+          <a:bodyPr rtlCol="0" anchor="ctr" wrap="square" lIns="274320" tIns="182880"/>
+          <a:lstStyle/>
+          <a:p>
+            <a:pPr algn="ctr">
+              <a:defRPr sz="1600">
+                <a:solidFill>
+                  <a:srgbClr val="A6E22E"/>
+                </a:solidFill>
+                <a:latin typeface="Consolas"/>
+              </a:defRPr>
+            </a:pPr>
+            <a:r>
+              <a:t>response = client.messages.create(</a:t>
+            </a:r>
+          </a:p>
+          <a:p>
+            <a:pPr>
+              <a:defRPr sz="1600">
+                <a:solidFill>
+                  <a:srgbClr val="A6E22E"/>
+                </a:solidFill>
+                <a:latin typeface="Consolas"/>
+              </a:defRPr>
+            </a:pPr>
+            <a:r>
+              <a:t>    model="claude-sonnet-4-6-20260220",</a:t>
+            </a:r>
+          </a:p>
+          <a:p>
+            <a:pPr>
+              <a:defRPr sz="1600">
+                <a:solidFill>
+                  <a:srgbClr val="A6E22E"/>
+                </a:solidFill>
+                <a:latin typeface="Consolas"/>
+              </a:defRPr>
+            </a:pPr>
+            <a:r>
+              <a:t>    max_tokens=1024,</a:t>
+            </a:r>
+          </a:p>
+          <a:p>
+            <a:pPr>
+              <a:defRPr sz="1600">
+                <a:solidFill>
+                  <a:srgbClr val="A6E22E"/>
+                </a:solidFill>
+                <a:latin typeface="Consolas"/>
+              </a:defRPr>
+            </a:pPr>
+            <a:r>
+              <a:t>    tools=[{</a:t>
+            </a:r>
+          </a:p>
+          <a:p>
+            <a:pPr>
+              <a:defRPr sz="1600">
+                <a:solidFill>
+                  <a:srgbClr val="A6E22E"/>
+                </a:solidFill>
+                <a:latin typeface="Consolas"/>
+              </a:defRPr>
+            </a:pPr>
+            <a:r>
+              <a:t>        "name": "get_weather",</a:t>
+            </a:r>
+          </a:p>
+          <a:p>
+            <a:pPr>
+              <a:defRPr sz="1600">
+                <a:solidFill>
+                  <a:srgbClr val="A6E22E"/>
+                </a:solidFill>
+                <a:latin typeface="Consolas"/>
+              </a:defRPr>
+            </a:pPr>
+            <a:r>
+              <a:t>        "description": "Get current weather for a city",</a:t>
+            </a:r>
+          </a:p>
+          <a:p>
+            <a:pPr>
+              <a:defRPr sz="1600">
+                <a:solidFill>
+                  <a:srgbClr val="A6E22E"/>
+                </a:solidFill>
+                <a:latin typeface="Consolas"/>
+              </a:defRPr>
+            </a:pPr>
+            <a:r>
+              <a:t>        "input_schema": {</a:t>
+            </a:r>
+          </a:p>
+          <a:p>
+            <a:pPr>
+              <a:defRPr sz="1600">
+                <a:solidFill>
+                  <a:srgbClr val="A6E22E"/>
+                </a:solidFill>
+                <a:latin typeface="Consolas"/>
+              </a:defRPr>
+            </a:pPr>
+            <a:r>
+              <a:t>            "type": "object",</a:t>
+            </a:r>
+          </a:p>
+          <a:p>
+            <a:pPr>
+              <a:defRPr sz="1600">
+                <a:solidFill>
+                  <a:srgbClr val="A6E22E"/>
+                </a:solidFill>
+                <a:latin typeface="Consolas"/>
+              </a:defRPr>
+            </a:pPr>
+            <a:r>
+              <a:t>            "properties": {</a:t>
+            </a:r>
+          </a:p>
+          <a:p>
+            <a:pPr>
+              <a:defRPr sz="1600">
+                <a:solidFill>
+                  <a:srgbClr val="A6E22E"/>
+                </a:solidFill>
+                <a:latin typeface="Consolas"/>
+              </a:defRPr>
+            </a:pPr>
+            <a:r>
+              <a:t>                "city": {"type": "string"},</a:t>
+            </a:r>
+          </a:p>
+          <a:p>
+            <a:pPr>
+              <a:defRPr sz="1600">
+                <a:solidFill>
+                  <a:srgbClr val="A6E22E"/>
+                </a:solidFill>
+                <a:latin typeface="Consolas"/>
+              </a:defRPr>
+            </a:pPr>
+            <a:r>
+              <a:t>                "units": {"type": "string", "enum": ["celsius","fahrenheit"]}</a:t>
+            </a:r>
+          </a:p>
+          <a:p>
+            <a:pPr>
+              <a:defRPr sz="1600">
+                <a:solidFill>
+                  <a:srgbClr val="A6E22E"/>
+                </a:solidFill>
+                <a:latin typeface="Consolas"/>
+              </a:defRPr>
+            </a:pPr>
+            <a:r>
+              <a:t>            },</a:t>
+            </a:r>
+          </a:p>
+          <a:p>
+            <a:pPr>
+              <a:defRPr sz="1600">
+                <a:solidFill>
+                  <a:srgbClr val="A6E22E"/>
+                </a:solidFill>
+                <a:latin typeface="Consolas"/>
+              </a:defRPr>
+            </a:pPr>
+            <a:r>
+              <a:t>            "required": ["city"]</a:t>
+            </a:r>
+          </a:p>
+          <a:p>
+            <a:pPr>
+              <a:defRPr sz="1600">
+                <a:solidFill>
+                  <a:srgbClr val="A6E22E"/>
+                </a:solidFill>
+                <a:latin typeface="Consolas"/>
+              </a:defRPr>
+            </a:pPr>
+            <a:r>
+              <a:t>        }</a:t>
+            </a:r>
+          </a:p>
+          <a:p>
+            <a:pPr>
+              <a:defRPr sz="1600">
+                <a:solidFill>
+                  <a:srgbClr val="A6E22E"/>
+                </a:solidFill>
+                <a:latin typeface="Consolas"/>
+              </a:defRPr>
+            </a:pPr>
+            <a:r>
+              <a:t>    }],</a:t>
+            </a:r>
+          </a:p>
+          <a:p>
+            <a:pPr>
+              <a:defRPr sz="1600">
+                <a:solidFill>
+                  <a:srgbClr val="A6E22E"/>
+                </a:solidFill>
+                <a:latin typeface="Consolas"/>
+              </a:defRPr>
+            </a:pPr>
+            <a:r>
+              <a:t>    messages=[{"role": "user", "content": "Weather in Toronto?"}]</a:t>
+            </a:r>
+          </a:p>
+          <a:p>
+            <a:pPr>
+              <a:defRPr sz="1600">
+                <a:solidFill>
+                  <a:srgbClr val="A6E22E"/>
+                </a:solidFill>
+                <a:latin typeface="Consolas"/>
+              </a:defRPr>
+            </a:pPr>
+            <a:r>
+              <a:t>)</a:t>
+            </a:r>
+          </a:p>
+          <a:p>
+            <a:pPr>
+              <a:defRPr sz="1600">
+                <a:solidFill>
+                  <a:srgbClr val="A6E22E"/>
+                </a:solidFill>
+                <a:latin typeface="Consolas"/>
+              </a:defRPr>
+            </a:pPr>
+            <a:r>
+              <a:t># response.content[0].type == "tool_use"</a:t>
+            </a:r>
+          </a:p>
+          <a:p>
+            <a:pPr>
+              <a:defRPr sz="1600">
+                <a:solidFill>
+                  <a:srgbClr val="A6E22E"/>
+                </a:solidFill>
+                <a:latin typeface="Consolas"/>
+              </a:defRPr>
+            </a:pPr>
+            <a:r>
+              <a:t># response.content[0].input == {"city": "Toronto"}</a:t>
+            </a:r>
+          </a:p>
+        </p:txBody>
+      </p:sp>
+    </p:spTree>
+  </p:cSld>
+  <p:clrMapOvr>
+    <a:masterClrMapping/>
+  </p:clrMapOvr>
+</p:sld>
+</file>
+
+<file path=ppt/slides/slide6.xml><?xml version="1.0" encoding="utf-8"?>
+<p:sld xmlns:a="http://schemas.openxmlformats.org/drawingml/2006/main" xmlns:p="http://schemas.openxmlformats.org/presentationml/2006/main" xmlns:r="http://schemas.openxmlformats.org/officeDocument/2006/relationships">
+  <p:cSld>
+    <p:spTree>
+      <p:nvGrpSpPr>
+        <p:cNvPr id="1" name=""/>
+        <p:cNvGrpSpPr/>
+        <p:nvPr/>
+      </p:nvGrpSpPr>
+      <p:grpSpPr/>
+      <p:sp>
+        <p:nvSpPr>
+          <p:cNvPr id="2" name="Rectangle 1"/>
+          <p:cNvSpPr/>
+          <p:nvPr/>
+        </p:nvSpPr>
+        <p:spPr>
+          <a:xfrm>
+            <a:off x="0" y="0"/>
+            <a:ext cx="12191695" cy="1005840"/>
+          </a:xfrm>
+          <a:prstGeom prst="rect">
+            <a:avLst/>
+          </a:prstGeom>
+          <a:solidFill>
+            <a:srgbClr val="1B2A4A"/>
+          </a:solidFill>
+          <a:ln>
+            <a:noFill/>
+          </a:ln>
+        </p:spPr>
+        <p:style>
+          <a:lnRef idx="1">
+            <a:schemeClr val="accent1"/>
+          </a:lnRef>
+          <a:fillRef idx="3">
+            <a:schemeClr val="accent1"/>
+          </a:fillRef>
+          <a:effectRef idx="2">
+            <a:schemeClr val="accent1"/>
+          </a:effectRef>
+          <a:fontRef idx="minor">
+            <a:schemeClr val="lt1"/>
+          </a:fontRef>
+        </p:style>
+        <p:txBody>
+          <a:bodyPr rtlCol="0" anchor="ctr"/>
+          <a:lstStyle/>
+          <a:p>
+            <a:pPr algn="ctr"/>
+          </a:p>
+        </p:txBody>
+      </p:sp>
+      <p:sp>
+        <p:nvSpPr>
+          <p:cNvPr id="3" name="TextBox 2"/>
+          <p:cNvSpPr txBox="1"/>
+          <p:nvPr/>
+        </p:nvSpPr>
+        <p:spPr>
+          <a:xfrm>
+            <a:off x="731520" y="137160"/>
+            <a:ext cx="10698480" cy="731520"/>
+          </a:xfrm>
+          <a:prstGeom prst="rect">
+            <a:avLst/>
+          </a:prstGeom>
+          <a:noFill/>
+        </p:spPr>
+        <p:txBody>
+          <a:bodyPr wrap="square">
+            <a:spAutoFit/>
+          </a:bodyPr>
+          <a:lstStyle/>
+          <a:p>
+            <a:pPr>
+              <a:defRPr sz="2800" b="1">
+                <a:solidFill>
+                  <a:srgbClr val="FFFFFF"/>
+                </a:solidFill>
+              </a:defRPr>
+            </a:pPr>
+            <a:r>
+              <a:t>The Tool Use Loop</a:t>
+            </a:r>
+          </a:p>
+        </p:txBody>
+      </p:sp>
+      <p:sp>
+        <p:nvSpPr>
+          <p:cNvPr id="4" name="TextBox 3"/>
+          <p:cNvSpPr txBox="1"/>
+          <p:nvPr/>
+        </p:nvSpPr>
+        <p:spPr>
+          <a:xfrm>
+            <a:off x="731520" y="1280160"/>
+            <a:ext cx="10698480" cy="5029200"/>
+          </a:xfrm>
+          <a:prstGeom prst="rect">
+            <a:avLst/>
+          </a:prstGeom>
+          <a:noFill/>
+        </p:spPr>
+        <p:txBody>
+          <a:bodyPr wrap="square">
+            <a:spAutoFit/>
+          </a:bodyPr>
+          <a:lstStyle/>
+          <a:p>
+            <a:pPr>
+              <a:spcAft>
+                <a:spcPts val="1000"/>
+              </a:spcAft>
+              <a:defRPr sz="2200">
+                <a:solidFill>
+                  <a:srgbClr val="222222"/>
+                </a:solidFill>
+              </a:defRPr>
+            </a:pPr>
+            <a:r>
+              <a:t>1. Send user message + tool definitions to model</a:t>
+            </a:r>
+          </a:p>
+          <a:p>
+            <a:pPr>
+              <a:spcAft>
+                <a:spcPts val="1000"/>
+              </a:spcAft>
+              <a:defRPr sz="2200">
+                <a:solidFill>
+                  <a:srgbClr val="222222"/>
+                </a:solidFill>
+              </a:defRPr>
+            </a:pPr>
+            <a:r>
+              <a:t>2. Model responds with tool_call (name + arguments)</a:t>
+            </a:r>
+          </a:p>
+          <a:p>
+            <a:pPr>
+              <a:spcAft>
+                <a:spcPts val="1000"/>
+              </a:spcAft>
+              <a:defRPr sz="2200">
+                <a:solidFill>
+                  <a:srgbClr val="222222"/>
+                </a:solidFill>
+              </a:defRPr>
+            </a:pPr>
+            <a:r>
+              <a:t>3. Your code executes the function with those args</a:t>
+            </a:r>
+          </a:p>
+          <a:p>
+            <a:pPr>
+              <a:spcAft>
+                <a:spcPts val="1000"/>
+              </a:spcAft>
+              <a:defRPr sz="2200">
+                <a:solidFill>
+                  <a:srgbClr val="222222"/>
+                </a:solidFill>
+              </a:defRPr>
+            </a:pPr>
+            <a:r>
+              <a:t>4. Send tool result back to model</a:t>
+            </a:r>
+          </a:p>
+          <a:p>
+            <a:pPr>
+              <a:spcAft>
+                <a:spcPts val="1000"/>
+              </a:spcAft>
+              <a:defRPr sz="2200">
+                <a:solidFill>
+                  <a:srgbClr val="222222"/>
+                </a:solidFill>
+              </a:defRPr>
+            </a:pPr>
+            <a:r>
+              <a:t>5. Model generates final response using the result</a:t>
+            </a:r>
+          </a:p>
+          <a:p>
+            <a:pPr>
+              <a:spcAft>
+                <a:spcPts val="1000"/>
+              </a:spcAft>
+              <a:defRPr sz="2200">
+                <a:solidFill>
+                  <a:srgbClr val="222222"/>
+                </a:solidFill>
+              </a:defRPr>
+            </a:pPr>
+            <a:r>
+              <a:t>6. Repeat if model wants to call another tool</a:t>
+            </a:r>
+          </a:p>
+        </p:txBody>
+      </p:sp>
+    </p:spTree>
+  </p:cSld>
+  <p:clrMapOvr>
+    <a:masterClrMapping/>
+  </p:clrMapOvr>
+</p:sld>
+</file>
+
+<file path=ppt/slides/slide7.xml><?xml version="1.0" encoding="utf-8"?>
+<p:sld xmlns:a="http://schemas.openxmlformats.org/drawingml/2006/main" xmlns:p="http://schemas.openxmlformats.org/presentationml/2006/main" xmlns:r="http://schemas.openxmlformats.org/officeDocument/2006/relationships">
+  <p:cSld>
+    <p:bg>
+      <p:bgPr>
+        <a:solidFill>
+          <a:srgbClr val="1B2A4A"/>
+        </a:solidFill>
+        <a:effectLst/>
+      </p:bgPr>
+    </p:bg>
+    <p:spTree>
+      <p:nvGrpSpPr>
+        <p:cNvPr id="1" name=""/>
+        <p:cNvGrpSpPr/>
+        <p:nvPr/>
+      </p:nvGrpSpPr>
+      <p:grpSpPr/>
+      <p:sp>
+        <p:nvSpPr>
+          <p:cNvPr id="2" name="TextBox 1"/>
+          <p:cNvSpPr txBox="1"/>
+          <p:nvPr/>
+        </p:nvSpPr>
+        <p:spPr>
+          <a:xfrm>
+            <a:off x="731520" y="2560320"/>
+            <a:ext cx="10698480" cy="1371600"/>
+          </a:xfrm>
+          <a:prstGeom prst="rect">
+            <a:avLst/>
+          </a:prstGeom>
+          <a:noFill/>
+        </p:spPr>
+        <p:txBody>
+          <a:bodyPr wrap="square">
+            <a:spAutoFit/>
+          </a:bodyPr>
+          <a:lstStyle/>
+          <a:p>
+            <a:pPr algn="l">
+              <a:defRPr sz="3600" b="1">
+                <a:solidFill>
+                  <a:srgbClr val="FFFFFF"/>
+                </a:solidFill>
+              </a:defRPr>
+            </a:pPr>
+            <a:r>
+              <a:t>Assistants &amp; Custom Bots</a:t>
+            </a:r>
+          </a:p>
+        </p:txBody>
+      </p:sp>
+      <p:sp>
+        <p:nvSpPr>
+          <p:cNvPr id="3" name="Rectangle 2"/>
+          <p:cNvSpPr/>
+          <p:nvPr/>
+        </p:nvSpPr>
+        <p:spPr>
+          <a:xfrm>
+            <a:off x="731520" y="3931920"/>
+            <a:ext cx="1828800" cy="38100"/>
           </a:xfrm>
           <a:prstGeom prst="rect">
             <a:avLst/>
@@ -4917,172 +6083,6 @@
           </a:p>
         </p:txBody>
       </p:sp>
-      <p:sp>
-        <p:nvSpPr>
-          <p:cNvPr id="3" name="TextBox 2"/>
-          <p:cNvSpPr txBox="1"/>
-          <p:nvPr/>
-        </p:nvSpPr>
-        <p:spPr>
-          <a:xfrm>
-            <a:off x="731520" y="274320"/>
-            <a:ext cx="10728655" cy="822960"/>
-          </a:xfrm>
-          <a:prstGeom prst="rect">
-            <a:avLst/>
-          </a:prstGeom>
-          <a:noFill/>
-        </p:spPr>
-        <p:txBody>
-          <a:bodyPr wrap="square">
-            <a:spAutoFit/>
-          </a:bodyPr>
-          <a:lstStyle/>
-          <a:p>
-            <a:pPr algn="l">
-              <a:defRPr sz="3200" b="1">
-                <a:solidFill>
-                  <a:srgbClr val="1B2A4A"/>
-                </a:solidFill>
-              </a:defRPr>
-            </a:pPr>
-            <a:r>
-              <a:t>Key Takeaways — Session 3</a:t>
-            </a:r>
-          </a:p>
-        </p:txBody>
-      </p:sp>
-      <p:sp>
-        <p:nvSpPr>
-          <p:cNvPr id="4" name="TextBox 3"/>
-          <p:cNvSpPr txBox="1"/>
-          <p:nvPr/>
-        </p:nvSpPr>
-        <p:spPr>
-          <a:xfrm>
-            <a:off x="914400" y="1280160"/>
-            <a:ext cx="10362895" cy="5029200"/>
-          </a:xfrm>
-          <a:prstGeom prst="rect">
-            <a:avLst/>
-          </a:prstGeom>
-          <a:noFill/>
-        </p:spPr>
-        <p:txBody>
-          <a:bodyPr wrap="square">
-            <a:spAutoFit/>
-          </a:bodyPr>
-          <a:lstStyle/>
-          <a:p>
-            <a:pPr>
-              <a:spcBef>
-                <a:spcPts val="400"/>
-              </a:spcBef>
-              <a:spcAft>
-                <a:spcPts val="800"/>
-              </a:spcAft>
-              <a:defRPr sz="2000">
-                <a:solidFill>
-                  <a:srgbClr val="333333"/>
-                </a:solidFill>
-              </a:defRPr>
-            </a:pPr>
-            <a:r>
-              <a:t>Tool use = LLMs calling your functions (JSON in, JSON out)</a:t>
-            </a:r>
-          </a:p>
-          <a:p>
-            <a:pPr>
-              <a:spcBef>
-                <a:spcPts val="400"/>
-              </a:spcBef>
-              <a:spcAft>
-                <a:spcPts val="800"/>
-              </a:spcAft>
-              <a:defRPr sz="2000">
-                <a:solidFill>
-                  <a:srgbClr val="333333"/>
-                </a:solidFill>
-              </a:defRPr>
-            </a:pPr>
-            <a:r>
-              <a:t>Same loop across providers: define → call → execute → return</a:t>
-            </a:r>
-          </a:p>
-          <a:p>
-            <a:pPr>
-              <a:spcBef>
-                <a:spcPts val="400"/>
-              </a:spcBef>
-              <a:spcAft>
-                <a:spcPts val="800"/>
-              </a:spcAft>
-              <a:defRPr sz="2000">
-                <a:solidFill>
-                  <a:srgbClr val="333333"/>
-                </a:solidFill>
-              </a:defRPr>
-            </a:pPr>
-            <a:r>
-              <a:t>Assistants API is convenient; Messages API is flexible</a:t>
-            </a:r>
-          </a:p>
-          <a:p>
-            <a:pPr>
-              <a:spcBef>
-                <a:spcPts val="400"/>
-              </a:spcBef>
-              <a:spcAft>
-                <a:spcPts val="800"/>
-              </a:spcAft>
-              <a:defRPr sz="2000">
-                <a:solidFill>
-                  <a:srgbClr val="333333"/>
-                </a:solidFill>
-              </a:defRPr>
-            </a:pPr>
-            <a:r>
-              <a:t>Custom GPTs/Skills/Gems: different packaging for the same idea</a:t>
-            </a:r>
-          </a:p>
-          <a:p>
-            <a:pPr>
-              <a:spcBef>
-                <a:spcPts val="400"/>
-              </a:spcBef>
-              <a:spcAft>
-                <a:spcPts val="800"/>
-              </a:spcAft>
-              <a:defRPr sz="2000">
-                <a:solidFill>
-                  <a:srgbClr val="333333"/>
-                </a:solidFill>
-              </a:defRPr>
-            </a:pPr>
-            <a:r>
-              <a:t>Tool use is the foundation for agents (Session 5)</a:t>
-            </a:r>
-          </a:p>
-          <a:p>
-            <a:pPr>
-              <a:spcBef>
-                <a:spcPts val="400"/>
-              </a:spcBef>
-              <a:spcAft>
-                <a:spcPts val="800"/>
-              </a:spcAft>
-              <a:defRPr sz="2000">
-                <a:solidFill>
-                  <a:srgbClr val="333333"/>
-                </a:solidFill>
-              </a:defRPr>
-            </a:pPr>
-            <a:r>
-              <a:t>Next session: MCP — the universal tool protocol</a:t>
-            </a:r>
-          </a:p>
-        </p:txBody>
-      </p:sp>
     </p:spTree>
   </p:cSld>
   <p:clrMapOvr>
@@ -5091,7 +6091,7 @@
 </p:sld>
 </file>
 
-<file path=ppt/slides/slide2.xml><?xml version="1.0" encoding="utf-8"?>
+<file path=ppt/slides/slide8.xml><?xml version="1.0" encoding="utf-8"?>
 <p:sld xmlns:a="http://schemas.openxmlformats.org/drawingml/2006/main" xmlns:p="http://schemas.openxmlformats.org/presentationml/2006/main" xmlns:r="http://schemas.openxmlformats.org/officeDocument/2006/relationships">
   <p:cSld>
     <p:spTree>
@@ -5110,13 +6110,13 @@
         <p:spPr>
           <a:xfrm>
             <a:off x="0" y="0"/>
-            <a:ext cx="12191695" cy="73152"/>
+            <a:ext cx="12191695" cy="1005840"/>
           </a:xfrm>
           <a:prstGeom prst="rect">
             <a:avLst/>
           </a:prstGeom>
           <a:solidFill>
-            <a:srgbClr val="0096D6"/>
+            <a:srgbClr val="1B2A4A"/>
           </a:solidFill>
           <a:ln>
             <a:noFill/>
@@ -5152,8 +6152,8 @@
         </p:nvSpPr>
         <p:spPr>
           <a:xfrm>
-            <a:off x="731520" y="274320"/>
-            <a:ext cx="10728655" cy="822960"/>
+            <a:off x="731520" y="137160"/>
+            <a:ext cx="10698480" cy="731520"/>
           </a:xfrm>
           <a:prstGeom prst="rect">
             <a:avLst/>
@@ -5166,15 +6166,15 @@
           </a:bodyPr>
           <a:lstStyle/>
           <a:p>
-            <a:pPr algn="l">
-              <a:defRPr sz="3200" b="1">
-                <a:solidFill>
-                  <a:srgbClr val="1B2A4A"/>
-                </a:solidFill>
-              </a:defRPr>
-            </a:pPr>
-            <a:r>
-              <a:t>What Is Tool Use / Function Calling?</a:t>
+            <a:pPr>
+              <a:defRPr sz="2800" b="1">
+                <a:solidFill>
+                  <a:srgbClr val="FFFFFF"/>
+                </a:solidFill>
+              </a:defRPr>
+            </a:pPr>
+            <a:r>
+              <a:t>OpenAI Assistants API</a:t>
             </a:r>
           </a:p>
         </p:txBody>
@@ -5187,8 +6187,8 @@
         </p:nvSpPr>
         <p:spPr>
           <a:xfrm>
-            <a:off x="914400" y="1280160"/>
-            <a:ext cx="10362895" cy="5029200"/>
+            <a:off x="731520" y="1280160"/>
+            <a:ext cx="10698480" cy="5029200"/>
           </a:xfrm>
           <a:prstGeom prst="rect">
             <a:avLst/>
@@ -5202,110 +6202,92 @@
           <a:lstStyle/>
           <a:p>
             <a:pPr>
-              <a:spcBef>
-                <a:spcPts val="400"/>
-              </a:spcBef>
               <a:spcAft>
-                <a:spcPts val="800"/>
+                <a:spcPts val="1000"/>
               </a:spcAft>
-              <a:defRPr sz="2000">
-                <a:solidFill>
-                  <a:srgbClr val="333333"/>
-                </a:solidFill>
-              </a:defRPr>
-            </a:pPr>
-            <a:r>
-              <a:t>LLMs can't browse the web, check weather, or query databases</a:t>
-            </a:r>
-          </a:p>
-          <a:p>
-            <a:pPr>
-              <a:spcBef>
-                <a:spcPts val="400"/>
-              </a:spcBef>
+              <a:defRPr sz="2200">
+                <a:solidFill>
+                  <a:srgbClr val="222222"/>
+                </a:solidFill>
+              </a:defRPr>
+            </a:pPr>
+            <a:r>
+              <a:t>Persistent assistant with instructions, tools, files</a:t>
+            </a:r>
+          </a:p>
+          <a:p>
+            <a:pPr>
               <a:spcAft>
-                <a:spcPts val="800"/>
+                <a:spcPts val="1000"/>
               </a:spcAft>
-              <a:defRPr sz="2000">
-                <a:solidFill>
-                  <a:srgbClr val="333333"/>
-                </a:solidFill>
-              </a:defRPr>
-            </a:pPr>
-            <a:r>
-              <a:t>Tool use: you define functions, the model decides when to call them</a:t>
-            </a:r>
-          </a:p>
-          <a:p>
-            <a:pPr>
-              <a:spcBef>
-                <a:spcPts val="400"/>
-              </a:spcBef>
+              <a:defRPr sz="2200">
+                <a:solidFill>
+                  <a:srgbClr val="222222"/>
+                </a:solidFill>
+              </a:defRPr>
+            </a:pPr>
+            <a:r>
+              <a:t>Built-in: code interpreter, file search, function calling</a:t>
+            </a:r>
+          </a:p>
+          <a:p>
+            <a:pPr>
               <a:spcAft>
-                <a:spcPts val="800"/>
+                <a:spcPts val="1000"/>
               </a:spcAft>
-              <a:defRPr sz="2000">
-                <a:solidFill>
-                  <a:srgbClr val="333333"/>
-                </a:solidFill>
-              </a:defRPr>
-            </a:pPr>
-            <a:r>
-              <a:t>Model outputs: function name + arguments (JSON)</a:t>
-            </a:r>
-          </a:p>
-          <a:p>
-            <a:pPr>
-              <a:spcBef>
-                <a:spcPts val="400"/>
-              </a:spcBef>
+              <a:defRPr sz="2200">
+                <a:solidFill>
+                  <a:srgbClr val="222222"/>
+                </a:solidFill>
+              </a:defRPr>
+            </a:pPr>
+            <a:r>
+              <a:t>Thread-based: maintains conversation history server-side</a:t>
+            </a:r>
+          </a:p>
+          <a:p>
+            <a:pPr>
               <a:spcAft>
-                <a:spcPts val="800"/>
+                <a:spcPts val="1000"/>
               </a:spcAft>
-              <a:defRPr sz="2000">
-                <a:solidFill>
-                  <a:srgbClr val="333333"/>
-                </a:solidFill>
-              </a:defRPr>
-            </a:pPr>
-            <a:r>
-              <a:t>You execute the function and return the result</a:t>
-            </a:r>
-          </a:p>
-          <a:p>
-            <a:pPr>
-              <a:spcBef>
-                <a:spcPts val="400"/>
-              </a:spcBef>
+              <a:defRPr sz="2200">
+                <a:solidFill>
+                  <a:srgbClr val="222222"/>
+                </a:solidFill>
+              </a:defRPr>
+            </a:pPr>
+            <a:r>
+              <a:t>Run-based: create a run, poll for completion</a:t>
+            </a:r>
+          </a:p>
+          <a:p>
+            <a:pPr>
               <a:spcAft>
-                <a:spcPts val="800"/>
+                <a:spcPts val="1000"/>
               </a:spcAft>
-              <a:defRPr sz="2000">
-                <a:solidFill>
-                  <a:srgbClr val="333333"/>
-                </a:solidFill>
-              </a:defRPr>
-            </a:pPr>
-            <a:r>
-              <a:t>Model incorporates the result into its response</a:t>
-            </a:r>
-          </a:p>
-          <a:p>
-            <a:pPr>
-              <a:spcBef>
-                <a:spcPts val="400"/>
-              </a:spcBef>
+              <a:defRPr sz="2200">
+                <a:solidFill>
+                  <a:srgbClr val="222222"/>
+                </a:solidFill>
+              </a:defRPr>
+            </a:pPr>
+            <a:r>
+              <a:t>Good for: chatbots, support agents, data analysis bots</a:t>
+            </a:r>
+          </a:p>
+          <a:p>
+            <a:pPr>
               <a:spcAft>
-                <a:spcPts val="800"/>
+                <a:spcPts val="1000"/>
               </a:spcAft>
-              <a:defRPr sz="2000">
-                <a:solidFill>
-                  <a:srgbClr val="333333"/>
-                </a:solidFill>
-              </a:defRPr>
-            </a:pPr>
-            <a:r>
-              <a:t>This is the foundation of agentic AI</a:t>
+              <a:defRPr sz="2200">
+                <a:solidFill>
+                  <a:srgbClr val="222222"/>
+                </a:solidFill>
+              </a:defRPr>
+            </a:pPr>
+            <a:r>
+              <a:t>Alternative: just use chat completions + your own state</a:t>
             </a:r>
           </a:p>
         </p:txBody>
@@ -5318,7 +6300,7 @@
 </p:sld>
 </file>
 
-<file path=ppt/slides/slide3.xml><?xml version="1.0" encoding="utf-8"?>
+<file path=ppt/slides/slide9.xml><?xml version="1.0" encoding="utf-8"?>
 <p:sld xmlns:a="http://schemas.openxmlformats.org/drawingml/2006/main" xmlns:p="http://schemas.openxmlformats.org/presentationml/2006/main" xmlns:r="http://schemas.openxmlformats.org/officeDocument/2006/relationships">
   <p:cSld>
     <p:spTree>
@@ -5337,13 +6319,13 @@
         <p:spPr>
           <a:xfrm>
             <a:off x="0" y="0"/>
-            <a:ext cx="12191695" cy="73152"/>
+            <a:ext cx="12191695" cy="1005840"/>
           </a:xfrm>
           <a:prstGeom prst="rect">
             <a:avLst/>
           </a:prstGeom>
           <a:solidFill>
-            <a:srgbClr val="0096D6"/>
+            <a:srgbClr val="1B2A4A"/>
           </a:solidFill>
           <a:ln>
             <a:noFill/>
@@ -5379,8 +6361,8 @@
         </p:nvSpPr>
         <p:spPr>
           <a:xfrm>
-            <a:off x="731520" y="274320"/>
-            <a:ext cx="10728655" cy="822960"/>
+            <a:off x="731520" y="137160"/>
+            <a:ext cx="10698480" cy="731520"/>
           </a:xfrm>
           <a:prstGeom prst="rect">
             <a:avLst/>
@@ -5393,15 +6375,15 @@
           </a:bodyPr>
           <a:lstStyle/>
           <a:p>
-            <a:pPr algn="l">
-              <a:defRPr sz="3200" b="1">
-                <a:solidFill>
-                  <a:srgbClr val="1B2A4A"/>
-                </a:solidFill>
-              </a:defRPr>
-            </a:pPr>
-            <a:r>
-              <a:t>The Tool Use Loop (All Providers)</a:t>
+            <a:pPr>
+              <a:defRPr sz="2800" b="1">
+                <a:solidFill>
+                  <a:srgbClr val="FFFFFF"/>
+                </a:solidFill>
+              </a:defRPr>
+            </a:pPr>
+            <a:r>
+              <a:t>Anthropic Messages API vs OpenAI</a:t>
             </a:r>
           </a:p>
         </p:txBody>
@@ -5414,8 +6396,8 @@
         </p:nvSpPr>
         <p:spPr>
           <a:xfrm>
-            <a:off x="914400" y="1280160"/>
-            <a:ext cx="10362895" cy="5029200"/>
+            <a:off x="731520" y="1280160"/>
+            <a:ext cx="10698480" cy="5029200"/>
           </a:xfrm>
           <a:prstGeom prst="rect">
             <a:avLst/>
@@ -5429,2229 +6411,92 @@
           <a:lstStyle/>
           <a:p>
             <a:pPr>
-              <a:spcBef>
-                <a:spcPts val="400"/>
-              </a:spcBef>
               <a:spcAft>
-                <a:spcPts val="800"/>
+                <a:spcPts val="1000"/>
               </a:spcAft>
-              <a:defRPr sz="2000">
-                <a:solidFill>
-                  <a:srgbClr val="333333"/>
-                </a:solidFill>
-              </a:defRPr>
-            </a:pPr>
-            <a:r>
-              <a:t>1. Send messages + tool definitions to the model</a:t>
-            </a:r>
-          </a:p>
-          <a:p>
-            <a:pPr>
-              <a:spcBef>
-                <a:spcPts val="400"/>
-              </a:spcBef>
+              <a:defRPr sz="2200">
+                <a:solidFill>
+                  <a:srgbClr val="222222"/>
+                </a:solidFill>
+              </a:defRPr>
+            </a:pPr>
+            <a:r>
+              <a:t>Anthropic: stateless Messages API — you manage history</a:t>
+            </a:r>
+          </a:p>
+          <a:p>
+            <a:pPr>
               <a:spcAft>
-                <a:spcPts val="800"/>
+                <a:spcPts val="1000"/>
               </a:spcAft>
-              <a:defRPr sz="2000">
-                <a:solidFill>
-                  <a:srgbClr val="333333"/>
-                </a:solidFill>
-              </a:defRPr>
-            </a:pPr>
-            <a:r>
-              <a:t>2. Model responds with tool_calls (or text if no tool needed)</a:t>
-            </a:r>
-          </a:p>
-          <a:p>
-            <a:pPr>
-              <a:spcBef>
-                <a:spcPts val="400"/>
-              </a:spcBef>
+              <a:defRPr sz="2200">
+                <a:solidFill>
+                  <a:srgbClr val="222222"/>
+                </a:solidFill>
+              </a:defRPr>
+            </a:pPr>
+            <a:r>
+              <a:t>No equivalent to Assistants API (by design)</a:t>
+            </a:r>
+          </a:p>
+          <a:p>
+            <a:pPr>
               <a:spcAft>
-                <a:spcPts val="800"/>
+                <a:spcPts val="1000"/>
               </a:spcAft>
-              <a:defRPr sz="2000">
-                <a:solidFill>
-                  <a:srgbClr val="333333"/>
-                </a:solidFill>
-              </a:defRPr>
-            </a:pPr>
-            <a:r>
-              <a:t>3. Execute each tool call with the provided arguments</a:t>
-            </a:r>
-          </a:p>
-          <a:p>
-            <a:pPr>
-              <a:spcBef>
-                <a:spcPts val="400"/>
-              </a:spcBef>
+              <a:defRPr sz="2200">
+                <a:solidFill>
+                  <a:srgbClr val="222222"/>
+                </a:solidFill>
+              </a:defRPr>
+            </a:pPr>
+            <a:r>
+              <a:t>System prompt as separate parameter (not in messages)</a:t>
+            </a:r>
+          </a:p>
+          <a:p>
+            <a:pPr>
               <a:spcAft>
-                <a:spcPts val="800"/>
+                <a:spcPts val="1000"/>
               </a:spcAft>
-              <a:defRPr sz="2000">
-                <a:solidFill>
-                  <a:srgbClr val="333333"/>
-                </a:solidFill>
-              </a:defRPr>
-            </a:pPr>
-            <a:r>
-              <a:t>4. Append tool results to the conversation</a:t>
-            </a:r>
-          </a:p>
-          <a:p>
-            <a:pPr>
-              <a:spcBef>
-                <a:spcPts val="400"/>
-              </a:spcBef>
+              <a:defRPr sz="2200">
+                <a:solidFill>
+                  <a:srgbClr val="222222"/>
+                </a:solidFill>
+              </a:defRPr>
+            </a:pPr>
+            <a:r>
+              <a:t>Tool use built into Messages API directly</a:t>
+            </a:r>
+          </a:p>
+          <a:p>
+            <a:pPr>
               <a:spcAft>
-                <a:spcPts val="800"/>
+                <a:spcPts val="1000"/>
               </a:spcAft>
-              <a:defRPr sz="2000">
-                <a:solidFill>
-                  <a:srgbClr val="333333"/>
-                </a:solidFill>
-              </a:defRPr>
-            </a:pPr>
-            <a:r>
-              <a:t>5. Send back to model → it may call more tools or respond</a:t>
-            </a:r>
-          </a:p>
-          <a:p>
-            <a:pPr>
-              <a:spcBef>
-                <a:spcPts val="400"/>
-              </a:spcBef>
+              <a:defRPr sz="2200">
+                <a:solidFill>
+                  <a:srgbClr val="222222"/>
+                </a:solidFill>
+              </a:defRPr>
+            </a:pPr>
+            <a:r>
+              <a:t>Anthropic philosophy: keep it simple, you own the state</a:t>
+            </a:r>
+          </a:p>
+          <a:p>
+            <a:pPr>
               <a:spcAft>
-                <a:spcPts val="800"/>
+                <a:spcPts val="1000"/>
               </a:spcAft>
-              <a:defRPr sz="2000">
-                <a:solidFill>
-                  <a:srgbClr val="333333"/>
-                </a:solidFill>
-              </a:defRPr>
-            </a:pPr>
-            <a:r>
-              <a:t>Loop continues until model gives a text response</a:t>
-            </a:r>
-          </a:p>
-        </p:txBody>
-      </p:sp>
-    </p:spTree>
-  </p:cSld>
-  <p:clrMapOvr>
-    <a:masterClrMapping/>
-  </p:clrMapOvr>
-</p:sld>
-</file>
-
-<file path=ppt/slides/slide4.xml><?xml version="1.0" encoding="utf-8"?>
-<p:sld xmlns:a="http://schemas.openxmlformats.org/drawingml/2006/main" xmlns:p="http://schemas.openxmlformats.org/presentationml/2006/main" xmlns:r="http://schemas.openxmlformats.org/officeDocument/2006/relationships">
-  <p:cSld>
-    <p:spTree>
-      <p:nvGrpSpPr>
-        <p:cNvPr id="1" name=""/>
-        <p:cNvGrpSpPr/>
-        <p:nvPr/>
-      </p:nvGrpSpPr>
-      <p:grpSpPr/>
-      <p:sp>
-        <p:nvSpPr>
-          <p:cNvPr id="2" name="Rectangle 1"/>
-          <p:cNvSpPr/>
-          <p:nvPr/>
-        </p:nvSpPr>
-        <p:spPr>
-          <a:xfrm>
-            <a:off x="0" y="0"/>
-            <a:ext cx="12191695" cy="73152"/>
-          </a:xfrm>
-          <a:prstGeom prst="rect">
-            <a:avLst/>
-          </a:prstGeom>
-          <a:solidFill>
-            <a:srgbClr val="0096D6"/>
-          </a:solidFill>
-          <a:ln>
-            <a:noFill/>
-          </a:ln>
-        </p:spPr>
-        <p:style>
-          <a:lnRef idx="1">
-            <a:schemeClr val="accent1"/>
-          </a:lnRef>
-          <a:fillRef idx="3">
-            <a:schemeClr val="accent1"/>
-          </a:fillRef>
-          <a:effectRef idx="2">
-            <a:schemeClr val="accent1"/>
-          </a:effectRef>
-          <a:fontRef idx="minor">
-            <a:schemeClr val="lt1"/>
-          </a:fontRef>
-        </p:style>
-        <p:txBody>
-          <a:bodyPr rtlCol="0" anchor="ctr"/>
-          <a:lstStyle/>
-          <a:p>
-            <a:pPr algn="ctr"/>
-          </a:p>
-        </p:txBody>
-      </p:sp>
-      <p:sp>
-        <p:nvSpPr>
-          <p:cNvPr id="3" name="TextBox 2"/>
-          <p:cNvSpPr txBox="1"/>
-          <p:nvPr/>
-        </p:nvSpPr>
-        <p:spPr>
-          <a:xfrm>
-            <a:off x="731520" y="274320"/>
-            <a:ext cx="10728655" cy="731520"/>
-          </a:xfrm>
-          <a:prstGeom prst="rect">
-            <a:avLst/>
-          </a:prstGeom>
-          <a:noFill/>
-        </p:spPr>
-        <p:txBody>
-          <a:bodyPr wrap="none">
-            <a:spAutoFit/>
-          </a:bodyPr>
-          <a:lstStyle/>
-          <a:p>
-            <a:pPr>
-              <a:defRPr sz="2800" b="1">
-                <a:solidFill>
-                  <a:srgbClr val="1B2A4A"/>
-                </a:solidFill>
-              </a:defRPr>
-            </a:pPr>
-            <a:r>
-              <a:t>Defining Tools (JSON Schema)</a:t>
-            </a:r>
-          </a:p>
-        </p:txBody>
-      </p:sp>
-      <p:sp>
-        <p:nvSpPr>
-          <p:cNvPr id="4" name="Rounded Rectangle 3"/>
-          <p:cNvSpPr/>
-          <p:nvPr/>
-        </p:nvSpPr>
-        <p:spPr>
-          <a:xfrm>
-            <a:off x="731520" y="1188720"/>
-            <a:ext cx="10728655" cy="5212080"/>
-          </a:xfrm>
-          <a:prstGeom prst="roundRect">
-            <a:avLst/>
-          </a:prstGeom>
-          <a:solidFill>
-            <a:srgbClr val="F0F0F0"/>
-          </a:solidFill>
-          <a:ln w="12700">
-            <a:solidFill>
-              <a:srgbClr val="DDDDDD"/>
-            </a:solidFill>
-          </a:ln>
-        </p:spPr>
-        <p:style>
-          <a:lnRef idx="1">
-            <a:schemeClr val="accent1"/>
-          </a:lnRef>
-          <a:fillRef idx="3">
-            <a:schemeClr val="accent1"/>
-          </a:fillRef>
-          <a:effectRef idx="2">
-            <a:schemeClr val="accent1"/>
-          </a:effectRef>
-          <a:fontRef idx="minor">
-            <a:schemeClr val="lt1"/>
-          </a:fontRef>
-        </p:style>
-        <p:txBody>
-          <a:bodyPr rtlCol="0" anchor="ctr"/>
-          <a:lstStyle/>
-          <a:p>
-            <a:pPr algn="ctr"/>
-          </a:p>
-        </p:txBody>
-      </p:sp>
-      <p:sp>
-        <p:nvSpPr>
-          <p:cNvPr id="5" name="TextBox 4"/>
-          <p:cNvSpPr txBox="1"/>
-          <p:nvPr/>
-        </p:nvSpPr>
-        <p:spPr>
-          <a:xfrm>
-            <a:off x="822960" y="1234440"/>
-            <a:ext cx="1828800" cy="320040"/>
-          </a:xfrm>
-          <a:prstGeom prst="rect">
-            <a:avLst/>
-          </a:prstGeom>
-          <a:noFill/>
-        </p:spPr>
-        <p:txBody>
-          <a:bodyPr wrap="none">
-            <a:spAutoFit/>
-          </a:bodyPr>
-          <a:lstStyle/>
-          <a:p>
-            <a:pPr>
-              <a:defRPr sz="1100" b="1">
-                <a:solidFill>
-                  <a:srgbClr val="666666"/>
-                </a:solidFill>
-              </a:defRPr>
-            </a:pPr>
-            <a:r>
-              <a:t>python</a:t>
-            </a:r>
-          </a:p>
-        </p:txBody>
-      </p:sp>
-      <p:sp>
-        <p:nvSpPr>
-          <p:cNvPr id="6" name="TextBox 5"/>
-          <p:cNvSpPr txBox="1"/>
-          <p:nvPr/>
-        </p:nvSpPr>
-        <p:spPr>
-          <a:xfrm>
-            <a:off x="914400" y="1554480"/>
-            <a:ext cx="10362895" cy="4754880"/>
-          </a:xfrm>
-          <a:prstGeom prst="rect">
-            <a:avLst/>
-          </a:prstGeom>
-          <a:noFill/>
-        </p:spPr>
-        <p:txBody>
-          <a:bodyPr wrap="square">
-            <a:spAutoFit/>
-          </a:bodyPr>
-          <a:lstStyle/>
-          <a:p>
-            <a:pPr algn="l">
-              <a:defRPr sz="1300">
-                <a:solidFill>
-                  <a:srgbClr val="333333"/>
-                </a:solidFill>
-                <a:latin typeface="Consolas"/>
-              </a:defRPr>
-            </a:pPr>
-            <a:r>
-              <a:t>TOOLS = [{</a:t>
-            </a:r>
-            <a:br/>
-            <a:r>
-              <a:t>    "name": "get_weather",</a:t>
-            </a:r>
-            <a:br/>
-            <a:r>
-              <a:t>    "description": "Get current weather for a city",</a:t>
-            </a:r>
-            <a:br/>
-            <a:r>
-              <a:t>    "parameters": {</a:t>
-            </a:r>
-            <a:br/>
-            <a:r>
-              <a:t>        "type": "object",</a:t>
-            </a:r>
-            <a:br/>
-            <a:r>
-              <a:t>        "properties": {</a:t>
-            </a:r>
-            <a:br/>
-            <a:r>
-              <a:t>            "city": {"type": "string", "description": "City name"},</a:t>
-            </a:r>
-            <a:br/>
-            <a:r>
-              <a:t>            "unit": {</a:t>
-            </a:r>
-            <a:br/>
-            <a:r>
-              <a:t>                "type": "string",</a:t>
-            </a:r>
-            <a:br/>
-            <a:r>
-              <a:t>                "enum": ["celsius", "fahrenheit"],</a:t>
-            </a:r>
-            <a:br/>
-            <a:r>
-              <a:t>            },</a:t>
-            </a:r>
-            <a:br/>
-            <a:r>
-              <a:t>        },</a:t>
-            </a:r>
-            <a:br/>
-            <a:r>
-              <a:t>        "required": ["city"],</a:t>
-            </a:r>
-            <a:br/>
-            <a:r>
-              <a:t>    },</a:t>
-            </a:r>
-            <a:br/>
-            <a:r>
-              <a:t>}]</a:t>
-            </a:r>
-          </a:p>
-        </p:txBody>
-      </p:sp>
-    </p:spTree>
-  </p:cSld>
-  <p:clrMapOvr>
-    <a:masterClrMapping/>
-  </p:clrMapOvr>
-</p:sld>
-</file>
-
-<file path=ppt/slides/slide5.xml><?xml version="1.0" encoding="utf-8"?>
-<p:sld xmlns:a="http://schemas.openxmlformats.org/drawingml/2006/main" xmlns:p="http://schemas.openxmlformats.org/presentationml/2006/main" xmlns:r="http://schemas.openxmlformats.org/officeDocument/2006/relationships">
-  <p:cSld>
-    <p:spTree>
-      <p:nvGrpSpPr>
-        <p:cNvPr id="1" name=""/>
-        <p:cNvGrpSpPr/>
-        <p:nvPr/>
-      </p:nvGrpSpPr>
-      <p:grpSpPr/>
-      <p:sp>
-        <p:nvSpPr>
-          <p:cNvPr id="2" name="Rectangle 1"/>
-          <p:cNvSpPr/>
-          <p:nvPr/>
-        </p:nvSpPr>
-        <p:spPr>
-          <a:xfrm>
-            <a:off x="0" y="0"/>
-            <a:ext cx="12191695" cy="73152"/>
-          </a:xfrm>
-          <a:prstGeom prst="rect">
-            <a:avLst/>
-          </a:prstGeom>
-          <a:solidFill>
-            <a:srgbClr val="0096D6"/>
-          </a:solidFill>
-          <a:ln>
-            <a:noFill/>
-          </a:ln>
-        </p:spPr>
-        <p:style>
-          <a:lnRef idx="1">
-            <a:schemeClr val="accent1"/>
-          </a:lnRef>
-          <a:fillRef idx="3">
-            <a:schemeClr val="accent1"/>
-          </a:fillRef>
-          <a:effectRef idx="2">
-            <a:schemeClr val="accent1"/>
-          </a:effectRef>
-          <a:fontRef idx="minor">
-            <a:schemeClr val="lt1"/>
-          </a:fontRef>
-        </p:style>
-        <p:txBody>
-          <a:bodyPr rtlCol="0" anchor="ctr"/>
-          <a:lstStyle/>
-          <a:p>
-            <a:pPr algn="ctr"/>
-          </a:p>
-        </p:txBody>
-      </p:sp>
-      <p:sp>
-        <p:nvSpPr>
-          <p:cNvPr id="3" name="TextBox 2"/>
-          <p:cNvSpPr txBox="1"/>
-          <p:nvPr/>
-        </p:nvSpPr>
-        <p:spPr>
-          <a:xfrm>
-            <a:off x="731520" y="274320"/>
-            <a:ext cx="10728655" cy="731520"/>
-          </a:xfrm>
-          <a:prstGeom prst="rect">
-            <a:avLst/>
-          </a:prstGeom>
-          <a:noFill/>
-        </p:spPr>
-        <p:txBody>
-          <a:bodyPr wrap="none">
-            <a:spAutoFit/>
-          </a:bodyPr>
-          <a:lstStyle/>
-          <a:p>
-            <a:pPr>
-              <a:defRPr sz="2800" b="1">
-                <a:solidFill>
-                  <a:srgbClr val="1B2A4A"/>
-                </a:solidFill>
-              </a:defRPr>
-            </a:pPr>
-            <a:r>
-              <a:t>OpenAI Tool Loop</a:t>
-            </a:r>
-          </a:p>
-        </p:txBody>
-      </p:sp>
-      <p:sp>
-        <p:nvSpPr>
-          <p:cNvPr id="4" name="Rounded Rectangle 3"/>
-          <p:cNvSpPr/>
-          <p:nvPr/>
-        </p:nvSpPr>
-        <p:spPr>
-          <a:xfrm>
-            <a:off x="731520" y="1188720"/>
-            <a:ext cx="10728655" cy="5212080"/>
-          </a:xfrm>
-          <a:prstGeom prst="roundRect">
-            <a:avLst/>
-          </a:prstGeom>
-          <a:solidFill>
-            <a:srgbClr val="F0F0F0"/>
-          </a:solidFill>
-          <a:ln w="12700">
-            <a:solidFill>
-              <a:srgbClr val="DDDDDD"/>
-            </a:solidFill>
-          </a:ln>
-        </p:spPr>
-        <p:style>
-          <a:lnRef idx="1">
-            <a:schemeClr val="accent1"/>
-          </a:lnRef>
-          <a:fillRef idx="3">
-            <a:schemeClr val="accent1"/>
-          </a:fillRef>
-          <a:effectRef idx="2">
-            <a:schemeClr val="accent1"/>
-          </a:effectRef>
-          <a:fontRef idx="minor">
-            <a:schemeClr val="lt1"/>
-          </a:fontRef>
-        </p:style>
-        <p:txBody>
-          <a:bodyPr rtlCol="0" anchor="ctr"/>
-          <a:lstStyle/>
-          <a:p>
-            <a:pPr algn="ctr"/>
-          </a:p>
-        </p:txBody>
-      </p:sp>
-      <p:sp>
-        <p:nvSpPr>
-          <p:cNvPr id="5" name="TextBox 4"/>
-          <p:cNvSpPr txBox="1"/>
-          <p:nvPr/>
-        </p:nvSpPr>
-        <p:spPr>
-          <a:xfrm>
-            <a:off x="822960" y="1234440"/>
-            <a:ext cx="1828800" cy="320040"/>
-          </a:xfrm>
-          <a:prstGeom prst="rect">
-            <a:avLst/>
-          </a:prstGeom>
-          <a:noFill/>
-        </p:spPr>
-        <p:txBody>
-          <a:bodyPr wrap="none">
-            <a:spAutoFit/>
-          </a:bodyPr>
-          <a:lstStyle/>
-          <a:p>
-            <a:pPr>
-              <a:defRPr sz="1100" b="1">
-                <a:solidFill>
-                  <a:srgbClr val="666666"/>
-                </a:solidFill>
-              </a:defRPr>
-            </a:pPr>
-            <a:r>
-              <a:t>python</a:t>
-            </a:r>
-          </a:p>
-        </p:txBody>
-      </p:sp>
-      <p:sp>
-        <p:nvSpPr>
-          <p:cNvPr id="6" name="TextBox 5"/>
-          <p:cNvSpPr txBox="1"/>
-          <p:nvPr/>
-        </p:nvSpPr>
-        <p:spPr>
-          <a:xfrm>
-            <a:off x="914400" y="1554480"/>
-            <a:ext cx="10362895" cy="4754880"/>
-          </a:xfrm>
-          <a:prstGeom prst="rect">
-            <a:avLst/>
-          </a:prstGeom>
-          <a:noFill/>
-        </p:spPr>
-        <p:txBody>
-          <a:bodyPr wrap="square">
-            <a:spAutoFit/>
-          </a:bodyPr>
-          <a:lstStyle/>
-          <a:p>
-            <a:pPr algn="l">
-              <a:defRPr sz="1300">
-                <a:solidFill>
-                  <a:srgbClr val="333333"/>
-                </a:solidFill>
-                <a:latin typeface="Consolas"/>
-              </a:defRPr>
-            </a:pPr>
-            <a:r>
-              <a:t>tools = [{"type": "function", "function": t} for t in TOOLS]</a:t>
-            </a:r>
-            <a:br/>
-            <a:br/>
-            <a:r>
-              <a:t>response = client.chat.completions.create(</a:t>
-            </a:r>
-            <a:br/>
-            <a:r>
-              <a:t>    model="gpt-4.1", messages=messages, tools=tools)</a:t>
-            </a:r>
-            <a:br/>
-            <a:r>
-              <a:t>msg = response.choices[0].message</a:t>
-            </a:r>
-            <a:br/>
-            <a:br/>
-            <a:r>
-              <a:t>if msg.tool_calls:</a:t>
-            </a:r>
-            <a:br/>
-            <a:r>
-              <a:t>    messages.append(msg)</a:t>
-            </a:r>
-            <a:br/>
-            <a:r>
-              <a:t>    for call in msg.tool_calls:</a:t>
-            </a:r>
-            <a:br/>
-            <a:r>
-              <a:t>        args = json.loads(call.function.arguments)</a:t>
-            </a:r>
-            <a:br/>
-            <a:r>
-              <a:t>        result = execute_tool(call.function.name, args)</a:t>
-            </a:r>
-            <a:br/>
-            <a:r>
-              <a:t>        messages.append({</a:t>
-            </a:r>
-            <a:br/>
-            <a:r>
-              <a:t>            "role": "tool",</a:t>
-            </a:r>
-            <a:br/>
-            <a:r>
-              <a:t>            "tool_call_id": call.id,</a:t>
-            </a:r>
-            <a:br/>
-            <a:r>
-              <a:t>            "content": json.dumps(result),</a:t>
-            </a:r>
-            <a:br/>
-            <a:r>
-              <a:t>        })</a:t>
-            </a:r>
-            <a:br/>
-            <a:r>
-              <a:t>    # Send back for final response...</a:t>
-            </a:r>
-          </a:p>
-        </p:txBody>
-      </p:sp>
-    </p:spTree>
-  </p:cSld>
-  <p:clrMapOvr>
-    <a:masterClrMapping/>
-  </p:clrMapOvr>
-</p:sld>
-</file>
-
-<file path=ppt/slides/slide6.xml><?xml version="1.0" encoding="utf-8"?>
-<p:sld xmlns:a="http://schemas.openxmlformats.org/drawingml/2006/main" xmlns:p="http://schemas.openxmlformats.org/presentationml/2006/main" xmlns:r="http://schemas.openxmlformats.org/officeDocument/2006/relationships">
-  <p:cSld>
-    <p:spTree>
-      <p:nvGrpSpPr>
-        <p:cNvPr id="1" name=""/>
-        <p:cNvGrpSpPr/>
-        <p:nvPr/>
-      </p:nvGrpSpPr>
-      <p:grpSpPr/>
-      <p:sp>
-        <p:nvSpPr>
-          <p:cNvPr id="2" name="Rectangle 1"/>
-          <p:cNvSpPr/>
-          <p:nvPr/>
-        </p:nvSpPr>
-        <p:spPr>
-          <a:xfrm>
-            <a:off x="0" y="0"/>
-            <a:ext cx="12191695" cy="73152"/>
-          </a:xfrm>
-          <a:prstGeom prst="rect">
-            <a:avLst/>
-          </a:prstGeom>
-          <a:solidFill>
-            <a:srgbClr val="0096D6"/>
-          </a:solidFill>
-          <a:ln>
-            <a:noFill/>
-          </a:ln>
-        </p:spPr>
-        <p:style>
-          <a:lnRef idx="1">
-            <a:schemeClr val="accent1"/>
-          </a:lnRef>
-          <a:fillRef idx="3">
-            <a:schemeClr val="accent1"/>
-          </a:fillRef>
-          <a:effectRef idx="2">
-            <a:schemeClr val="accent1"/>
-          </a:effectRef>
-          <a:fontRef idx="minor">
-            <a:schemeClr val="lt1"/>
-          </a:fontRef>
-        </p:style>
-        <p:txBody>
-          <a:bodyPr rtlCol="0" anchor="ctr"/>
-          <a:lstStyle/>
-          <a:p>
-            <a:pPr algn="ctr"/>
-          </a:p>
-        </p:txBody>
-      </p:sp>
-      <p:sp>
-        <p:nvSpPr>
-          <p:cNvPr id="3" name="TextBox 2"/>
-          <p:cNvSpPr txBox="1"/>
-          <p:nvPr/>
-        </p:nvSpPr>
-        <p:spPr>
-          <a:xfrm>
-            <a:off x="731520" y="274320"/>
-            <a:ext cx="10728655" cy="731520"/>
-          </a:xfrm>
-          <a:prstGeom prst="rect">
-            <a:avLst/>
-          </a:prstGeom>
-          <a:noFill/>
-        </p:spPr>
-        <p:txBody>
-          <a:bodyPr wrap="none">
-            <a:spAutoFit/>
-          </a:bodyPr>
-          <a:lstStyle/>
-          <a:p>
-            <a:pPr>
-              <a:defRPr sz="2800" b="1">
-                <a:solidFill>
-                  <a:srgbClr val="1B2A4A"/>
-                </a:solidFill>
-              </a:defRPr>
-            </a:pPr>
-            <a:r>
-              <a:t>Anthropic Tool Loop</a:t>
-            </a:r>
-          </a:p>
-        </p:txBody>
-      </p:sp>
-      <p:sp>
-        <p:nvSpPr>
-          <p:cNvPr id="4" name="Rounded Rectangle 3"/>
-          <p:cNvSpPr/>
-          <p:nvPr/>
-        </p:nvSpPr>
-        <p:spPr>
-          <a:xfrm>
-            <a:off x="731520" y="1188720"/>
-            <a:ext cx="10728655" cy="5212080"/>
-          </a:xfrm>
-          <a:prstGeom prst="roundRect">
-            <a:avLst/>
-          </a:prstGeom>
-          <a:solidFill>
-            <a:srgbClr val="F0F0F0"/>
-          </a:solidFill>
-          <a:ln w="12700">
-            <a:solidFill>
-              <a:srgbClr val="DDDDDD"/>
-            </a:solidFill>
-          </a:ln>
-        </p:spPr>
-        <p:style>
-          <a:lnRef idx="1">
-            <a:schemeClr val="accent1"/>
-          </a:lnRef>
-          <a:fillRef idx="3">
-            <a:schemeClr val="accent1"/>
-          </a:fillRef>
-          <a:effectRef idx="2">
-            <a:schemeClr val="accent1"/>
-          </a:effectRef>
-          <a:fontRef idx="minor">
-            <a:schemeClr val="lt1"/>
-          </a:fontRef>
-        </p:style>
-        <p:txBody>
-          <a:bodyPr rtlCol="0" anchor="ctr"/>
-          <a:lstStyle/>
-          <a:p>
-            <a:pPr algn="ctr"/>
-          </a:p>
-        </p:txBody>
-      </p:sp>
-      <p:sp>
-        <p:nvSpPr>
-          <p:cNvPr id="5" name="TextBox 4"/>
-          <p:cNvSpPr txBox="1"/>
-          <p:nvPr/>
-        </p:nvSpPr>
-        <p:spPr>
-          <a:xfrm>
-            <a:off x="822960" y="1234440"/>
-            <a:ext cx="1828800" cy="320040"/>
-          </a:xfrm>
-          <a:prstGeom prst="rect">
-            <a:avLst/>
-          </a:prstGeom>
-          <a:noFill/>
-        </p:spPr>
-        <p:txBody>
-          <a:bodyPr wrap="none">
-            <a:spAutoFit/>
-          </a:bodyPr>
-          <a:lstStyle/>
-          <a:p>
-            <a:pPr>
-              <a:defRPr sz="1100" b="1">
-                <a:solidFill>
-                  <a:srgbClr val="666666"/>
-                </a:solidFill>
-              </a:defRPr>
-            </a:pPr>
-            <a:r>
-              <a:t>python</a:t>
-            </a:r>
-          </a:p>
-        </p:txBody>
-      </p:sp>
-      <p:sp>
-        <p:nvSpPr>
-          <p:cNvPr id="6" name="TextBox 5"/>
-          <p:cNvSpPr txBox="1"/>
-          <p:nvPr/>
-        </p:nvSpPr>
-        <p:spPr>
-          <a:xfrm>
-            <a:off x="914400" y="1554480"/>
-            <a:ext cx="10362895" cy="4754880"/>
-          </a:xfrm>
-          <a:prstGeom prst="rect">
-            <a:avLst/>
-          </a:prstGeom>
-          <a:noFill/>
-        </p:spPr>
-        <p:txBody>
-          <a:bodyPr wrap="square">
-            <a:spAutoFit/>
-          </a:bodyPr>
-          <a:lstStyle/>
-          <a:p>
-            <a:pPr algn="l">
-              <a:defRPr sz="1300">
-                <a:solidFill>
-                  <a:srgbClr val="333333"/>
-                </a:solidFill>
-                <a:latin typeface="Consolas"/>
-              </a:defRPr>
-            </a:pPr>
-            <a:r>
-              <a:t>tools = [{"name": t["name"], "description": t["description"],</a:t>
-            </a:r>
-            <a:br/>
-            <a:r>
-              <a:t>         "input_schema": t["parameters"]} for t in TOOLS]</a:t>
-            </a:r>
-            <a:br/>
-            <a:br/>
-            <a:r>
-              <a:t>response = client.messages.create(</a:t>
-            </a:r>
-            <a:br/>
-            <a:r>
-              <a:t>    model="claude-sonnet-4-6-20250217", max_tokens=8192,</a:t>
-            </a:r>
-            <a:br/>
-            <a:r>
-              <a:t>    tools=tools, messages=conversation)</a:t>
-            </a:r>
-            <a:br/>
-            <a:br/>
-            <a:r>
-              <a:t>if response.stop_reason == "tool_use":</a:t>
-            </a:r>
-            <a:br/>
-            <a:r>
-              <a:t>    tool_results = []</a:t>
-            </a:r>
-            <a:br/>
-            <a:r>
-              <a:t>    for block in response.content:</a:t>
-            </a:r>
-            <a:br/>
-            <a:r>
-              <a:t>        if block.type == "tool_use":</a:t>
-            </a:r>
-            <a:br/>
-            <a:r>
-              <a:t>            result = execute_tool(block.name, block.input)</a:t>
-            </a:r>
-            <a:br/>
-            <a:r>
-              <a:t>            tool_results.append({</a:t>
-            </a:r>
-            <a:br/>
-            <a:r>
-              <a:t>                "type": "tool_result",</a:t>
-            </a:r>
-            <a:br/>
-            <a:r>
-              <a:t>                "tool_use_id": block.id,</a:t>
-            </a:r>
-            <a:br/>
-            <a:r>
-              <a:t>                "content": json.dumps(result),</a:t>
-            </a:r>
-            <a:br/>
-            <a:r>
-              <a:t>            })</a:t>
-            </a:r>
-            <a:br/>
-            <a:r>
-              <a:t>    conversation.append({"role": "user", "content": tool_results})</a:t>
-            </a:r>
-          </a:p>
-        </p:txBody>
-      </p:sp>
-    </p:spTree>
-  </p:cSld>
-  <p:clrMapOvr>
-    <a:masterClrMapping/>
-  </p:clrMapOvr>
-</p:sld>
-</file>
-
-<file path=ppt/slides/slide7.xml><?xml version="1.0" encoding="utf-8"?>
-<p:sld xmlns:a="http://schemas.openxmlformats.org/drawingml/2006/main" xmlns:p="http://schemas.openxmlformats.org/presentationml/2006/main" xmlns:r="http://schemas.openxmlformats.org/officeDocument/2006/relationships">
-  <p:cSld>
-    <p:spTree>
-      <p:nvGrpSpPr>
-        <p:cNvPr id="1" name=""/>
-        <p:cNvGrpSpPr/>
-        <p:nvPr/>
-      </p:nvGrpSpPr>
-      <p:grpSpPr/>
-      <p:sp>
-        <p:nvSpPr>
-          <p:cNvPr id="2" name="Rectangle 1"/>
-          <p:cNvSpPr/>
-          <p:nvPr/>
-        </p:nvSpPr>
-        <p:spPr>
-          <a:xfrm>
-            <a:off x="0" y="0"/>
-            <a:ext cx="12191695" cy="73152"/>
-          </a:xfrm>
-          <a:prstGeom prst="rect">
-            <a:avLst/>
-          </a:prstGeom>
-          <a:solidFill>
-            <a:srgbClr val="0096D6"/>
-          </a:solidFill>
-          <a:ln>
-            <a:noFill/>
-          </a:ln>
-        </p:spPr>
-        <p:style>
-          <a:lnRef idx="1">
-            <a:schemeClr val="accent1"/>
-          </a:lnRef>
-          <a:fillRef idx="3">
-            <a:schemeClr val="accent1"/>
-          </a:fillRef>
-          <a:effectRef idx="2">
-            <a:schemeClr val="accent1"/>
-          </a:effectRef>
-          <a:fontRef idx="minor">
-            <a:schemeClr val="lt1"/>
-          </a:fontRef>
-        </p:style>
-        <p:txBody>
-          <a:bodyPr rtlCol="0" anchor="ctr"/>
-          <a:lstStyle/>
-          <a:p>
-            <a:pPr algn="ctr"/>
-          </a:p>
-        </p:txBody>
-      </p:sp>
-      <p:sp>
-        <p:nvSpPr>
-          <p:cNvPr id="3" name="TextBox 2"/>
-          <p:cNvSpPr txBox="1"/>
-          <p:nvPr/>
-        </p:nvSpPr>
-        <p:spPr>
-          <a:xfrm>
-            <a:off x="731520" y="274320"/>
-            <a:ext cx="10728655" cy="731520"/>
-          </a:xfrm>
-          <a:prstGeom prst="rect">
-            <a:avLst/>
-          </a:prstGeom>
-          <a:noFill/>
-        </p:spPr>
-        <p:txBody>
-          <a:bodyPr wrap="none">
-            <a:spAutoFit/>
-          </a:bodyPr>
-          <a:lstStyle/>
-          <a:p>
-            <a:pPr>
-              <a:defRPr sz="2800" b="1">
-                <a:solidFill>
-                  <a:srgbClr val="1B2A4A"/>
-                </a:solidFill>
-              </a:defRPr>
-            </a:pPr>
-            <a:r>
-              <a:t>Google Gemini Tool Loop</a:t>
-            </a:r>
-          </a:p>
-        </p:txBody>
-      </p:sp>
-      <p:sp>
-        <p:nvSpPr>
-          <p:cNvPr id="4" name="Rounded Rectangle 3"/>
-          <p:cNvSpPr/>
-          <p:nvPr/>
-        </p:nvSpPr>
-        <p:spPr>
-          <a:xfrm>
-            <a:off x="731520" y="1188720"/>
-            <a:ext cx="10728655" cy="5212080"/>
-          </a:xfrm>
-          <a:prstGeom prst="roundRect">
-            <a:avLst/>
-          </a:prstGeom>
-          <a:solidFill>
-            <a:srgbClr val="F0F0F0"/>
-          </a:solidFill>
-          <a:ln w="12700">
-            <a:solidFill>
-              <a:srgbClr val="DDDDDD"/>
-            </a:solidFill>
-          </a:ln>
-        </p:spPr>
-        <p:style>
-          <a:lnRef idx="1">
-            <a:schemeClr val="accent1"/>
-          </a:lnRef>
-          <a:fillRef idx="3">
-            <a:schemeClr val="accent1"/>
-          </a:fillRef>
-          <a:effectRef idx="2">
-            <a:schemeClr val="accent1"/>
-          </a:effectRef>
-          <a:fontRef idx="minor">
-            <a:schemeClr val="lt1"/>
-          </a:fontRef>
-        </p:style>
-        <p:txBody>
-          <a:bodyPr rtlCol="0" anchor="ctr"/>
-          <a:lstStyle/>
-          <a:p>
-            <a:pPr algn="ctr"/>
-          </a:p>
-        </p:txBody>
-      </p:sp>
-      <p:sp>
-        <p:nvSpPr>
-          <p:cNvPr id="5" name="TextBox 4"/>
-          <p:cNvSpPr txBox="1"/>
-          <p:nvPr/>
-        </p:nvSpPr>
-        <p:spPr>
-          <a:xfrm>
-            <a:off x="822960" y="1234440"/>
-            <a:ext cx="1828800" cy="320040"/>
-          </a:xfrm>
-          <a:prstGeom prst="rect">
-            <a:avLst/>
-          </a:prstGeom>
-          <a:noFill/>
-        </p:spPr>
-        <p:txBody>
-          <a:bodyPr wrap="none">
-            <a:spAutoFit/>
-          </a:bodyPr>
-          <a:lstStyle/>
-          <a:p>
-            <a:pPr>
-              <a:defRPr sz="1100" b="1">
-                <a:solidFill>
-                  <a:srgbClr val="666666"/>
-                </a:solidFill>
-              </a:defRPr>
-            </a:pPr>
-            <a:r>
-              <a:t>python</a:t>
-            </a:r>
-          </a:p>
-        </p:txBody>
-      </p:sp>
-      <p:sp>
-        <p:nvSpPr>
-          <p:cNvPr id="6" name="TextBox 5"/>
-          <p:cNvSpPr txBox="1"/>
-          <p:nvPr/>
-        </p:nvSpPr>
-        <p:spPr>
-          <a:xfrm>
-            <a:off x="914400" y="1554480"/>
-            <a:ext cx="10362895" cy="4754880"/>
-          </a:xfrm>
-          <a:prstGeom prst="rect">
-            <a:avLst/>
-          </a:prstGeom>
-          <a:noFill/>
-        </p:spPr>
-        <p:txBody>
-          <a:bodyPr wrap="square">
-            <a:spAutoFit/>
-          </a:bodyPr>
-          <a:lstStyle/>
-          <a:p>
-            <a:pPr algn="l">
-              <a:defRPr sz="1300">
-                <a:solidFill>
-                  <a:srgbClr val="333333"/>
-                </a:solidFill>
-                <a:latin typeface="Consolas"/>
-              </a:defRPr>
-            </a:pPr>
-            <a:r>
-              <a:t>from google.genai import types</a:t>
-            </a:r>
-            <a:br/>
-            <a:br/>
-            <a:r>
-              <a:t>tool = types.Tool(function_declarations=[</a:t>
-            </a:r>
-            <a:br/>
-            <a:r>
-              <a:t>    types.FunctionDeclaration(</a:t>
-            </a:r>
-            <a:br/>
-            <a:r>
-              <a:t>        name="get_weather",</a:t>
-            </a:r>
-            <a:br/>
-            <a:r>
-              <a:t>        description="Get current weather for a city",</a:t>
-            </a:r>
-            <a:br/>
-            <a:r>
-              <a:t>        parameters=types.Schema(</a:t>
-            </a:r>
-            <a:br/>
-            <a:r>
-              <a:t>            type="OBJECT",</a:t>
-            </a:r>
-            <a:br/>
-            <a:r>
-              <a:t>            properties={"city": types.Schema(type="STRING")},</a:t>
-            </a:r>
-            <a:br/>
-            <a:r>
-              <a:t>            required=["city"],</a:t>
-            </a:r>
-            <a:br/>
-            <a:r>
-              <a:t>        )</a:t>
-            </a:r>
-            <a:br/>
-            <a:r>
-              <a:t>    )</a:t>
-            </a:r>
-            <a:br/>
-            <a:r>
-              <a:t>])</a:t>
-            </a:r>
-            <a:br/>
-            <a:br/>
-            <a:r>
-              <a:t>response = client.models.generate_content(</a:t>
-            </a:r>
-            <a:br/>
-            <a:r>
-              <a:t>    model="gemini-2.5-flash", contents=contents,</a:t>
-            </a:r>
-            <a:br/>
-            <a:r>
-              <a:t>    config=types.GenerateContentConfig(tools=[tool]))</a:t>
-            </a:r>
-            <a:br/>
-            <a:br/>
-            <a:r>
-              <a:t># Check for function_call in response.candidates[0].content.parts[0]</a:t>
-            </a:r>
-          </a:p>
-        </p:txBody>
-      </p:sp>
-    </p:spTree>
-  </p:cSld>
-  <p:clrMapOvr>
-    <a:masterClrMapping/>
-  </p:clrMapOvr>
-</p:sld>
-</file>
-
-<file path=ppt/slides/slide8.xml><?xml version="1.0" encoding="utf-8"?>
-<p:sld xmlns:a="http://schemas.openxmlformats.org/drawingml/2006/main" xmlns:p="http://schemas.openxmlformats.org/presentationml/2006/main" xmlns:r="http://schemas.openxmlformats.org/officeDocument/2006/relationships">
-  <p:cSld>
-    <p:spTree>
-      <p:nvGrpSpPr>
-        <p:cNvPr id="1" name=""/>
-        <p:cNvGrpSpPr/>
-        <p:nvPr/>
-      </p:nvGrpSpPr>
-      <p:grpSpPr/>
-      <p:sp>
-        <p:nvSpPr>
-          <p:cNvPr id="2" name="Rectangle 1"/>
-          <p:cNvSpPr/>
-          <p:nvPr/>
-        </p:nvSpPr>
-        <p:spPr>
-          <a:xfrm>
-            <a:off x="0" y="0"/>
-            <a:ext cx="12191695" cy="73152"/>
-          </a:xfrm>
-          <a:prstGeom prst="rect">
-            <a:avLst/>
-          </a:prstGeom>
-          <a:solidFill>
-            <a:srgbClr val="0096D6"/>
-          </a:solidFill>
-          <a:ln>
-            <a:noFill/>
-          </a:ln>
-        </p:spPr>
-        <p:style>
-          <a:lnRef idx="1">
-            <a:schemeClr val="accent1"/>
-          </a:lnRef>
-          <a:fillRef idx="3">
-            <a:schemeClr val="accent1"/>
-          </a:fillRef>
-          <a:effectRef idx="2">
-            <a:schemeClr val="accent1"/>
-          </a:effectRef>
-          <a:fontRef idx="minor">
-            <a:schemeClr val="lt1"/>
-          </a:fontRef>
-        </p:style>
-        <p:txBody>
-          <a:bodyPr rtlCol="0" anchor="ctr"/>
-          <a:lstStyle/>
-          <a:p>
-            <a:pPr algn="ctr"/>
-          </a:p>
-        </p:txBody>
-      </p:sp>
-      <p:sp>
-        <p:nvSpPr>
-          <p:cNvPr id="3" name="TextBox 2"/>
-          <p:cNvSpPr txBox="1"/>
-          <p:nvPr/>
-        </p:nvSpPr>
-        <p:spPr>
-          <a:xfrm>
-            <a:off x="731520" y="274320"/>
-            <a:ext cx="10728655" cy="731520"/>
-          </a:xfrm>
-          <a:prstGeom prst="rect">
-            <a:avLst/>
-          </a:prstGeom>
-          <a:noFill/>
-        </p:spPr>
-        <p:txBody>
-          <a:bodyPr wrap="none">
-            <a:spAutoFit/>
-          </a:bodyPr>
-          <a:lstStyle/>
-          <a:p>
-            <a:pPr>
-              <a:defRPr sz="3200" b="1">
-                <a:solidFill>
-                  <a:srgbClr val="1B2A4A"/>
-                </a:solidFill>
-              </a:defRPr>
-            </a:pPr>
-            <a:r>
-              <a:t>Tool Use — Provider Comparison</a:t>
-            </a:r>
-          </a:p>
-        </p:txBody>
-      </p:sp>
-      <p:graphicFrame>
-        <p:nvGraphicFramePr>
-          <p:cNvPr id="4" name="Table 3"/>
-          <p:cNvGraphicFramePr>
-            <a:graphicFrameLocks noGrp="1"/>
-          </p:cNvGraphicFramePr>
-          <p:nvPr/>
-        </p:nvGraphicFramePr>
-        <p:xfrm>
-          <a:off x="731520" y="1280160"/>
-          <a:ext cx="10728652" cy="2194560"/>
-        </p:xfrm>
-        <a:graphic>
-          <a:graphicData uri="http://schemas.openxmlformats.org/drawingml/2006/table">
-            <a:tbl>
-              <a:tblPr firstRow="1" bandRow="1">
-                <a:tableStyleId>{5C22544A-7EE6-4342-B048-85BDC9FD1C3A}</a:tableStyleId>
-              </a:tblPr>
-              <a:tblGrid>
-                <a:gridCol w="2682163"/>
-                <a:gridCol w="2682163"/>
-                <a:gridCol w="2682163"/>
-                <a:gridCol w="2682163"/>
-              </a:tblGrid>
-              <a:tr h="365760">
-                <a:tc>
-                  <a:txBody>
-                    <a:bodyPr/>
-                    <a:lstStyle/>
-                    <a:p>
-                      <a:pPr algn="ctr">
-                        <a:defRPr sz="1400" b="1">
-                          <a:solidFill>
-                            <a:srgbClr val="FFFFFF"/>
-                          </a:solidFill>
-                        </a:defRPr>
-                      </a:pPr>
-                      <a:r>
-                        <a:t>Feature</a:t>
-                      </a:r>
-                    </a:p>
-                  </a:txBody>
-                  <a:tcPr>
-                    <a:solidFill>
-                      <a:srgbClr val="1B2A4A"/>
-                    </a:solidFill>
-                  </a:tcPr>
-                </a:tc>
-                <a:tc>
-                  <a:txBody>
-                    <a:bodyPr/>
-                    <a:lstStyle/>
-                    <a:p>
-                      <a:pPr algn="ctr">
-                        <a:defRPr sz="1400" b="1">
-                          <a:solidFill>
-                            <a:srgbClr val="FFFFFF"/>
-                          </a:solidFill>
-                        </a:defRPr>
-                      </a:pPr>
-                      <a:r>
-                        <a:t>OpenAI</a:t>
-                      </a:r>
-                    </a:p>
-                  </a:txBody>
-                  <a:tcPr>
-                    <a:solidFill>
-                      <a:srgbClr val="1B2A4A"/>
-                    </a:solidFill>
-                  </a:tcPr>
-                </a:tc>
-                <a:tc>
-                  <a:txBody>
-                    <a:bodyPr/>
-                    <a:lstStyle/>
-                    <a:p>
-                      <a:pPr algn="ctr">
-                        <a:defRPr sz="1400" b="1">
-                          <a:solidFill>
-                            <a:srgbClr val="FFFFFF"/>
-                          </a:solidFill>
-                        </a:defRPr>
-                      </a:pPr>
-                      <a:r>
-                        <a:t>Anthropic</a:t>
-                      </a:r>
-                    </a:p>
-                  </a:txBody>
-                  <a:tcPr>
-                    <a:solidFill>
-                      <a:srgbClr val="1B2A4A"/>
-                    </a:solidFill>
-                  </a:tcPr>
-                </a:tc>
-                <a:tc>
-                  <a:txBody>
-                    <a:bodyPr/>
-                    <a:lstStyle/>
-                    <a:p>
-                      <a:pPr algn="ctr">
-                        <a:defRPr sz="1400" b="1">
-                          <a:solidFill>
-                            <a:srgbClr val="FFFFFF"/>
-                          </a:solidFill>
-                        </a:defRPr>
-                      </a:pPr>
-                      <a:r>
-                        <a:t>Google</a:t>
-                      </a:r>
-                    </a:p>
-                  </a:txBody>
-                  <a:tcPr>
-                    <a:solidFill>
-                      <a:srgbClr val="1B2A4A"/>
-                    </a:solidFill>
-                  </a:tcPr>
-                </a:tc>
-              </a:tr>
-              <a:tr h="365760">
-                <a:tc>
-                  <a:txBody>
-                    <a:bodyPr/>
-                    <a:lstStyle/>
-                    <a:p>
-                      <a:pPr algn="ctr">
-                        <a:defRPr sz="1300">
-                          <a:solidFill>
-                            <a:srgbClr val="333333"/>
-                          </a:solidFill>
-                        </a:defRPr>
-                      </a:pPr>
-                      <a:r>
-                        <a:t>Tool format</a:t>
-                      </a:r>
-                    </a:p>
-                  </a:txBody>
-                  <a:tcPr/>
-                </a:tc>
-                <a:tc>
-                  <a:txBody>
-                    <a:bodyPr/>
-                    <a:lstStyle/>
-                    <a:p>
-                      <a:pPr algn="ctr">
-                        <a:defRPr sz="1300">
-                          <a:solidFill>
-                            <a:srgbClr val="333333"/>
-                          </a:solidFill>
-                        </a:defRPr>
-                      </a:pPr>
-                      <a:r>
-                        <a:t>{type: function, function: ...}</a:t>
-                      </a:r>
-                    </a:p>
-                  </a:txBody>
-                  <a:tcPr/>
-                </a:tc>
-                <a:tc>
-                  <a:txBody>
-                    <a:bodyPr/>
-                    <a:lstStyle/>
-                    <a:p>
-                      <a:pPr algn="ctr">
-                        <a:defRPr sz="1300">
-                          <a:solidFill>
-                            <a:srgbClr val="333333"/>
-                          </a:solidFill>
-                        </a:defRPr>
-                      </a:pPr>
-                      <a:r>
-                        <a:t>{name, input_schema}</a:t>
-                      </a:r>
-                    </a:p>
-                  </a:txBody>
-                  <a:tcPr/>
-                </a:tc>
-                <a:tc>
-                  <a:txBody>
-                    <a:bodyPr/>
-                    <a:lstStyle/>
-                    <a:p>
-                      <a:pPr algn="ctr">
-                        <a:defRPr sz="1300">
-                          <a:solidFill>
-                            <a:srgbClr val="333333"/>
-                          </a:solidFill>
-                        </a:defRPr>
-                      </a:pPr>
-                      <a:r>
-                        <a:t>FunctionDeclaration</a:t>
-                      </a:r>
-                    </a:p>
-                  </a:txBody>
-                  <a:tcPr/>
-                </a:tc>
-              </a:tr>
-              <a:tr h="365760">
-                <a:tc>
-                  <a:txBody>
-                    <a:bodyPr/>
-                    <a:lstStyle/>
-                    <a:p>
-                      <a:pPr algn="ctr">
-                        <a:defRPr sz="1300">
-                          <a:solidFill>
-                            <a:srgbClr val="333333"/>
-                          </a:solidFill>
-                        </a:defRPr>
-                      </a:pPr>
-                      <a:r>
-                        <a:t>Check for calls</a:t>
-                      </a:r>
-                    </a:p>
-                  </a:txBody>
-                  <a:tcPr>
-                    <a:solidFill>
-                      <a:srgbClr val="F5F7FA"/>
-                    </a:solidFill>
-                  </a:tcPr>
-                </a:tc>
-                <a:tc>
-                  <a:txBody>
-                    <a:bodyPr/>
-                    <a:lstStyle/>
-                    <a:p>
-                      <a:pPr algn="ctr">
-                        <a:defRPr sz="1300">
-                          <a:solidFill>
-                            <a:srgbClr val="333333"/>
-                          </a:solidFill>
-                        </a:defRPr>
-                      </a:pPr>
-                      <a:r>
-                        <a:t>msg.tool_calls</a:t>
-                      </a:r>
-                    </a:p>
-                  </a:txBody>
-                  <a:tcPr>
-                    <a:solidFill>
-                      <a:srgbClr val="F5F7FA"/>
-                    </a:solidFill>
-                  </a:tcPr>
-                </a:tc>
-                <a:tc>
-                  <a:txBody>
-                    <a:bodyPr/>
-                    <a:lstStyle/>
-                    <a:p>
-                      <a:pPr algn="ctr">
-                        <a:defRPr sz="1300">
-                          <a:solidFill>
-                            <a:srgbClr val="333333"/>
-                          </a:solidFill>
-                        </a:defRPr>
-                      </a:pPr>
-                      <a:r>
-                        <a:t>stop_reason == 'tool_use'</a:t>
-                      </a:r>
-                    </a:p>
-                  </a:txBody>
-                  <a:tcPr>
-                    <a:solidFill>
-                      <a:srgbClr val="F5F7FA"/>
-                    </a:solidFill>
-                  </a:tcPr>
-                </a:tc>
-                <a:tc>
-                  <a:txBody>
-                    <a:bodyPr/>
-                    <a:lstStyle/>
-                    <a:p>
-                      <a:pPr algn="ctr">
-                        <a:defRPr sz="1300">
-                          <a:solidFill>
-                            <a:srgbClr val="333333"/>
-                          </a:solidFill>
-                        </a:defRPr>
-                      </a:pPr>
-                      <a:r>
-                        <a:t>part.function_call</a:t>
-                      </a:r>
-                    </a:p>
-                  </a:txBody>
-                  <a:tcPr>
-                    <a:solidFill>
-                      <a:srgbClr val="F5F7FA"/>
-                    </a:solidFill>
-                  </a:tcPr>
-                </a:tc>
-              </a:tr>
-              <a:tr h="365760">
-                <a:tc>
-                  <a:txBody>
-                    <a:bodyPr/>
-                    <a:lstStyle/>
-                    <a:p>
-                      <a:pPr algn="ctr">
-                        <a:defRPr sz="1300">
-                          <a:solidFill>
-                            <a:srgbClr val="333333"/>
-                          </a:solidFill>
-                        </a:defRPr>
-                      </a:pPr>
-                      <a:r>
-                        <a:t>Result role</a:t>
-                      </a:r>
-                    </a:p>
-                  </a:txBody>
-                  <a:tcPr/>
-                </a:tc>
-                <a:tc>
-                  <a:txBody>
-                    <a:bodyPr/>
-                    <a:lstStyle/>
-                    <a:p>
-                      <a:pPr algn="ctr">
-                        <a:defRPr sz="1300">
-                          <a:solidFill>
-                            <a:srgbClr val="333333"/>
-                          </a:solidFill>
-                        </a:defRPr>
-                      </a:pPr>
-                      <a:r>
-                        <a:t>role: 'tool'</a:t>
-                      </a:r>
-                    </a:p>
-                  </a:txBody>
-                  <a:tcPr/>
-                </a:tc>
-                <a:tc>
-                  <a:txBody>
-                    <a:bodyPr/>
-                    <a:lstStyle/>
-                    <a:p>
-                      <a:pPr algn="ctr">
-                        <a:defRPr sz="1300">
-                          <a:solidFill>
-                            <a:srgbClr val="333333"/>
-                          </a:solidFill>
-                        </a:defRPr>
-                      </a:pPr>
-                      <a:r>
-                        <a:t>role: 'user' + tool_result</a:t>
-                      </a:r>
-                    </a:p>
-                  </a:txBody>
-                  <a:tcPr/>
-                </a:tc>
-                <a:tc>
-                  <a:txBody>
-                    <a:bodyPr/>
-                    <a:lstStyle/>
-                    <a:p>
-                      <a:pPr algn="ctr">
-                        <a:defRPr sz="1300">
-                          <a:solidFill>
-                            <a:srgbClr val="333333"/>
-                          </a:solidFill>
-                        </a:defRPr>
-                      </a:pPr>
-                      <a:r>
-                        <a:t>FunctionResponse</a:t>
-                      </a:r>
-                    </a:p>
-                  </a:txBody>
-                  <a:tcPr/>
-                </a:tc>
-              </a:tr>
-              <a:tr h="365760">
-                <a:tc>
-                  <a:txBody>
-                    <a:bodyPr/>
-                    <a:lstStyle/>
-                    <a:p>
-                      <a:pPr algn="ctr">
-                        <a:defRPr sz="1300">
-                          <a:solidFill>
-                            <a:srgbClr val="333333"/>
-                          </a:solidFill>
-                        </a:defRPr>
-                      </a:pPr>
-                      <a:r>
-                        <a:t>Parallel calls</a:t>
-                      </a:r>
-                    </a:p>
-                  </a:txBody>
-                  <a:tcPr>
-                    <a:solidFill>
-                      <a:srgbClr val="F5F7FA"/>
-                    </a:solidFill>
-                  </a:tcPr>
-                </a:tc>
-                <a:tc>
-                  <a:txBody>
-                    <a:bodyPr/>
-                    <a:lstStyle/>
-                    <a:p>
-                      <a:pPr algn="ctr">
-                        <a:defRPr sz="1300">
-                          <a:solidFill>
-                            <a:srgbClr val="333333"/>
-                          </a:solidFill>
-                        </a:defRPr>
-                      </a:pPr>
-                      <a:r>
-                        <a:t>Yes (multiple)</a:t>
-                      </a:r>
-                    </a:p>
-                  </a:txBody>
-                  <a:tcPr>
-                    <a:solidFill>
-                      <a:srgbClr val="F5F7FA"/>
-                    </a:solidFill>
-                  </a:tcPr>
-                </a:tc>
-                <a:tc>
-                  <a:txBody>
-                    <a:bodyPr/>
-                    <a:lstStyle/>
-                    <a:p>
-                      <a:pPr algn="ctr">
-                        <a:defRPr sz="1300">
-                          <a:solidFill>
-                            <a:srgbClr val="333333"/>
-                          </a:solidFill>
-                        </a:defRPr>
-                      </a:pPr>
-                      <a:r>
-                        <a:t>Yes (multiple)</a:t>
-                      </a:r>
-                    </a:p>
-                  </a:txBody>
-                  <a:tcPr>
-                    <a:solidFill>
-                      <a:srgbClr val="F5F7FA"/>
-                    </a:solidFill>
-                  </a:tcPr>
-                </a:tc>
-                <a:tc>
-                  <a:txBody>
-                    <a:bodyPr/>
-                    <a:lstStyle/>
-                    <a:p>
-                      <a:pPr algn="ctr">
-                        <a:defRPr sz="1300">
-                          <a:solidFill>
-                            <a:srgbClr val="333333"/>
-                          </a:solidFill>
-                        </a:defRPr>
-                      </a:pPr>
-                      <a:r>
-                        <a:t>Yes</a:t>
-                      </a:r>
-                    </a:p>
-                  </a:txBody>
-                  <a:tcPr>
-                    <a:solidFill>
-                      <a:srgbClr val="F5F7FA"/>
-                    </a:solidFill>
-                  </a:tcPr>
-                </a:tc>
-              </a:tr>
-              <a:tr h="365760">
-                <a:tc>
-                  <a:txBody>
-                    <a:bodyPr/>
-                    <a:lstStyle/>
-                    <a:p>
-                      <a:pPr algn="ctr">
-                        <a:defRPr sz="1300">
-                          <a:solidFill>
-                            <a:srgbClr val="333333"/>
-                          </a:solidFill>
-                        </a:defRPr>
-                      </a:pPr>
-                      <a:r>
-                        <a:t>Structured output</a:t>
-                      </a:r>
-                    </a:p>
-                  </a:txBody>
-                  <a:tcPr/>
-                </a:tc>
-                <a:tc>
-                  <a:txBody>
-                    <a:bodyPr/>
-                    <a:lstStyle/>
-                    <a:p>
-                      <a:pPr algn="ctr">
-                        <a:defRPr sz="1300">
-                          <a:solidFill>
-                            <a:srgbClr val="333333"/>
-                          </a:solidFill>
-                        </a:defRPr>
-                      </a:pPr>
-                      <a:r>
-                        <a:t>Native response_format</a:t>
-                      </a:r>
-                    </a:p>
-                  </a:txBody>
-                  <a:tcPr/>
-                </a:tc>
-                <a:tc>
-                  <a:txBody>
-                    <a:bodyPr/>
-                    <a:lstStyle/>
-                    <a:p>
-                      <a:pPr algn="ctr">
-                        <a:defRPr sz="1300">
-                          <a:solidFill>
-                            <a:srgbClr val="333333"/>
-                          </a:solidFill>
-                        </a:defRPr>
-                      </a:pPr>
-                      <a:r>
-                        <a:t>Tool-use trick</a:t>
-                      </a:r>
-                    </a:p>
-                  </a:txBody>
-                  <a:tcPr/>
-                </a:tc>
-                <a:tc>
-                  <a:txBody>
-                    <a:bodyPr/>
-                    <a:lstStyle/>
-                    <a:p>
-                      <a:pPr algn="ctr">
-                        <a:defRPr sz="1300">
-                          <a:solidFill>
-                            <a:srgbClr val="333333"/>
-                          </a:solidFill>
-                        </a:defRPr>
-                      </a:pPr>
-                      <a:r>
-                        <a:t>response_schema</a:t>
-                      </a:r>
-                    </a:p>
-                  </a:txBody>
-                  <a:tcPr/>
-                </a:tc>
-              </a:tr>
-            </a:tbl>
-          </a:graphicData>
-        </a:graphic>
-      </p:graphicFrame>
-    </p:spTree>
-  </p:cSld>
-  <p:clrMapOvr>
-    <a:masterClrMapping/>
-  </p:clrMapOvr>
-</p:sld>
-</file>
-
-<file path=ppt/slides/slide9.xml><?xml version="1.0" encoding="utf-8"?>
-<p:sld xmlns:a="http://schemas.openxmlformats.org/drawingml/2006/main" xmlns:p="http://schemas.openxmlformats.org/presentationml/2006/main" xmlns:r="http://schemas.openxmlformats.org/officeDocument/2006/relationships">
-  <p:cSld>
-    <p:spTree>
-      <p:nvGrpSpPr>
-        <p:cNvPr id="1" name=""/>
-        <p:cNvGrpSpPr/>
-        <p:nvPr/>
-      </p:nvGrpSpPr>
-      <p:grpSpPr/>
-      <p:sp>
-        <p:nvSpPr>
-          <p:cNvPr id="2" name="Rectangle 1"/>
-          <p:cNvSpPr/>
-          <p:nvPr/>
-        </p:nvSpPr>
-        <p:spPr>
-          <a:xfrm>
-            <a:off x="0" y="0"/>
-            <a:ext cx="12191695" cy="73152"/>
-          </a:xfrm>
-          <a:prstGeom prst="rect">
-            <a:avLst/>
-          </a:prstGeom>
-          <a:solidFill>
-            <a:srgbClr val="0096D6"/>
-          </a:solidFill>
-          <a:ln>
-            <a:noFill/>
-          </a:ln>
-        </p:spPr>
-        <p:style>
-          <a:lnRef idx="1">
-            <a:schemeClr val="accent1"/>
-          </a:lnRef>
-          <a:fillRef idx="3">
-            <a:schemeClr val="accent1"/>
-          </a:fillRef>
-          <a:effectRef idx="2">
-            <a:schemeClr val="accent1"/>
-          </a:effectRef>
-          <a:fontRef idx="minor">
-            <a:schemeClr val="lt1"/>
-          </a:fontRef>
-        </p:style>
-        <p:txBody>
-          <a:bodyPr rtlCol="0" anchor="ctr"/>
-          <a:lstStyle/>
-          <a:p>
-            <a:pPr algn="ctr"/>
-          </a:p>
-        </p:txBody>
-      </p:sp>
-      <p:sp>
-        <p:nvSpPr>
-          <p:cNvPr id="3" name="TextBox 2"/>
-          <p:cNvSpPr txBox="1"/>
-          <p:nvPr/>
-        </p:nvSpPr>
-        <p:spPr>
-          <a:xfrm>
-            <a:off x="731520" y="274320"/>
-            <a:ext cx="10728655" cy="731520"/>
-          </a:xfrm>
-          <a:prstGeom prst="rect">
-            <a:avLst/>
-          </a:prstGeom>
-          <a:noFill/>
-        </p:spPr>
-        <p:txBody>
-          <a:bodyPr wrap="none">
-            <a:spAutoFit/>
-          </a:bodyPr>
-          <a:lstStyle/>
-          <a:p>
-            <a:pPr>
-              <a:defRPr sz="3200" b="1">
-                <a:solidFill>
-                  <a:srgbClr val="1B2A4A"/>
-                </a:solidFill>
-              </a:defRPr>
-            </a:pPr>
-            <a:r>
-              <a:t>Assistants API vs Messages API</a:t>
-            </a:r>
-          </a:p>
-        </p:txBody>
-      </p:sp>
-      <p:sp>
-        <p:nvSpPr>
-          <p:cNvPr id="4" name="TextBox 3"/>
-          <p:cNvSpPr txBox="1"/>
-          <p:nvPr/>
-        </p:nvSpPr>
-        <p:spPr>
-          <a:xfrm>
-            <a:off x="731520" y="1188720"/>
-            <a:ext cx="5029200" cy="457200"/>
-          </a:xfrm>
-          <a:prstGeom prst="rect">
-            <a:avLst/>
-          </a:prstGeom>
-          <a:noFill/>
-        </p:spPr>
-        <p:txBody>
-          <a:bodyPr wrap="none">
-            <a:spAutoFit/>
-          </a:bodyPr>
-          <a:lstStyle/>
-          <a:p>
-            <a:pPr>
-              <a:defRPr sz="2200" b="1">
-                <a:solidFill>
-                  <a:srgbClr val="0096D6"/>
-                </a:solidFill>
-              </a:defRPr>
-            </a:pPr>
-            <a:r>
-              <a:t>OpenAI Assistants API</a:t>
-            </a:r>
-          </a:p>
-        </p:txBody>
-      </p:sp>
-      <p:sp>
-        <p:nvSpPr>
-          <p:cNvPr id="5" name="TextBox 4"/>
-          <p:cNvSpPr txBox="1"/>
-          <p:nvPr/>
-        </p:nvSpPr>
-        <p:spPr>
-          <a:xfrm>
-            <a:off x="731520" y="1737360"/>
-            <a:ext cx="5029200" cy="4572000"/>
-          </a:xfrm>
-          <a:prstGeom prst="rect">
-            <a:avLst/>
-          </a:prstGeom>
-          <a:noFill/>
-        </p:spPr>
-        <p:txBody>
-          <a:bodyPr wrap="square">
-            <a:spAutoFit/>
-          </a:bodyPr>
-          <a:lstStyle/>
-          <a:p>
-            <a:pPr>
-              <a:spcAft>
-                <a:spcPts val="600"/>
-              </a:spcAft>
-              <a:defRPr sz="1800">
-                <a:solidFill>
-                  <a:srgbClr val="333333"/>
-                </a:solidFill>
-              </a:defRPr>
-            </a:pPr>
-            <a:r>
-              <a:t>Server-side conversation state</a:t>
-            </a:r>
-          </a:p>
-          <a:p>
-            <a:pPr>
-              <a:spcAft>
-                <a:spcPts val="600"/>
-              </a:spcAft>
-              <a:defRPr sz="1800">
-                <a:solidFill>
-                  <a:srgbClr val="333333"/>
-                </a:solidFill>
-              </a:defRPr>
-            </a:pPr>
-            <a:r>
-              <a:t>Built-in file search &amp; code interpreter</a:t>
-            </a:r>
-          </a:p>
-          <a:p>
-            <a:pPr>
-              <a:spcAft>
-                <a:spcPts val="600"/>
-              </a:spcAft>
-              <a:defRPr sz="1800">
-                <a:solidFill>
-                  <a:srgbClr val="333333"/>
-                </a:solidFill>
-              </a:defRPr>
-            </a:pPr>
-            <a:r>
-              <a:t>Threads persist across sessions</a:t>
-            </a:r>
-          </a:p>
-          <a:p>
-            <a:pPr>
-              <a:spcAft>
-                <a:spcPts val="600"/>
-              </a:spcAft>
-              <a:defRPr sz="1800">
-                <a:solidFill>
-                  <a:srgbClr val="333333"/>
-                </a:solidFill>
-              </a:defRPr>
-            </a:pPr>
-            <a:r>
-              <a:t>Automatic tool execution loop</a:t>
-            </a:r>
-          </a:p>
-          <a:p>
-            <a:pPr>
-              <a:spcAft>
-                <a:spcPts val="600"/>
-              </a:spcAft>
-              <a:defRPr sz="1800">
-                <a:solidFill>
-                  <a:srgbClr val="333333"/>
-                </a:solidFill>
-              </a:defRPr>
-            </a:pPr>
-            <a:r>
-              <a:t>Higher cost (storage fees)</a:t>
-            </a:r>
-          </a:p>
-          <a:p>
-            <a:pPr>
-              <a:spcAft>
-                <a:spcPts val="600"/>
-              </a:spcAft>
-              <a:defRPr sz="1800">
-                <a:solidFill>
-                  <a:srgbClr val="333333"/>
-                </a:solidFill>
-              </a:defRPr>
-            </a:pPr>
-            <a:r>
-              <a:t>Good for: chatbots, file Q&amp;A</a:t>
-            </a:r>
-          </a:p>
-        </p:txBody>
-      </p:sp>
-      <p:sp>
-        <p:nvSpPr>
-          <p:cNvPr id="6" name="TextBox 5"/>
-          <p:cNvSpPr txBox="1"/>
-          <p:nvPr/>
-        </p:nvSpPr>
-        <p:spPr>
-          <a:xfrm>
-            <a:off x="6400800" y="1188720"/>
-            <a:ext cx="5029200" cy="457200"/>
-          </a:xfrm>
-          <a:prstGeom prst="rect">
-            <a:avLst/>
-          </a:prstGeom>
-          <a:noFill/>
-        </p:spPr>
-        <p:txBody>
-          <a:bodyPr wrap="none">
-            <a:spAutoFit/>
-          </a:bodyPr>
-          <a:lstStyle/>
-          <a:p>
-            <a:pPr>
-              <a:defRPr sz="2200" b="1">
-                <a:solidFill>
-                  <a:srgbClr val="0096D6"/>
-                </a:solidFill>
-              </a:defRPr>
-            </a:pPr>
-            <a:r>
-              <a:t>Messages API (All Providers)</a:t>
-            </a:r>
-          </a:p>
-        </p:txBody>
-      </p:sp>
-      <p:sp>
-        <p:nvSpPr>
-          <p:cNvPr id="7" name="TextBox 6"/>
-          <p:cNvSpPr txBox="1"/>
-          <p:nvPr/>
-        </p:nvSpPr>
-        <p:spPr>
-          <a:xfrm>
-            <a:off x="6400800" y="1737360"/>
-            <a:ext cx="5029200" cy="4572000"/>
-          </a:xfrm>
-          <a:prstGeom prst="rect">
-            <a:avLst/>
-          </a:prstGeom>
-          <a:noFill/>
-        </p:spPr>
-        <p:txBody>
-          <a:bodyPr wrap="square">
-            <a:spAutoFit/>
-          </a:bodyPr>
-          <a:lstStyle/>
-          <a:p>
-            <a:pPr>
-              <a:spcAft>
-                <a:spcPts val="600"/>
-              </a:spcAft>
-              <a:defRPr sz="1800">
-                <a:solidFill>
-                  <a:srgbClr val="333333"/>
-                </a:solidFill>
-              </a:defRPr>
-            </a:pPr>
-            <a:r>
-              <a:t>Stateless — you manage history</a:t>
-            </a:r>
-          </a:p>
-          <a:p>
-            <a:pPr>
-              <a:spcAft>
-                <a:spcPts val="600"/>
-              </a:spcAft>
-              <a:defRPr sz="1800">
-                <a:solidFill>
-                  <a:srgbClr val="333333"/>
-                </a:solidFill>
-              </a:defRPr>
-            </a:pPr>
-            <a:r>
-              <a:t>Full control over tool execution</a:t>
-            </a:r>
-          </a:p>
-          <a:p>
-            <a:pPr>
-              <a:spcAft>
-                <a:spcPts val="600"/>
-              </a:spcAft>
-              <a:defRPr sz="1800">
-                <a:solidFill>
-                  <a:srgbClr val="333333"/>
-                </a:solidFill>
-              </a:defRPr>
-            </a:pPr>
-            <a:r>
-              <a:t>No storage fees</a:t>
-            </a:r>
-          </a:p>
-          <a:p>
-            <a:pPr>
-              <a:spcAft>
-                <a:spcPts val="600"/>
-              </a:spcAft>
-              <a:defRPr sz="1800">
-                <a:solidFill>
-                  <a:srgbClr val="333333"/>
-                </a:solidFill>
-              </a:defRPr>
-            </a:pPr>
-            <a:r>
-              <a:t>Works with any provider</a:t>
-            </a:r>
-          </a:p>
-          <a:p>
-            <a:pPr>
-              <a:spcAft>
-                <a:spcPts val="600"/>
-              </a:spcAft>
-              <a:defRPr sz="1800">
-                <a:solidFill>
-                  <a:srgbClr val="333333"/>
-                </a:solidFill>
-              </a:defRPr>
-            </a:pPr>
-            <a:r>
-              <a:t>You build the tool loop</a:t>
-            </a:r>
-          </a:p>
-          <a:p>
-            <a:pPr>
-              <a:spcAft>
-                <a:spcPts val="600"/>
-              </a:spcAft>
-              <a:defRPr sz="1800">
-                <a:solidFill>
-                  <a:srgbClr val="333333"/>
-                </a:solidFill>
-              </a:defRPr>
-            </a:pPr>
-            <a:r>
-              <a:t>Good for: custom apps, agents</a:t>
+              <a:defRPr sz="2200">
+                <a:solidFill>
+                  <a:srgbClr val="222222"/>
+                </a:solidFill>
+              </a:defRPr>
+            </a:pPr>
+            <a:r>
+              <a:t>Both approaches work — just different trade-offs</a:t>
             </a:r>
           </a:p>
         </p:txBody>
